--- a/2022/07_observer_metamerism/docs/graph.pptx
+++ b/2022/07_observer_metamerism/docs/graph.pptx
@@ -9,8 +9,12 @@
     <p:sldId id="257" r:id="rId3"/>
     <p:sldId id="258" r:id="rId4"/>
     <p:sldId id="259" r:id="rId5"/>
-    <p:sldId id="261" r:id="rId6"/>
+    <p:sldId id="262" r:id="rId6"/>
     <p:sldId id="260" r:id="rId7"/>
+    <p:sldId id="263" r:id="rId8"/>
+    <p:sldId id="264" r:id="rId9"/>
+    <p:sldId id="265" r:id="rId10"/>
+    <p:sldId id="266" r:id="rId11"/>
   </p:sldIdLst>
   <p:sldSz cx="12192000" cy="6858000"/>
   <p:notesSz cx="6858000" cy="9144000"/>
@@ -121,8 +125,8 @@
 <pc:chgInfo xmlns:a="http://schemas.openxmlformats.org/drawingml/2006/main" xmlns:r="http://schemas.openxmlformats.org/officeDocument/2006/relationships" xmlns:ac="http://schemas.microsoft.com/office/drawing/2013/main/command" xmlns:pc="http://schemas.microsoft.com/office/powerpoint/2013/main/command">
   <pc:docChgLst>
     <pc:chgData name="Yoshihara Toru" userId="86ccaa3c9aeaa58c" providerId="LiveId" clId="{73493B93-E617-415F-9DD1-643A07938CBD}"/>
-    <pc:docChg chg="undo custSel mod addSld modSld sldOrd">
-      <pc:chgData name="Yoshihara Toru" userId="86ccaa3c9aeaa58c" providerId="LiveId" clId="{73493B93-E617-415F-9DD1-643A07938CBD}" dt="2022-09-18T10:28:51.253" v="1567" actId="1076"/>
+    <pc:docChg chg="undo custSel mod addSld delSld modSld sldOrd">
+      <pc:chgData name="Yoshihara Toru" userId="86ccaa3c9aeaa58c" providerId="LiveId" clId="{73493B93-E617-415F-9DD1-643A07938CBD}" dt="2022-09-19T09:35:51.018" v="1927" actId="20577"/>
       <pc:docMkLst>
         <pc:docMk/>
       </pc:docMkLst>
@@ -588,7 +592,7 @@
         </pc:cxnChg>
       </pc:sldChg>
       <pc:sldChg chg="addSp delSp modSp new mod">
-        <pc:chgData name="Yoshihara Toru" userId="86ccaa3c9aeaa58c" providerId="LiveId" clId="{73493B93-E617-415F-9DD1-643A07938CBD}" dt="2022-09-18T10:25:46.327" v="1559" actId="1076"/>
+        <pc:chgData name="Yoshihara Toru" userId="86ccaa3c9aeaa58c" providerId="LiveId" clId="{73493B93-E617-415F-9DD1-643A07938CBD}" dt="2022-09-19T05:03:42.741" v="1833" actId="114"/>
         <pc:sldMkLst>
           <pc:docMk/>
           <pc:sldMk cId="763239801" sldId="259"/>
@@ -601,6 +605,14 @@
             <ac:spMk id="2" creationId="{B2E2296F-9249-3721-AB3D-FB474690FDEA}"/>
           </ac:spMkLst>
         </pc:spChg>
+        <pc:spChg chg="add del mod">
+          <ac:chgData name="Yoshihara Toru" userId="86ccaa3c9aeaa58c" providerId="LiveId" clId="{73493B93-E617-415F-9DD1-643A07938CBD}" dt="2022-09-18T23:52:30.999" v="1575" actId="478"/>
+          <ac:spMkLst>
+            <pc:docMk/>
+            <pc:sldMk cId="763239801" sldId="259"/>
+            <ac:spMk id="2" creationId="{D20D6921-E2A3-6BB0-9395-00868B5DFFBE}"/>
+          </ac:spMkLst>
+        </pc:spChg>
         <pc:spChg chg="del">
           <ac:chgData name="Yoshihara Toru" userId="86ccaa3c9aeaa58c" providerId="LiveId" clId="{73493B93-E617-415F-9DD1-643A07938CBD}" dt="2022-09-18T06:55:17.900" v="385" actId="478"/>
           <ac:spMkLst>
@@ -610,7 +622,7 @@
           </ac:spMkLst>
         </pc:spChg>
         <pc:spChg chg="add mod topLvl">
-          <ac:chgData name="Yoshihara Toru" userId="86ccaa3c9aeaa58c" providerId="LiveId" clId="{73493B93-E617-415F-9DD1-643A07938CBD}" dt="2022-09-18T07:09:42.557" v="558" actId="164"/>
+          <ac:chgData name="Yoshihara Toru" userId="86ccaa3c9aeaa58c" providerId="LiveId" clId="{73493B93-E617-415F-9DD1-643A07938CBD}" dt="2022-09-19T04:53:29.629" v="1817" actId="208"/>
           <ac:spMkLst>
             <pc:docMk/>
             <pc:sldMk cId="763239801" sldId="259"/>
@@ -618,7 +630,7 @@
           </ac:spMkLst>
         </pc:spChg>
         <pc:spChg chg="add mod topLvl">
-          <ac:chgData name="Yoshihara Toru" userId="86ccaa3c9aeaa58c" providerId="LiveId" clId="{73493B93-E617-415F-9DD1-643A07938CBD}" dt="2022-09-18T07:09:42.557" v="558" actId="164"/>
+          <ac:chgData name="Yoshihara Toru" userId="86ccaa3c9aeaa58c" providerId="LiveId" clId="{73493B93-E617-415F-9DD1-643A07938CBD}" dt="2022-09-19T04:53:33.171" v="1818" actId="208"/>
           <ac:spMkLst>
             <pc:docMk/>
             <pc:sldMk cId="763239801" sldId="259"/>
@@ -626,7 +638,7 @@
           </ac:spMkLst>
         </pc:spChg>
         <pc:spChg chg="add mod">
-          <ac:chgData name="Yoshihara Toru" userId="86ccaa3c9aeaa58c" providerId="LiveId" clId="{73493B93-E617-415F-9DD1-643A07938CBD}" dt="2022-09-18T10:25:46.327" v="1559" actId="1076"/>
+          <ac:chgData name="Yoshihara Toru" userId="86ccaa3c9aeaa58c" providerId="LiveId" clId="{73493B93-E617-415F-9DD1-643A07938CBD}" dt="2022-09-18T23:55:31.217" v="1611" actId="1076"/>
           <ac:spMkLst>
             <pc:docMk/>
             <pc:sldMk cId="763239801" sldId="259"/>
@@ -665,8 +677,16 @@
             <ac:spMk id="11" creationId="{9C0B430E-37FB-DED8-4EDC-D87935BCB459}"/>
           </ac:spMkLst>
         </pc:spChg>
+        <pc:spChg chg="add del mod">
+          <ac:chgData name="Yoshihara Toru" userId="86ccaa3c9aeaa58c" providerId="LiveId" clId="{73493B93-E617-415F-9DD1-643A07938CBD}" dt="2022-09-18T23:55:42.943" v="1617" actId="478"/>
+          <ac:spMkLst>
+            <pc:docMk/>
+            <pc:sldMk cId="763239801" sldId="259"/>
+            <ac:spMk id="60" creationId="{5AE9AD20-52F7-440D-80D1-28CF542E0628}"/>
+          </ac:spMkLst>
+        </pc:spChg>
         <pc:spChg chg="add mod topLvl">
-          <ac:chgData name="Yoshihara Toru" userId="86ccaa3c9aeaa58c" providerId="LiveId" clId="{73493B93-E617-415F-9DD1-643A07938CBD}" dt="2022-09-18T10:25:46.327" v="1559" actId="1076"/>
+          <ac:chgData name="Yoshihara Toru" userId="86ccaa3c9aeaa58c" providerId="LiveId" clId="{73493B93-E617-415F-9DD1-643A07938CBD}" dt="2022-09-18T23:51:57.113" v="1569" actId="1076"/>
           <ac:spMkLst>
             <pc:docMk/>
             <pc:sldMk cId="763239801" sldId="259"/>
@@ -674,7 +694,15 @@
           </ac:spMkLst>
         </pc:spChg>
         <pc:spChg chg="add mod">
-          <ac:chgData name="Yoshihara Toru" userId="86ccaa3c9aeaa58c" providerId="LiveId" clId="{73493B93-E617-415F-9DD1-643A07938CBD}" dt="2022-09-18T10:25:46.327" v="1559" actId="1076"/>
+          <ac:chgData name="Yoshihara Toru" userId="86ccaa3c9aeaa58c" providerId="LiveId" clId="{73493B93-E617-415F-9DD1-643A07938CBD}" dt="2022-09-19T00:21:11.858" v="1670" actId="571"/>
+          <ac:spMkLst>
+            <pc:docMk/>
+            <pc:sldMk cId="763239801" sldId="259"/>
+            <ac:spMk id="79" creationId="{9F09E391-7083-C8E6-EE30-EFC110E0F2C5}"/>
+          </ac:spMkLst>
+        </pc:spChg>
+        <pc:spChg chg="add mod">
+          <ac:chgData name="Yoshihara Toru" userId="86ccaa3c9aeaa58c" providerId="LiveId" clId="{73493B93-E617-415F-9DD1-643A07938CBD}" dt="2022-09-19T05:03:28.572" v="1831" actId="207"/>
           <ac:spMkLst>
             <pc:docMk/>
             <pc:sldMk cId="763239801" sldId="259"/>
@@ -714,7 +742,7 @@
           </ac:spMkLst>
         </pc:spChg>
         <pc:spChg chg="add mod">
-          <ac:chgData name="Yoshihara Toru" userId="86ccaa3c9aeaa58c" providerId="LiveId" clId="{73493B93-E617-415F-9DD1-643A07938CBD}" dt="2022-09-18T10:25:46.327" v="1559" actId="1076"/>
+          <ac:chgData name="Yoshihara Toru" userId="86ccaa3c9aeaa58c" providerId="LiveId" clId="{73493B93-E617-415F-9DD1-643A07938CBD}" dt="2022-09-19T00:18:55.356" v="1656" actId="1076"/>
           <ac:spMkLst>
             <pc:docMk/>
             <pc:sldMk cId="763239801" sldId="259"/>
@@ -722,7 +750,7 @@
           </ac:spMkLst>
         </pc:spChg>
         <pc:spChg chg="add mod">
-          <ac:chgData name="Yoshihara Toru" userId="86ccaa3c9aeaa58c" providerId="LiveId" clId="{73493B93-E617-415F-9DD1-643A07938CBD}" dt="2022-09-18T10:25:46.327" v="1559" actId="1076"/>
+          <ac:chgData name="Yoshihara Toru" userId="86ccaa3c9aeaa58c" providerId="LiveId" clId="{73493B93-E617-415F-9DD1-643A07938CBD}" dt="2022-09-18T23:54:01.527" v="1591" actId="14100"/>
           <ac:spMkLst>
             <pc:docMk/>
             <pc:sldMk cId="763239801" sldId="259"/>
@@ -770,7 +798,7 @@
           </ac:spMkLst>
         </pc:spChg>
         <pc:spChg chg="add mod ord">
-          <ac:chgData name="Yoshihara Toru" userId="86ccaa3c9aeaa58c" providerId="LiveId" clId="{73493B93-E617-415F-9DD1-643A07938CBD}" dt="2022-09-18T10:25:46.327" v="1559" actId="1076"/>
+          <ac:chgData name="Yoshihara Toru" userId="86ccaa3c9aeaa58c" providerId="LiveId" clId="{73493B93-E617-415F-9DD1-643A07938CBD}" dt="2022-09-19T00:24:47.476" v="1701" actId="14100"/>
           <ac:spMkLst>
             <pc:docMk/>
             <pc:sldMk cId="763239801" sldId="259"/>
@@ -778,7 +806,7 @@
           </ac:spMkLst>
         </pc:spChg>
         <pc:spChg chg="add mod">
-          <ac:chgData name="Yoshihara Toru" userId="86ccaa3c9aeaa58c" providerId="LiveId" clId="{73493B93-E617-415F-9DD1-643A07938CBD}" dt="2022-09-18T10:25:46.327" v="1559" actId="1076"/>
+          <ac:chgData name="Yoshihara Toru" userId="86ccaa3c9aeaa58c" providerId="LiveId" clId="{73493B93-E617-415F-9DD1-643A07938CBD}" dt="2022-09-19T00:25:48.591" v="1706" actId="14100"/>
           <ac:spMkLst>
             <pc:docMk/>
             <pc:sldMk cId="763239801" sldId="259"/>
@@ -786,7 +814,7 @@
           </ac:spMkLst>
         </pc:spChg>
         <pc:spChg chg="add mod">
-          <ac:chgData name="Yoshihara Toru" userId="86ccaa3c9aeaa58c" providerId="LiveId" clId="{73493B93-E617-415F-9DD1-643A07938CBD}" dt="2022-09-18T10:25:46.327" v="1559" actId="1076"/>
+          <ac:chgData name="Yoshihara Toru" userId="86ccaa3c9aeaa58c" providerId="LiveId" clId="{73493B93-E617-415F-9DD1-643A07938CBD}" dt="2022-09-19T00:24:52.178" v="1702" actId="14100"/>
           <ac:spMkLst>
             <pc:docMk/>
             <pc:sldMk cId="763239801" sldId="259"/>
@@ -794,7 +822,7 @@
           </ac:spMkLst>
         </pc:spChg>
         <pc:spChg chg="add mod">
-          <ac:chgData name="Yoshihara Toru" userId="86ccaa3c9aeaa58c" providerId="LiveId" clId="{73493B93-E617-415F-9DD1-643A07938CBD}" dt="2022-09-18T10:25:46.327" v="1559" actId="1076"/>
+          <ac:chgData name="Yoshihara Toru" userId="86ccaa3c9aeaa58c" providerId="LiveId" clId="{73493B93-E617-415F-9DD1-643A07938CBD}" dt="2022-09-19T00:25:27.306" v="1704" actId="14100"/>
           <ac:spMkLst>
             <pc:docMk/>
             <pc:sldMk cId="763239801" sldId="259"/>
@@ -802,7 +830,7 @@
           </ac:spMkLst>
         </pc:spChg>
         <pc:spChg chg="add mod ord">
-          <ac:chgData name="Yoshihara Toru" userId="86ccaa3c9aeaa58c" providerId="LiveId" clId="{73493B93-E617-415F-9DD1-643A07938CBD}" dt="2022-09-18T10:25:46.327" v="1559" actId="1076"/>
+          <ac:chgData name="Yoshihara Toru" userId="86ccaa3c9aeaa58c" providerId="LiveId" clId="{73493B93-E617-415F-9DD1-643A07938CBD}" dt="2022-09-19T04:59:48.478" v="1828" actId="14100"/>
           <ac:spMkLst>
             <pc:docMk/>
             <pc:sldMk cId="763239801" sldId="259"/>
@@ -810,7 +838,7 @@
           </ac:spMkLst>
         </pc:spChg>
         <pc:spChg chg="add mod">
-          <ac:chgData name="Yoshihara Toru" userId="86ccaa3c9aeaa58c" providerId="LiveId" clId="{73493B93-E617-415F-9DD1-643A07938CBD}" dt="2022-09-18T10:25:46.327" v="1559" actId="1076"/>
+          <ac:chgData name="Yoshihara Toru" userId="86ccaa3c9aeaa58c" providerId="LiveId" clId="{73493B93-E617-415F-9DD1-643A07938CBD}" dt="2022-09-19T05:03:42.741" v="1833" actId="114"/>
           <ac:spMkLst>
             <pc:docMk/>
             <pc:sldMk cId="763239801" sldId="259"/>
@@ -889,8 +917,8 @@
             <ac:grpSpMk id="73" creationId="{055225E8-E694-C2C5-2983-A31B21B377A1}"/>
           </ac:grpSpMkLst>
         </pc:grpChg>
-        <pc:grpChg chg="add mod">
-          <ac:chgData name="Yoshihara Toru" userId="86ccaa3c9aeaa58c" providerId="LiveId" clId="{73493B93-E617-415F-9DD1-643A07938CBD}" dt="2022-09-18T10:25:46.327" v="1559" actId="1076"/>
+        <pc:grpChg chg="add del mod">
+          <ac:chgData name="Yoshihara Toru" userId="86ccaa3c9aeaa58c" providerId="LiveId" clId="{73493B93-E617-415F-9DD1-643A07938CBD}" dt="2022-09-19T04:53:20.539" v="1816" actId="165"/>
           <ac:grpSpMkLst>
             <pc:docMk/>
             <pc:sldMk cId="763239801" sldId="259"/>
@@ -930,7 +958,7 @@
           </ac:grpSpMkLst>
         </pc:grpChg>
         <pc:grpChg chg="add mod">
-          <ac:chgData name="Yoshihara Toru" userId="86ccaa3c9aeaa58c" providerId="LiveId" clId="{73493B93-E617-415F-9DD1-643A07938CBD}" dt="2022-09-18T10:25:46.327" v="1559" actId="1076"/>
+          <ac:chgData name="Yoshihara Toru" userId="86ccaa3c9aeaa58c" providerId="LiveId" clId="{73493B93-E617-415F-9DD1-643A07938CBD}" dt="2022-09-19T00:18:50.010" v="1651" actId="1076"/>
           <ac:grpSpMkLst>
             <pc:docMk/>
             <pc:sldMk cId="763239801" sldId="259"/>
@@ -946,7 +974,7 @@
           </ac:picMkLst>
         </pc:picChg>
         <pc:picChg chg="add mod">
-          <ac:chgData name="Yoshihara Toru" userId="86ccaa3c9aeaa58c" providerId="LiveId" clId="{73493B93-E617-415F-9DD1-643A07938CBD}" dt="2022-09-18T10:25:46.327" v="1559" actId="1076"/>
+          <ac:chgData name="Yoshihara Toru" userId="86ccaa3c9aeaa58c" providerId="LiveId" clId="{73493B93-E617-415F-9DD1-643A07938CBD}" dt="2022-09-19T00:18:47.308" v="1650" actId="1076"/>
           <ac:picMkLst>
             <pc:docMk/>
             <pc:sldMk cId="763239801" sldId="259"/>
@@ -1362,7 +1390,7 @@
           </ac:cxnSpMkLst>
         </pc:cxnChg>
         <pc:cxnChg chg="add mod topLvl">
-          <ac:chgData name="Yoshihara Toru" userId="86ccaa3c9aeaa58c" providerId="LiveId" clId="{73493B93-E617-415F-9DD1-643A07938CBD}" dt="2022-09-18T10:25:46.327" v="1559" actId="1076"/>
+          <ac:chgData name="Yoshihara Toru" userId="86ccaa3c9aeaa58c" providerId="LiveId" clId="{73493B93-E617-415F-9DD1-643A07938CBD}" dt="2022-09-18T23:51:57.113" v="1569" actId="1076"/>
           <ac:cxnSpMkLst>
             <pc:docMk/>
             <pc:sldMk cId="763239801" sldId="259"/>
@@ -1386,7 +1414,7 @@
           </ac:cxnSpMkLst>
         </pc:cxnChg>
         <pc:cxnChg chg="add mod topLvl">
-          <ac:chgData name="Yoshihara Toru" userId="86ccaa3c9aeaa58c" providerId="LiveId" clId="{73493B93-E617-415F-9DD1-643A07938CBD}" dt="2022-09-18T10:25:46.327" v="1559" actId="1076"/>
+          <ac:chgData name="Yoshihara Toru" userId="86ccaa3c9aeaa58c" providerId="LiveId" clId="{73493B93-E617-415F-9DD1-643A07938CBD}" dt="2022-09-18T23:51:57.113" v="1569" actId="1076"/>
           <ac:cxnSpMkLst>
             <pc:docMk/>
             <pc:sldMk cId="763239801" sldId="259"/>
@@ -1394,7 +1422,7 @@
           </ac:cxnSpMkLst>
         </pc:cxnChg>
         <pc:cxnChg chg="add mod topLvl">
-          <ac:chgData name="Yoshihara Toru" userId="86ccaa3c9aeaa58c" providerId="LiveId" clId="{73493B93-E617-415F-9DD1-643A07938CBD}" dt="2022-09-18T10:25:46.327" v="1559" actId="1076"/>
+          <ac:chgData name="Yoshihara Toru" userId="86ccaa3c9aeaa58c" providerId="LiveId" clId="{73493B93-E617-415F-9DD1-643A07938CBD}" dt="2022-09-18T23:51:57.113" v="1569" actId="1076"/>
           <ac:cxnSpMkLst>
             <pc:docMk/>
             <pc:sldMk cId="763239801" sldId="259"/>
@@ -1442,7 +1470,7 @@
           </ac:cxnSpMkLst>
         </pc:cxnChg>
         <pc:cxnChg chg="add mod">
-          <ac:chgData name="Yoshihara Toru" userId="86ccaa3c9aeaa58c" providerId="LiveId" clId="{73493B93-E617-415F-9DD1-643A07938CBD}" dt="2022-09-18T10:25:46.327" v="1559" actId="1076"/>
+          <ac:chgData name="Yoshihara Toru" userId="86ccaa3c9aeaa58c" providerId="LiveId" clId="{73493B93-E617-415F-9DD1-643A07938CBD}" dt="2022-09-18T23:55:20.909" v="1608" actId="14100"/>
           <ac:cxnSpMkLst>
             <pc:docMk/>
             <pc:sldMk cId="763239801" sldId="259"/>
@@ -1450,7 +1478,7 @@
           </ac:cxnSpMkLst>
         </pc:cxnChg>
         <pc:cxnChg chg="add mod">
-          <ac:chgData name="Yoshihara Toru" userId="86ccaa3c9aeaa58c" providerId="LiveId" clId="{73493B93-E617-415F-9DD1-643A07938CBD}" dt="2022-09-18T10:25:46.327" v="1559" actId="1076"/>
+          <ac:chgData name="Yoshihara Toru" userId="86ccaa3c9aeaa58c" providerId="LiveId" clId="{73493B93-E617-415F-9DD1-643A07938CBD}" dt="2022-09-18T23:52:43.656" v="1577" actId="14100"/>
           <ac:cxnSpMkLst>
             <pc:docMk/>
             <pc:sldMk cId="763239801" sldId="259"/>
@@ -1458,7 +1486,7 @@
           </ac:cxnSpMkLst>
         </pc:cxnChg>
         <pc:cxnChg chg="add mod">
-          <ac:chgData name="Yoshihara Toru" userId="86ccaa3c9aeaa58c" providerId="LiveId" clId="{73493B93-E617-415F-9DD1-643A07938CBD}" dt="2022-09-18T10:25:46.327" v="1559" actId="1076"/>
+          <ac:chgData name="Yoshihara Toru" userId="86ccaa3c9aeaa58c" providerId="LiveId" clId="{73493B93-E617-415F-9DD1-643A07938CBD}" dt="2022-09-18T23:55:13.225" v="1607" actId="14100"/>
           <ac:cxnSpMkLst>
             <pc:docMk/>
             <pc:sldMk cId="763239801" sldId="259"/>
@@ -1466,7 +1494,7 @@
           </ac:cxnSpMkLst>
         </pc:cxnChg>
         <pc:cxnChg chg="add mod">
-          <ac:chgData name="Yoshihara Toru" userId="86ccaa3c9aeaa58c" providerId="LiveId" clId="{73493B93-E617-415F-9DD1-643A07938CBD}" dt="2022-09-18T10:25:46.327" v="1559" actId="1076"/>
+          <ac:chgData name="Yoshihara Toru" userId="86ccaa3c9aeaa58c" providerId="LiveId" clId="{73493B93-E617-415F-9DD1-643A07938CBD}" dt="2022-09-18T23:55:22.933" v="1609" actId="14100"/>
           <ac:cxnSpMkLst>
             <pc:docMk/>
             <pc:sldMk cId="763239801" sldId="259"/>
@@ -1474,7 +1502,7 @@
           </ac:cxnSpMkLst>
         </pc:cxnChg>
         <pc:cxnChg chg="add mod">
-          <ac:chgData name="Yoshihara Toru" userId="86ccaa3c9aeaa58c" providerId="LiveId" clId="{73493B93-E617-415F-9DD1-643A07938CBD}" dt="2022-09-18T10:25:46.327" v="1559" actId="1076"/>
+          <ac:chgData name="Yoshihara Toru" userId="86ccaa3c9aeaa58c" providerId="LiveId" clId="{73493B93-E617-415F-9DD1-643A07938CBD}" dt="2022-09-18T23:51:57.113" v="1569" actId="1076"/>
           <ac:cxnSpMkLst>
             <pc:docMk/>
             <pc:sldMk cId="763239801" sldId="259"/>
@@ -1482,7 +1510,7 @@
           </ac:cxnSpMkLst>
         </pc:cxnChg>
         <pc:cxnChg chg="add mod">
-          <ac:chgData name="Yoshihara Toru" userId="86ccaa3c9aeaa58c" providerId="LiveId" clId="{73493B93-E617-415F-9DD1-643A07938CBD}" dt="2022-09-18T10:25:46.327" v="1559" actId="1076"/>
+          <ac:chgData name="Yoshihara Toru" userId="86ccaa3c9aeaa58c" providerId="LiveId" clId="{73493B93-E617-415F-9DD1-643A07938CBD}" dt="2022-09-18T23:51:57.113" v="1569" actId="1076"/>
           <ac:cxnSpMkLst>
             <pc:docMk/>
             <pc:sldMk cId="763239801" sldId="259"/>
@@ -1491,7 +1519,7 @@
         </pc:cxnChg>
       </pc:sldChg>
       <pc:sldChg chg="addSp delSp modSp add mod ord">
-        <pc:chgData name="Yoshihara Toru" userId="86ccaa3c9aeaa58c" providerId="LiveId" clId="{73493B93-E617-415F-9DD1-643A07938CBD}" dt="2022-09-18T10:28:51.253" v="1567" actId="1076"/>
+        <pc:chgData name="Yoshihara Toru" userId="86ccaa3c9aeaa58c" providerId="LiveId" clId="{73493B93-E617-415F-9DD1-643A07938CBD}" dt="2022-09-19T04:59:32.540" v="1827" actId="14100"/>
         <pc:sldMkLst>
           <pc:docMk/>
           <pc:sldMk cId="852407075" sldId="260"/>
@@ -1673,7 +1701,7 @@
           </ac:spMkLst>
         </pc:spChg>
         <pc:spChg chg="mod">
-          <ac:chgData name="Yoshihara Toru" userId="86ccaa3c9aeaa58c" providerId="LiveId" clId="{73493B93-E617-415F-9DD1-643A07938CBD}" dt="2022-09-18T09:57:03.323" v="1426" actId="20577"/>
+          <ac:chgData name="Yoshihara Toru" userId="86ccaa3c9aeaa58c" providerId="LiveId" clId="{73493B93-E617-415F-9DD1-643A07938CBD}" dt="2022-09-19T00:44:15.203" v="1734" actId="14100"/>
           <ac:spMkLst>
             <pc:docMk/>
             <pc:sldMk cId="852407075" sldId="260"/>
@@ -1681,7 +1709,7 @@
           </ac:spMkLst>
         </pc:spChg>
         <pc:spChg chg="mod">
-          <ac:chgData name="Yoshihara Toru" userId="86ccaa3c9aeaa58c" providerId="LiveId" clId="{73493B93-E617-415F-9DD1-643A07938CBD}" dt="2022-09-18T09:57:00.412" v="1424" actId="20577"/>
+          <ac:chgData name="Yoshihara Toru" userId="86ccaa3c9aeaa58c" providerId="LiveId" clId="{73493B93-E617-415F-9DD1-643A07938CBD}" dt="2022-09-19T00:44:05.445" v="1733" actId="14100"/>
           <ac:spMkLst>
             <pc:docMk/>
             <pc:sldMk cId="852407075" sldId="260"/>
@@ -1881,7 +1909,7 @@
           </ac:spMkLst>
         </pc:spChg>
         <pc:spChg chg="add mod">
-          <ac:chgData name="Yoshihara Toru" userId="86ccaa3c9aeaa58c" providerId="LiveId" clId="{73493B93-E617-415F-9DD1-643A07938CBD}" dt="2022-09-18T09:58:17.644" v="1434" actId="20577"/>
+          <ac:chgData name="Yoshihara Toru" userId="86ccaa3c9aeaa58c" providerId="LiveId" clId="{73493B93-E617-415F-9DD1-643A07938CBD}" dt="2022-09-19T00:44:30.617" v="1737" actId="14100"/>
           <ac:spMkLst>
             <pc:docMk/>
             <pc:sldMk cId="852407075" sldId="260"/>
@@ -1889,7 +1917,7 @@
           </ac:spMkLst>
         </pc:spChg>
         <pc:spChg chg="add mod">
-          <ac:chgData name="Yoshihara Toru" userId="86ccaa3c9aeaa58c" providerId="LiveId" clId="{73493B93-E617-415F-9DD1-643A07938CBD}" dt="2022-09-18T09:58:05.156" v="1430" actId="20577"/>
+          <ac:chgData name="Yoshihara Toru" userId="86ccaa3c9aeaa58c" providerId="LiveId" clId="{73493B93-E617-415F-9DD1-643A07938CBD}" dt="2022-09-19T00:44:43.817" v="1739" actId="14100"/>
           <ac:spMkLst>
             <pc:docMk/>
             <pc:sldMk cId="852407075" sldId="260"/>
@@ -1985,7 +2013,7 @@
           </ac:spMkLst>
         </pc:spChg>
         <pc:spChg chg="add mod">
-          <ac:chgData name="Yoshihara Toru" userId="86ccaa3c9aeaa58c" providerId="LiveId" clId="{73493B93-E617-415F-9DD1-643A07938CBD}" dt="2022-09-18T09:34:38.383" v="1323" actId="207"/>
+          <ac:chgData name="Yoshihara Toru" userId="86ccaa3c9aeaa58c" providerId="LiveId" clId="{73493B93-E617-415F-9DD1-643A07938CBD}" dt="2022-09-19T04:43:34.532" v="1792" actId="113"/>
           <ac:spMkLst>
             <pc:docMk/>
             <pc:sldMk cId="852407075" sldId="260"/>
@@ -1993,7 +2021,7 @@
           </ac:spMkLst>
         </pc:spChg>
         <pc:spChg chg="add mod">
-          <ac:chgData name="Yoshihara Toru" userId="86ccaa3c9aeaa58c" providerId="LiveId" clId="{73493B93-E617-415F-9DD1-643A07938CBD}" dt="2022-09-18T09:58:34.756" v="1450" actId="20577"/>
+          <ac:chgData name="Yoshihara Toru" userId="86ccaa3c9aeaa58c" providerId="LiveId" clId="{73493B93-E617-415F-9DD1-643A07938CBD}" dt="2022-09-19T04:52:33.243" v="1814" actId="20577"/>
           <ac:spMkLst>
             <pc:docMk/>
             <pc:sldMk cId="852407075" sldId="260"/>
@@ -2001,7 +2029,7 @@
           </ac:spMkLst>
         </pc:spChg>
         <pc:spChg chg="add mod">
-          <ac:chgData name="Yoshihara Toru" userId="86ccaa3c9aeaa58c" providerId="LiveId" clId="{73493B93-E617-415F-9DD1-643A07938CBD}" dt="2022-09-18T09:58:28.307" v="1442" actId="20577"/>
+          <ac:chgData name="Yoshihara Toru" userId="86ccaa3c9aeaa58c" providerId="LiveId" clId="{73493B93-E617-415F-9DD1-643A07938CBD}" dt="2022-09-19T04:52:22.771" v="1805" actId="20577"/>
           <ac:spMkLst>
             <pc:docMk/>
             <pc:sldMk cId="852407075" sldId="260"/>
@@ -2073,7 +2101,7 @@
           </ac:spMkLst>
         </pc:spChg>
         <pc:spChg chg="add mod">
-          <ac:chgData name="Yoshihara Toru" userId="86ccaa3c9aeaa58c" providerId="LiveId" clId="{73493B93-E617-415F-9DD1-643A07938CBD}" dt="2022-09-18T09:36:04.459" v="1385" actId="1037"/>
+          <ac:chgData name="Yoshihara Toru" userId="86ccaa3c9aeaa58c" providerId="LiveId" clId="{73493B93-E617-415F-9DD1-643A07938CBD}" dt="2022-09-19T04:43:42.893" v="1795" actId="114"/>
           <ac:spMkLst>
             <pc:docMk/>
             <pc:sldMk cId="852407075" sldId="260"/>
@@ -2089,7 +2117,7 @@
           </ac:spMkLst>
         </pc:spChg>
         <pc:spChg chg="add mod">
-          <ac:chgData name="Yoshihara Toru" userId="86ccaa3c9aeaa58c" providerId="LiveId" clId="{73493B93-E617-415F-9DD1-643A07938CBD}" dt="2022-09-18T10:27:38.417" v="1560" actId="1076"/>
+          <ac:chgData name="Yoshihara Toru" userId="86ccaa3c9aeaa58c" providerId="LiveId" clId="{73493B93-E617-415F-9DD1-643A07938CBD}" dt="2022-09-19T04:59:10.640" v="1826" actId="14100"/>
           <ac:spMkLst>
             <pc:docMk/>
             <pc:sldMk cId="852407075" sldId="260"/>
@@ -2097,7 +2125,7 @@
           </ac:spMkLst>
         </pc:spChg>
         <pc:spChg chg="add mod">
-          <ac:chgData name="Yoshihara Toru" userId="86ccaa3c9aeaa58c" providerId="LiveId" clId="{73493B93-E617-415F-9DD1-643A07938CBD}" dt="2022-09-18T10:28:51.253" v="1567" actId="1076"/>
+          <ac:chgData name="Yoshihara Toru" userId="86ccaa3c9aeaa58c" providerId="LiveId" clId="{73493B93-E617-415F-9DD1-643A07938CBD}" dt="2022-09-19T00:46:57.002" v="1758" actId="208"/>
           <ac:spMkLst>
             <pc:docMk/>
             <pc:sldMk cId="852407075" sldId="260"/>
@@ -2105,7 +2133,7 @@
           </ac:spMkLst>
         </pc:spChg>
         <pc:spChg chg="add mod">
-          <ac:chgData name="Yoshihara Toru" userId="86ccaa3c9aeaa58c" providerId="LiveId" clId="{73493B93-E617-415F-9DD1-643A07938CBD}" dt="2022-09-18T10:27:42.960" v="1561" actId="1076"/>
+          <ac:chgData name="Yoshihara Toru" userId="86ccaa3c9aeaa58c" providerId="LiveId" clId="{73493B93-E617-415F-9DD1-643A07938CBD}" dt="2022-09-19T00:46:31.059" v="1755" actId="14100"/>
           <ac:spMkLst>
             <pc:docMk/>
             <pc:sldMk cId="852407075" sldId="260"/>
@@ -2113,7 +2141,7 @@
           </ac:spMkLst>
         </pc:spChg>
         <pc:spChg chg="add mod">
-          <ac:chgData name="Yoshihara Toru" userId="86ccaa3c9aeaa58c" providerId="LiveId" clId="{73493B93-E617-415F-9DD1-643A07938CBD}" dt="2022-09-18T10:28:46.340" v="1566" actId="1076"/>
+          <ac:chgData name="Yoshihara Toru" userId="86ccaa3c9aeaa58c" providerId="LiveId" clId="{73493B93-E617-415F-9DD1-643A07938CBD}" dt="2022-09-19T00:46:17.350" v="1753" actId="14100"/>
           <ac:spMkLst>
             <pc:docMk/>
             <pc:sldMk cId="852407075" sldId="260"/>
@@ -2137,7 +2165,7 @@
           </ac:spMkLst>
         </pc:spChg>
         <pc:spChg chg="add mod ord">
-          <ac:chgData name="Yoshihara Toru" userId="86ccaa3c9aeaa58c" providerId="LiveId" clId="{73493B93-E617-415F-9DD1-643A07938CBD}" dt="2022-09-18T10:28:38.059" v="1565" actId="14100"/>
+          <ac:chgData name="Yoshihara Toru" userId="86ccaa3c9aeaa58c" providerId="LiveId" clId="{73493B93-E617-415F-9DD1-643A07938CBD}" dt="2022-09-19T04:59:32.540" v="1827" actId="14100"/>
           <ac:spMkLst>
             <pc:docMk/>
             <pc:sldMk cId="852407075" sldId="260"/>
@@ -5185,7 +5213,7 @@
           </ac:cxnSpMkLst>
         </pc:cxnChg>
         <pc:cxnChg chg="add mod">
-          <ac:chgData name="Yoshihara Toru" userId="86ccaa3c9aeaa58c" providerId="LiveId" clId="{73493B93-E617-415F-9DD1-643A07938CBD}" dt="2022-09-18T10:27:38.417" v="1560" actId="1076"/>
+          <ac:chgData name="Yoshihara Toru" userId="86ccaa3c9aeaa58c" providerId="LiveId" clId="{73493B93-E617-415F-9DD1-643A07938CBD}" dt="2022-09-19T00:17:05.521" v="1642" actId="14100"/>
           <ac:cxnSpMkLst>
             <pc:docMk/>
             <pc:sldMk cId="852407075" sldId="260"/>
@@ -5193,7 +5221,7 @@
           </ac:cxnSpMkLst>
         </pc:cxnChg>
         <pc:cxnChg chg="add mod">
-          <ac:chgData name="Yoshihara Toru" userId="86ccaa3c9aeaa58c" providerId="LiveId" clId="{73493B93-E617-415F-9DD1-643A07938CBD}" dt="2022-09-18T10:27:38.417" v="1560" actId="1076"/>
+          <ac:chgData name="Yoshihara Toru" userId="86ccaa3c9aeaa58c" providerId="LiveId" clId="{73493B93-E617-415F-9DD1-643A07938CBD}" dt="2022-09-19T00:17:11.233" v="1643" actId="14100"/>
           <ac:cxnSpMkLst>
             <pc:docMk/>
             <pc:sldMk cId="852407075" sldId="260"/>
@@ -5201,7 +5229,7 @@
           </ac:cxnSpMkLst>
         </pc:cxnChg>
         <pc:cxnChg chg="add mod">
-          <ac:chgData name="Yoshihara Toru" userId="86ccaa3c9aeaa58c" providerId="LiveId" clId="{73493B93-E617-415F-9DD1-643A07938CBD}" dt="2022-09-18T10:27:38.417" v="1560" actId="1076"/>
+          <ac:chgData name="Yoshihara Toru" userId="86ccaa3c9aeaa58c" providerId="LiveId" clId="{73493B93-E617-415F-9DD1-643A07938CBD}" dt="2022-09-19T00:17:33.053" v="1645" actId="14100"/>
           <ac:cxnSpMkLst>
             <pc:docMk/>
             <pc:sldMk cId="852407075" sldId="260"/>
@@ -5209,8 +5237,8 @@
           </ac:cxnSpMkLst>
         </pc:cxnChg>
       </pc:sldChg>
-      <pc:sldChg chg="addSp modSp add mod">
-        <pc:chgData name="Yoshihara Toru" userId="86ccaa3c9aeaa58c" providerId="LiveId" clId="{73493B93-E617-415F-9DD1-643A07938CBD}" dt="2022-09-18T10:24:59.039" v="1557" actId="1076"/>
+      <pc:sldChg chg="addSp modSp add del mod">
+        <pc:chgData name="Yoshihara Toru" userId="86ccaa3c9aeaa58c" providerId="LiveId" clId="{73493B93-E617-415F-9DD1-643A07938CBD}" dt="2022-09-19T09:28:13.484" v="1836" actId="47"/>
         <pc:sldMkLst>
           <pc:docMk/>
           <pc:sldMk cId="2018598220" sldId="261"/>
@@ -5231,6 +5259,137 @@
             <ac:spMk id="3" creationId="{A4E2DEE5-8B76-B5E2-47C2-7E039581308E}"/>
           </ac:spMkLst>
         </pc:spChg>
+      </pc:sldChg>
+      <pc:sldChg chg="addSp modSp add">
+        <pc:chgData name="Yoshihara Toru" userId="86ccaa3c9aeaa58c" providerId="LiveId" clId="{73493B93-E617-415F-9DD1-643A07938CBD}" dt="2022-09-19T09:28:11.792" v="1835"/>
+        <pc:sldMkLst>
+          <pc:docMk/>
+          <pc:sldMk cId="4086330578" sldId="262"/>
+        </pc:sldMkLst>
+        <pc:spChg chg="add mod">
+          <ac:chgData name="Yoshihara Toru" userId="86ccaa3c9aeaa58c" providerId="LiveId" clId="{73493B93-E617-415F-9DD1-643A07938CBD}" dt="2022-09-19T09:28:11.792" v="1835"/>
+          <ac:spMkLst>
+            <pc:docMk/>
+            <pc:sldMk cId="4086330578" sldId="262"/>
+            <ac:spMk id="2" creationId="{58CF323D-5FCD-E9C8-CA3D-2E147502544A}"/>
+          </ac:spMkLst>
+        </pc:spChg>
+      </pc:sldChg>
+      <pc:sldChg chg="new">
+        <pc:chgData name="Yoshihara Toru" userId="86ccaa3c9aeaa58c" providerId="LiveId" clId="{73493B93-E617-415F-9DD1-643A07938CBD}" dt="2022-09-19T09:28:17.021" v="1837" actId="680"/>
+        <pc:sldMkLst>
+          <pc:docMk/>
+          <pc:sldMk cId="20095331" sldId="263"/>
+        </pc:sldMkLst>
+      </pc:sldChg>
+      <pc:sldChg chg="new">
+        <pc:chgData name="Yoshihara Toru" userId="86ccaa3c9aeaa58c" providerId="LiveId" clId="{73493B93-E617-415F-9DD1-643A07938CBD}" dt="2022-09-19T09:28:17.124" v="1838" actId="680"/>
+        <pc:sldMkLst>
+          <pc:docMk/>
+          <pc:sldMk cId="3256026104" sldId="264"/>
+        </pc:sldMkLst>
+      </pc:sldChg>
+      <pc:sldChg chg="new">
+        <pc:chgData name="Yoshihara Toru" userId="86ccaa3c9aeaa58c" providerId="LiveId" clId="{73493B93-E617-415F-9DD1-643A07938CBD}" dt="2022-09-19T09:28:17.237" v="1839" actId="680"/>
+        <pc:sldMkLst>
+          <pc:docMk/>
+          <pc:sldMk cId="887501084" sldId="265"/>
+        </pc:sldMkLst>
+      </pc:sldChg>
+      <pc:sldChg chg="addSp delSp modSp add mod">
+        <pc:chgData name="Yoshihara Toru" userId="86ccaa3c9aeaa58c" providerId="LiveId" clId="{73493B93-E617-415F-9DD1-643A07938CBD}" dt="2022-09-19T09:35:51.018" v="1927" actId="20577"/>
+        <pc:sldMkLst>
+          <pc:docMk/>
+          <pc:sldMk cId="2738588739" sldId="266"/>
+        </pc:sldMkLst>
+        <pc:spChg chg="mod">
+          <ac:chgData name="Yoshihara Toru" userId="86ccaa3c9aeaa58c" providerId="LiveId" clId="{73493B93-E617-415F-9DD1-643A07938CBD}" dt="2022-09-19T09:35:46.497" v="1925" actId="20577"/>
+          <ac:spMkLst>
+            <pc:docMk/>
+            <pc:sldMk cId="2738588739" sldId="266"/>
+            <ac:spMk id="109" creationId="{35687C8A-60FE-D7E9-D13B-B92674EB51A6}"/>
+          </ac:spMkLst>
+        </pc:spChg>
+        <pc:spChg chg="mod">
+          <ac:chgData name="Yoshihara Toru" userId="86ccaa3c9aeaa58c" providerId="LiveId" clId="{73493B93-E617-415F-9DD1-643A07938CBD}" dt="2022-09-19T09:35:51.018" v="1927" actId="20577"/>
+          <ac:spMkLst>
+            <pc:docMk/>
+            <pc:sldMk cId="2738588739" sldId="266"/>
+            <ac:spMk id="110" creationId="{3E17B8D4-20EC-5ECD-FAC5-7605704981DC}"/>
+          </ac:spMkLst>
+        </pc:spChg>
+        <pc:spChg chg="mod">
+          <ac:chgData name="Yoshihara Toru" userId="86ccaa3c9aeaa58c" providerId="LiveId" clId="{73493B93-E617-415F-9DD1-643A07938CBD}" dt="2022-09-19T09:33:44.490" v="1888" actId="1076"/>
+          <ac:spMkLst>
+            <pc:docMk/>
+            <pc:sldMk cId="2738588739" sldId="266"/>
+            <ac:spMk id="143" creationId="{EF1626FB-A3E3-D915-689B-3C48C073FD3D}"/>
+          </ac:spMkLst>
+        </pc:spChg>
+        <pc:picChg chg="add del mod">
+          <ac:chgData name="Yoshihara Toru" userId="86ccaa3c9aeaa58c" providerId="LiveId" clId="{73493B93-E617-415F-9DD1-643A07938CBD}" dt="2022-09-19T09:32:19.753" v="1864" actId="478"/>
+          <ac:picMkLst>
+            <pc:docMk/>
+            <pc:sldMk cId="2738588739" sldId="266"/>
+            <ac:picMk id="3" creationId="{7D7B9F9C-B736-8E89-0C9D-5ED4090892AD}"/>
+          </ac:picMkLst>
+        </pc:picChg>
+        <pc:picChg chg="add del mod">
+          <ac:chgData name="Yoshihara Toru" userId="86ccaa3c9aeaa58c" providerId="LiveId" clId="{73493B93-E617-415F-9DD1-643A07938CBD}" dt="2022-09-19T09:33:47.057" v="1890" actId="478"/>
+          <ac:picMkLst>
+            <pc:docMk/>
+            <pc:sldMk cId="2738588739" sldId="266"/>
+            <ac:picMk id="13" creationId="{1F5EA6F8-EF4A-2D5A-23B1-B1806A7E013B}"/>
+          </ac:picMkLst>
+        </pc:picChg>
+        <pc:picChg chg="add mod">
+          <ac:chgData name="Yoshihara Toru" userId="86ccaa3c9aeaa58c" providerId="LiveId" clId="{73493B93-E617-415F-9DD1-643A07938CBD}" dt="2022-09-19T09:34:02.261" v="1895" actId="1038"/>
+          <ac:picMkLst>
+            <pc:docMk/>
+            <pc:sldMk cId="2738588739" sldId="266"/>
+            <ac:picMk id="21" creationId="{29972315-C653-D94A-4886-330E15557CAD}"/>
+          </ac:picMkLst>
+        </pc:picChg>
+        <pc:picChg chg="add mod">
+          <ac:chgData name="Yoshihara Toru" userId="86ccaa3c9aeaa58c" providerId="LiveId" clId="{73493B93-E617-415F-9DD1-643A07938CBD}" dt="2022-09-19T09:34:30.541" v="1902" actId="1037"/>
+          <ac:picMkLst>
+            <pc:docMk/>
+            <pc:sldMk cId="2738588739" sldId="266"/>
+            <ac:picMk id="71" creationId="{CAFB9DC3-59C9-9588-BE3C-881E5318937D}"/>
+          </ac:picMkLst>
+        </pc:picChg>
+        <pc:cxnChg chg="mod ord">
+          <ac:chgData name="Yoshihara Toru" userId="86ccaa3c9aeaa58c" providerId="LiveId" clId="{73493B93-E617-415F-9DD1-643A07938CBD}" dt="2022-09-19T09:34:50.295" v="1905" actId="14100"/>
+          <ac:cxnSpMkLst>
+            <pc:docMk/>
+            <pc:sldMk cId="2738588739" sldId="266"/>
+            <ac:cxnSpMk id="112" creationId="{13DE633F-09FF-AAAB-9395-01AF0906C077}"/>
+          </ac:cxnSpMkLst>
+        </pc:cxnChg>
+        <pc:cxnChg chg="mod ord">
+          <ac:chgData name="Yoshihara Toru" userId="86ccaa3c9aeaa58c" providerId="LiveId" clId="{73493B93-E617-415F-9DD1-643A07938CBD}" dt="2022-09-19T09:34:55.459" v="1907" actId="14100"/>
+          <ac:cxnSpMkLst>
+            <pc:docMk/>
+            <pc:sldMk cId="2738588739" sldId="266"/>
+            <ac:cxnSpMk id="114" creationId="{3432F9A8-730B-66E0-104D-A354291B6514}"/>
+          </ac:cxnSpMkLst>
+        </pc:cxnChg>
+        <pc:cxnChg chg="mod ord">
+          <ac:chgData name="Yoshihara Toru" userId="86ccaa3c9aeaa58c" providerId="LiveId" clId="{73493B93-E617-415F-9DD1-643A07938CBD}" dt="2022-09-19T09:34:57.788" v="1908" actId="14100"/>
+          <ac:cxnSpMkLst>
+            <pc:docMk/>
+            <pc:sldMk cId="2738588739" sldId="266"/>
+            <ac:cxnSpMk id="117" creationId="{831A53CA-F686-335D-CEB5-889E4EEE60FD}"/>
+          </ac:cxnSpMkLst>
+        </pc:cxnChg>
+        <pc:cxnChg chg="mod ord">
+          <ac:chgData name="Yoshihara Toru" userId="86ccaa3c9aeaa58c" providerId="LiveId" clId="{73493B93-E617-415F-9DD1-643A07938CBD}" dt="2022-09-19T09:34:52.560" v="1906" actId="14100"/>
+          <ac:cxnSpMkLst>
+            <pc:docMk/>
+            <pc:sldMk cId="2738588739" sldId="266"/>
+            <ac:cxnSpMk id="123" creationId="{8BA7B16C-56BD-C184-E528-1A25BCF26D7B}"/>
+          </ac:cxnSpMkLst>
+        </pc:cxnChg>
       </pc:sldChg>
     </pc:docChg>
   </pc:docChgLst>
@@ -5386,7 +5545,7 @@
           <a:p>
             <a:fld id="{08F26FF1-548E-4751-9F77-E9363A925ED6}" type="datetimeFigureOut">
               <a:rPr kumimoji="1" lang="ja-JP" altLang="en-US" smtClean="0"/>
-              <a:t>2022/9/18</a:t>
+              <a:t>2022/9/19</a:t>
             </a:fld>
             <a:endParaRPr kumimoji="1" lang="ja-JP" altLang="en-US"/>
           </a:p>
@@ -5586,7 +5745,7 @@
           <a:p>
             <a:fld id="{08F26FF1-548E-4751-9F77-E9363A925ED6}" type="datetimeFigureOut">
               <a:rPr kumimoji="1" lang="ja-JP" altLang="en-US" smtClean="0"/>
-              <a:t>2022/9/18</a:t>
+              <a:t>2022/9/19</a:t>
             </a:fld>
             <a:endParaRPr kumimoji="1" lang="ja-JP" altLang="en-US"/>
           </a:p>
@@ -5796,7 +5955,7 @@
           <a:p>
             <a:fld id="{08F26FF1-548E-4751-9F77-E9363A925ED6}" type="datetimeFigureOut">
               <a:rPr kumimoji="1" lang="ja-JP" altLang="en-US" smtClean="0"/>
-              <a:t>2022/9/18</a:t>
+              <a:t>2022/9/19</a:t>
             </a:fld>
             <a:endParaRPr kumimoji="1" lang="ja-JP" altLang="en-US"/>
           </a:p>
@@ -5996,7 +6155,7 @@
           <a:p>
             <a:fld id="{08F26FF1-548E-4751-9F77-E9363A925ED6}" type="datetimeFigureOut">
               <a:rPr kumimoji="1" lang="ja-JP" altLang="en-US" smtClean="0"/>
-              <a:t>2022/9/18</a:t>
+              <a:t>2022/9/19</a:t>
             </a:fld>
             <a:endParaRPr kumimoji="1" lang="ja-JP" altLang="en-US"/>
           </a:p>
@@ -6272,7 +6431,7 @@
           <a:p>
             <a:fld id="{08F26FF1-548E-4751-9F77-E9363A925ED6}" type="datetimeFigureOut">
               <a:rPr kumimoji="1" lang="ja-JP" altLang="en-US" smtClean="0"/>
-              <a:t>2022/9/18</a:t>
+              <a:t>2022/9/19</a:t>
             </a:fld>
             <a:endParaRPr kumimoji="1" lang="ja-JP" altLang="en-US"/>
           </a:p>
@@ -6540,7 +6699,7 @@
           <a:p>
             <a:fld id="{08F26FF1-548E-4751-9F77-E9363A925ED6}" type="datetimeFigureOut">
               <a:rPr kumimoji="1" lang="ja-JP" altLang="en-US" smtClean="0"/>
-              <a:t>2022/9/18</a:t>
+              <a:t>2022/9/19</a:t>
             </a:fld>
             <a:endParaRPr kumimoji="1" lang="ja-JP" altLang="en-US"/>
           </a:p>
@@ -6955,7 +7114,7 @@
           <a:p>
             <a:fld id="{08F26FF1-548E-4751-9F77-E9363A925ED6}" type="datetimeFigureOut">
               <a:rPr kumimoji="1" lang="ja-JP" altLang="en-US" smtClean="0"/>
-              <a:t>2022/9/18</a:t>
+              <a:t>2022/9/19</a:t>
             </a:fld>
             <a:endParaRPr kumimoji="1" lang="ja-JP" altLang="en-US"/>
           </a:p>
@@ -7097,7 +7256,7 @@
           <a:p>
             <a:fld id="{08F26FF1-548E-4751-9F77-E9363A925ED6}" type="datetimeFigureOut">
               <a:rPr kumimoji="1" lang="ja-JP" altLang="en-US" smtClean="0"/>
-              <a:t>2022/9/18</a:t>
+              <a:t>2022/9/19</a:t>
             </a:fld>
             <a:endParaRPr kumimoji="1" lang="ja-JP" altLang="en-US"/>
           </a:p>
@@ -7210,7 +7369,7 @@
           <a:p>
             <a:fld id="{08F26FF1-548E-4751-9F77-E9363A925ED6}" type="datetimeFigureOut">
               <a:rPr kumimoji="1" lang="ja-JP" altLang="en-US" smtClean="0"/>
-              <a:t>2022/9/18</a:t>
+              <a:t>2022/9/19</a:t>
             </a:fld>
             <a:endParaRPr kumimoji="1" lang="ja-JP" altLang="en-US"/>
           </a:p>
@@ -7523,7 +7682,7 @@
           <a:p>
             <a:fld id="{08F26FF1-548E-4751-9F77-E9363A925ED6}" type="datetimeFigureOut">
               <a:rPr kumimoji="1" lang="ja-JP" altLang="en-US" smtClean="0"/>
-              <a:t>2022/9/18</a:t>
+              <a:t>2022/9/19</a:t>
             </a:fld>
             <a:endParaRPr kumimoji="1" lang="ja-JP" altLang="en-US"/>
           </a:p>
@@ -7812,7 +7971,7 @@
           <a:p>
             <a:fld id="{08F26FF1-548E-4751-9F77-E9363A925ED6}" type="datetimeFigureOut">
               <a:rPr kumimoji="1" lang="ja-JP" altLang="en-US" smtClean="0"/>
-              <a:t>2022/9/18</a:t>
+              <a:t>2022/9/19</a:t>
             </a:fld>
             <a:endParaRPr kumimoji="1" lang="ja-JP" altLang="en-US"/>
           </a:p>
@@ -8055,7 +8214,7 @@
           <a:p>
             <a:fld id="{08F26FF1-548E-4751-9F77-E9363A925ED6}" type="datetimeFigureOut">
               <a:rPr kumimoji="1" lang="ja-JP" altLang="en-US" smtClean="0"/>
-              <a:t>2022/9/18</a:t>
+              <a:t>2022/9/19</a:t>
             </a:fld>
             <a:endParaRPr kumimoji="1" lang="ja-JP" altLang="en-US"/>
           </a:p>
@@ -8526,6 +8685,5011 @@
     <p:extLst>
       <p:ext uri="{BB962C8B-B14F-4D97-AF65-F5344CB8AC3E}">
         <p14:creationId xmlns:p14="http://schemas.microsoft.com/office/powerpoint/2010/main" val="2813173718"/>
+      </p:ext>
+    </p:extLst>
+  </p:cSld>
+  <p:clrMapOvr>
+    <a:masterClrMapping/>
+  </p:clrMapOvr>
+</p:sld>
+</file>
+
+<file path=ppt/slides/slide10.xml><?xml version="1.0" encoding="utf-8"?>
+<p:sld xmlns:a="http://schemas.openxmlformats.org/drawingml/2006/main" xmlns:r="http://schemas.openxmlformats.org/officeDocument/2006/relationships" xmlns:p="http://schemas.openxmlformats.org/presentationml/2006/main">
+  <p:cSld>
+    <p:spTree>
+      <p:nvGrpSpPr>
+        <p:cNvPr id="1" name=""/>
+        <p:cNvGrpSpPr/>
+        <p:nvPr/>
+      </p:nvGrpSpPr>
+      <p:grpSpPr>
+        <a:xfrm>
+          <a:off x="0" y="0"/>
+          <a:ext cx="0" cy="0"/>
+          <a:chOff x="0" y="0"/>
+          <a:chExt cx="0" cy="0"/>
+        </a:xfrm>
+      </p:grpSpPr>
+      <p:sp>
+        <p:nvSpPr>
+          <p:cNvPr id="143" name="Rectangle 142">
+            <a:extLst>
+              <a:ext uri="{FF2B5EF4-FFF2-40B4-BE49-F238E27FC236}">
+                <a16:creationId xmlns:a16="http://schemas.microsoft.com/office/drawing/2014/main" id="{EF1626FB-A3E3-D915-689B-3C48C073FD3D}"/>
+              </a:ext>
+            </a:extLst>
+          </p:cNvPr>
+          <p:cNvSpPr/>
+          <p:nvPr/>
+        </p:nvSpPr>
+        <p:spPr>
+          <a:xfrm>
+            <a:off x="1300726" y="924067"/>
+            <a:ext cx="7991208" cy="5037891"/>
+          </a:xfrm>
+          <a:prstGeom prst="rect">
+            <a:avLst/>
+          </a:prstGeom>
+          <a:solidFill>
+            <a:schemeClr val="bg1">
+              <a:lumMod val="95000"/>
+            </a:schemeClr>
+          </a:solidFill>
+          <a:ln>
+            <a:solidFill>
+              <a:schemeClr val="tx1">
+                <a:lumMod val="75000"/>
+                <a:lumOff val="25000"/>
+              </a:schemeClr>
+            </a:solidFill>
+          </a:ln>
+        </p:spPr>
+        <p:style>
+          <a:lnRef idx="2">
+            <a:schemeClr val="accent1">
+              <a:shade val="50000"/>
+            </a:schemeClr>
+          </a:lnRef>
+          <a:fillRef idx="1">
+            <a:schemeClr val="accent1"/>
+          </a:fillRef>
+          <a:effectRef idx="0">
+            <a:schemeClr val="accent1"/>
+          </a:effectRef>
+          <a:fontRef idx="minor">
+            <a:schemeClr val="lt1"/>
+          </a:fontRef>
+        </p:style>
+        <p:txBody>
+          <a:bodyPr rtlCol="0" anchor="ctr"/>
+          <a:lstStyle/>
+          <a:p>
+            <a:pPr algn="ctr"/>
+            <a:endParaRPr kumimoji="1" lang="ja-JP" altLang="en-US" sz="1000" b="1" dirty="0">
+              <a:solidFill>
+                <a:schemeClr val="bg1">
+                  <a:lumMod val="85000"/>
+                </a:schemeClr>
+              </a:solidFill>
+              <a:latin typeface="游ゴシック Medium" panose="020B0500000000000000" pitchFamily="50" charset="-128"/>
+              <a:ea typeface="游ゴシック Medium" panose="020B0500000000000000" pitchFamily="50" charset="-128"/>
+            </a:endParaRPr>
+          </a:p>
+        </p:txBody>
+      </p:sp>
+      <p:sp>
+        <p:nvSpPr>
+          <p:cNvPr id="136" name="Callout: Bent Line 135">
+            <a:extLst>
+              <a:ext uri="{FF2B5EF4-FFF2-40B4-BE49-F238E27FC236}">
+                <a16:creationId xmlns:a16="http://schemas.microsoft.com/office/drawing/2014/main" id="{2A012027-C814-1ABC-DF60-77871371A222}"/>
+              </a:ext>
+            </a:extLst>
+          </p:cNvPr>
+          <p:cNvSpPr/>
+          <p:nvPr/>
+        </p:nvSpPr>
+        <p:spPr>
+          <a:xfrm>
+            <a:off x="6571710" y="1199821"/>
+            <a:ext cx="2465345" cy="252000"/>
+          </a:xfrm>
+          <a:prstGeom prst="borderCallout2">
+            <a:avLst>
+              <a:gd name="adj1" fmla="val 49996"/>
+              <a:gd name="adj2" fmla="val -194"/>
+              <a:gd name="adj3" fmla="val 51004"/>
+              <a:gd name="adj4" fmla="val -8837"/>
+              <a:gd name="adj5" fmla="val 640457"/>
+              <a:gd name="adj6" fmla="val -19715"/>
+            </a:avLst>
+          </a:prstGeom>
+          <a:solidFill>
+            <a:schemeClr val="accent6">
+              <a:lumMod val="75000"/>
+            </a:schemeClr>
+          </a:solidFill>
+          <a:ln>
+            <a:solidFill>
+              <a:schemeClr val="accent6">
+                <a:lumMod val="75000"/>
+              </a:schemeClr>
+            </a:solidFill>
+            <a:tailEnd type="oval"/>
+          </a:ln>
+        </p:spPr>
+        <p:style>
+          <a:lnRef idx="2">
+            <a:schemeClr val="accent1">
+              <a:shade val="50000"/>
+            </a:schemeClr>
+          </a:lnRef>
+          <a:fillRef idx="1">
+            <a:schemeClr val="accent1"/>
+          </a:fillRef>
+          <a:effectRef idx="0">
+            <a:schemeClr val="accent1"/>
+          </a:effectRef>
+          <a:fontRef idx="minor">
+            <a:schemeClr val="lt1"/>
+          </a:fontRef>
+        </p:style>
+        <p:txBody>
+          <a:bodyPr rtlCol="0" anchor="ctr"/>
+          <a:lstStyle/>
+          <a:p>
+            <a:pPr algn="ctr"/>
+            <a:r>
+              <a:rPr lang="en-US" altLang="ja-JP" sz="1200" b="1" dirty="0">
+                <a:solidFill>
+                  <a:schemeClr val="bg1">
+                    <a:lumMod val="95000"/>
+                  </a:schemeClr>
+                </a:solidFill>
+                <a:latin typeface="游ゴシック Medium" panose="020B0500000000000000" pitchFamily="50" charset="-128"/>
+                <a:ea typeface="游ゴシック Medium" panose="020B0500000000000000" pitchFamily="50" charset="-128"/>
+              </a:rPr>
+              <a:t>(x</a:t>
+            </a:r>
+            <a:r>
+              <a:rPr lang="en-US" altLang="ja-JP" sz="1200" b="1" baseline="-25000" dirty="0">
+                <a:solidFill>
+                  <a:schemeClr val="bg1">
+                    <a:lumMod val="95000"/>
+                  </a:schemeClr>
+                </a:solidFill>
+                <a:latin typeface="游ゴシック Medium" panose="020B0500000000000000" pitchFamily="50" charset="-128"/>
+                <a:ea typeface="游ゴシック Medium" panose="020B0500000000000000" pitchFamily="50" charset="-128"/>
+              </a:rPr>
+              <a:t>CIE1931</a:t>
+            </a:r>
+            <a:r>
+              <a:rPr lang="en-US" altLang="ja-JP" sz="1200" b="1" dirty="0">
+                <a:solidFill>
+                  <a:schemeClr val="bg1">
+                    <a:lumMod val="95000"/>
+                  </a:schemeClr>
+                </a:solidFill>
+                <a:latin typeface="游ゴシック Medium" panose="020B0500000000000000" pitchFamily="50" charset="-128"/>
+                <a:ea typeface="游ゴシック Medium" panose="020B0500000000000000" pitchFamily="50" charset="-128"/>
+              </a:rPr>
+              <a:t>, y</a:t>
+            </a:r>
+            <a:r>
+              <a:rPr lang="en-US" altLang="ja-JP" sz="1200" b="1" baseline="-25000" dirty="0">
+                <a:solidFill>
+                  <a:schemeClr val="bg1">
+                    <a:lumMod val="95000"/>
+                  </a:schemeClr>
+                </a:solidFill>
+                <a:latin typeface="游ゴシック Medium" panose="020B0500000000000000" pitchFamily="50" charset="-128"/>
+                <a:ea typeface="游ゴシック Medium" panose="020B0500000000000000" pitchFamily="50" charset="-128"/>
+              </a:rPr>
+              <a:t>CIE1931</a:t>
+            </a:r>
+            <a:r>
+              <a:rPr lang="en-US" altLang="ja-JP" sz="1200" b="1" dirty="0">
+                <a:solidFill>
+                  <a:schemeClr val="bg1">
+                    <a:lumMod val="95000"/>
+                  </a:schemeClr>
+                </a:solidFill>
+                <a:latin typeface="游ゴシック Medium" panose="020B0500000000000000" pitchFamily="50" charset="-128"/>
+                <a:ea typeface="游ゴシック Medium" panose="020B0500000000000000" pitchFamily="50" charset="-128"/>
+              </a:rPr>
+              <a:t>) = (0.313, 0.329)</a:t>
+            </a:r>
+            <a:endParaRPr lang="ja-JP" altLang="en-US" sz="1200" b="1" dirty="0">
+              <a:solidFill>
+                <a:schemeClr val="bg1">
+                  <a:lumMod val="95000"/>
+                </a:schemeClr>
+              </a:solidFill>
+              <a:latin typeface="游ゴシック Medium" panose="020B0500000000000000" pitchFamily="50" charset="-128"/>
+              <a:ea typeface="游ゴシック Medium" panose="020B0500000000000000" pitchFamily="50" charset="-128"/>
+            </a:endParaRPr>
+          </a:p>
+        </p:txBody>
+      </p:sp>
+      <p:sp>
+        <p:nvSpPr>
+          <p:cNvPr id="4" name="Rectangle 3">
+            <a:extLst>
+              <a:ext uri="{FF2B5EF4-FFF2-40B4-BE49-F238E27FC236}">
+                <a16:creationId xmlns:a16="http://schemas.microsoft.com/office/drawing/2014/main" id="{A887141A-C174-7C95-5733-330565D1B548}"/>
+              </a:ext>
+            </a:extLst>
+          </p:cNvPr>
+          <p:cNvSpPr/>
+          <p:nvPr/>
+        </p:nvSpPr>
+        <p:spPr>
+          <a:xfrm>
+            <a:off x="4994383" y="1419414"/>
+            <a:ext cx="777612" cy="972015"/>
+          </a:xfrm>
+          <a:prstGeom prst="rect">
+            <a:avLst/>
+          </a:prstGeom>
+          <a:solidFill>
+            <a:schemeClr val="tx1">
+              <a:lumMod val="95000"/>
+              <a:lumOff val="5000"/>
+            </a:schemeClr>
+          </a:solidFill>
+          <a:ln>
+            <a:solidFill>
+              <a:schemeClr val="bg1">
+                <a:lumMod val="65000"/>
+              </a:schemeClr>
+            </a:solidFill>
+          </a:ln>
+        </p:spPr>
+        <p:style>
+          <a:lnRef idx="2">
+            <a:schemeClr val="accent1">
+              <a:shade val="50000"/>
+            </a:schemeClr>
+          </a:lnRef>
+          <a:fillRef idx="1">
+            <a:schemeClr val="accent1"/>
+          </a:fillRef>
+          <a:effectRef idx="0">
+            <a:schemeClr val="accent1"/>
+          </a:effectRef>
+          <a:fontRef idx="minor">
+            <a:schemeClr val="lt1"/>
+          </a:fontRef>
+        </p:style>
+        <p:txBody>
+          <a:bodyPr rtlCol="0" anchor="ctr"/>
+          <a:lstStyle/>
+          <a:p>
+            <a:pPr algn="ctr"/>
+            <a:endParaRPr kumimoji="1" lang="ja-JP" altLang="en-US"/>
+          </a:p>
+        </p:txBody>
+      </p:sp>
+      <p:sp>
+        <p:nvSpPr>
+          <p:cNvPr id="5" name="Rectangle 4">
+            <a:extLst>
+              <a:ext uri="{FF2B5EF4-FFF2-40B4-BE49-F238E27FC236}">
+                <a16:creationId xmlns:a16="http://schemas.microsoft.com/office/drawing/2014/main" id="{40EA5001-EAB5-2D2C-D19E-74C1296B59F8}"/>
+              </a:ext>
+            </a:extLst>
+          </p:cNvPr>
+          <p:cNvSpPr/>
+          <p:nvPr/>
+        </p:nvSpPr>
+        <p:spPr>
+          <a:xfrm>
+            <a:off x="5221189" y="2391429"/>
+            <a:ext cx="324000" cy="194403"/>
+          </a:xfrm>
+          <a:prstGeom prst="rect">
+            <a:avLst/>
+          </a:prstGeom>
+          <a:solidFill>
+            <a:schemeClr val="tx1">
+              <a:lumMod val="95000"/>
+              <a:lumOff val="5000"/>
+            </a:schemeClr>
+          </a:solidFill>
+          <a:ln>
+            <a:solidFill>
+              <a:schemeClr val="bg1">
+                <a:lumMod val="65000"/>
+              </a:schemeClr>
+            </a:solidFill>
+          </a:ln>
+        </p:spPr>
+        <p:style>
+          <a:lnRef idx="2">
+            <a:schemeClr val="accent1">
+              <a:shade val="50000"/>
+            </a:schemeClr>
+          </a:lnRef>
+          <a:fillRef idx="1">
+            <a:schemeClr val="accent1"/>
+          </a:fillRef>
+          <a:effectRef idx="0">
+            <a:schemeClr val="accent1"/>
+          </a:effectRef>
+          <a:fontRef idx="minor">
+            <a:schemeClr val="lt1"/>
+          </a:fontRef>
+        </p:style>
+        <p:txBody>
+          <a:bodyPr rtlCol="0" anchor="ctr"/>
+          <a:lstStyle/>
+          <a:p>
+            <a:pPr algn="ctr"/>
+            <a:endParaRPr kumimoji="1" lang="ja-JP" altLang="en-US"/>
+          </a:p>
+        </p:txBody>
+      </p:sp>
+      <p:sp>
+        <p:nvSpPr>
+          <p:cNvPr id="6" name="Rectangle: Rounded Corners 5">
+            <a:extLst>
+              <a:ext uri="{FF2B5EF4-FFF2-40B4-BE49-F238E27FC236}">
+                <a16:creationId xmlns:a16="http://schemas.microsoft.com/office/drawing/2014/main" id="{26E63DC4-BF6D-DA7B-0615-5E2F5E803BE9}"/>
+              </a:ext>
+            </a:extLst>
+          </p:cNvPr>
+          <p:cNvSpPr/>
+          <p:nvPr/>
+        </p:nvSpPr>
+        <p:spPr>
+          <a:xfrm>
+            <a:off x="4730850" y="1039232"/>
+            <a:ext cx="1296020" cy="252000"/>
+          </a:xfrm>
+          <a:prstGeom prst="roundRect">
+            <a:avLst/>
+          </a:prstGeom>
+          <a:solidFill>
+            <a:schemeClr val="tx1">
+              <a:lumMod val="75000"/>
+              <a:lumOff val="25000"/>
+            </a:schemeClr>
+          </a:solidFill>
+          <a:ln>
+            <a:noFill/>
+          </a:ln>
+        </p:spPr>
+        <p:style>
+          <a:lnRef idx="2">
+            <a:schemeClr val="accent1">
+              <a:shade val="50000"/>
+            </a:schemeClr>
+          </a:lnRef>
+          <a:fillRef idx="1">
+            <a:schemeClr val="accent1"/>
+          </a:fillRef>
+          <a:effectRef idx="0">
+            <a:schemeClr val="accent1"/>
+          </a:effectRef>
+          <a:fontRef idx="minor">
+            <a:schemeClr val="lt1"/>
+          </a:fontRef>
+        </p:style>
+        <p:txBody>
+          <a:bodyPr rtlCol="0" anchor="ctr"/>
+          <a:lstStyle/>
+          <a:p>
+            <a:pPr algn="ctr"/>
+            <a:r>
+              <a:rPr lang="en-US" altLang="ja-JP" sz="1000" b="1" i="0" dirty="0">
+                <a:solidFill>
+                  <a:schemeClr val="bg1">
+                    <a:lumMod val="85000"/>
+                  </a:schemeClr>
+                </a:solidFill>
+                <a:effectLst/>
+                <a:latin typeface="游ゴシック Medium" panose="020B0500000000000000" pitchFamily="50" charset="-128"/>
+                <a:ea typeface="游ゴシック Medium" panose="020B0500000000000000" pitchFamily="50" charset="-128"/>
+              </a:rPr>
+              <a:t>Spectroradiometer</a:t>
+            </a:r>
+            <a:endParaRPr kumimoji="1" lang="ja-JP" altLang="en-US" sz="1000" b="1" dirty="0">
+              <a:solidFill>
+                <a:schemeClr val="bg1">
+                  <a:lumMod val="85000"/>
+                </a:schemeClr>
+              </a:solidFill>
+              <a:latin typeface="游ゴシック Medium" panose="020B0500000000000000" pitchFamily="50" charset="-128"/>
+              <a:ea typeface="游ゴシック Medium" panose="020B0500000000000000" pitchFamily="50" charset="-128"/>
+            </a:endParaRPr>
+          </a:p>
+        </p:txBody>
+      </p:sp>
+      <p:grpSp>
+        <p:nvGrpSpPr>
+          <p:cNvPr id="97" name="Group 96">
+            <a:extLst>
+              <a:ext uri="{FF2B5EF4-FFF2-40B4-BE49-F238E27FC236}">
+                <a16:creationId xmlns:a16="http://schemas.microsoft.com/office/drawing/2014/main" id="{75389692-1E65-C7EA-8DD0-A2AFC4633606}"/>
+              </a:ext>
+            </a:extLst>
+          </p:cNvPr>
+          <p:cNvGrpSpPr/>
+          <p:nvPr/>
+        </p:nvGrpSpPr>
+        <p:grpSpPr>
+          <a:xfrm rot="5400000">
+            <a:off x="1883935" y="2612033"/>
+            <a:ext cx="1264966" cy="1944030"/>
+            <a:chOff x="1781070" y="2547528"/>
+            <a:chExt cx="1264966" cy="1944030"/>
+          </a:xfrm>
+        </p:grpSpPr>
+        <p:grpSp>
+          <p:nvGrpSpPr>
+            <p:cNvPr id="12" name="Group 11">
+              <a:extLst>
+                <a:ext uri="{FF2B5EF4-FFF2-40B4-BE49-F238E27FC236}">
+                  <a16:creationId xmlns:a16="http://schemas.microsoft.com/office/drawing/2014/main" id="{D5E61BCB-BB0C-1DFC-2D72-F01DC76C3F94}"/>
+                </a:ext>
+              </a:extLst>
+            </p:cNvPr>
+            <p:cNvGrpSpPr/>
+            <p:nvPr/>
+          </p:nvGrpSpPr>
+          <p:grpSpPr>
+            <a:xfrm>
+              <a:off x="1781070" y="2547528"/>
+              <a:ext cx="1244179" cy="1944030"/>
+              <a:chOff x="1106321" y="1290565"/>
+              <a:chExt cx="2073632" cy="3240050"/>
+            </a:xfrm>
+          </p:grpSpPr>
+          <p:sp>
+            <p:nvSpPr>
+              <p:cNvPr id="8" name="Rectangle: Rounded Corners 7">
+                <a:extLst>
+                  <a:ext uri="{FF2B5EF4-FFF2-40B4-BE49-F238E27FC236}">
+                    <a16:creationId xmlns:a16="http://schemas.microsoft.com/office/drawing/2014/main" id="{0CA9D749-E670-3518-AAB1-A6C878AA22F0}"/>
+                  </a:ext>
+                </a:extLst>
+              </p:cNvPr>
+              <p:cNvSpPr/>
+              <p:nvPr/>
+            </p:nvSpPr>
+            <p:spPr>
+              <a:xfrm>
+                <a:off x="1106321" y="1290565"/>
+                <a:ext cx="2073632" cy="3240050"/>
+              </a:xfrm>
+              <a:prstGeom prst="roundRect">
+                <a:avLst>
+                  <a:gd name="adj" fmla="val 9333"/>
+                </a:avLst>
+              </a:prstGeom>
+              <a:solidFill>
+                <a:schemeClr val="tx1"/>
+              </a:solidFill>
+              <a:ln>
+                <a:noFill/>
+              </a:ln>
+            </p:spPr>
+            <p:style>
+              <a:lnRef idx="2">
+                <a:schemeClr val="accent1">
+                  <a:shade val="50000"/>
+                </a:schemeClr>
+              </a:lnRef>
+              <a:fillRef idx="1">
+                <a:schemeClr val="accent1"/>
+              </a:fillRef>
+              <a:effectRef idx="0">
+                <a:schemeClr val="accent1"/>
+              </a:effectRef>
+              <a:fontRef idx="minor">
+                <a:schemeClr val="lt1"/>
+              </a:fontRef>
+            </p:style>
+            <p:txBody>
+              <a:bodyPr rtlCol="0" anchor="ctr"/>
+              <a:lstStyle/>
+              <a:p>
+                <a:pPr algn="ctr"/>
+                <a:endParaRPr kumimoji="1" lang="ja-JP" altLang="en-US"/>
+              </a:p>
+            </p:txBody>
+          </p:sp>
+          <p:sp>
+            <p:nvSpPr>
+              <p:cNvPr id="9" name="Rectangle: Rounded Corners 8">
+                <a:extLst>
+                  <a:ext uri="{FF2B5EF4-FFF2-40B4-BE49-F238E27FC236}">
+                    <a16:creationId xmlns:a16="http://schemas.microsoft.com/office/drawing/2014/main" id="{AE966B9C-B398-2155-F246-7514237EE105}"/>
+                  </a:ext>
+                </a:extLst>
+              </p:cNvPr>
+              <p:cNvSpPr/>
+              <p:nvPr/>
+            </p:nvSpPr>
+            <p:spPr>
+              <a:xfrm>
+                <a:off x="1268325" y="1452569"/>
+                <a:ext cx="1749627" cy="2916045"/>
+              </a:xfrm>
+              <a:prstGeom prst="roundRect">
+                <a:avLst>
+                  <a:gd name="adj" fmla="val 3231"/>
+                </a:avLst>
+              </a:prstGeom>
+              <a:solidFill>
+                <a:schemeClr val="tx1">
+                  <a:lumMod val="95000"/>
+                  <a:lumOff val="5000"/>
+                </a:schemeClr>
+              </a:solidFill>
+              <a:ln>
+                <a:solidFill>
+                  <a:schemeClr val="tx1">
+                    <a:lumMod val="50000"/>
+                    <a:lumOff val="50000"/>
+                  </a:schemeClr>
+                </a:solidFill>
+              </a:ln>
+            </p:spPr>
+            <p:style>
+              <a:lnRef idx="2">
+                <a:schemeClr val="accent1">
+                  <a:shade val="50000"/>
+                </a:schemeClr>
+              </a:lnRef>
+              <a:fillRef idx="1">
+                <a:schemeClr val="accent1"/>
+              </a:fillRef>
+              <a:effectRef idx="0">
+                <a:schemeClr val="accent1"/>
+              </a:effectRef>
+              <a:fontRef idx="minor">
+                <a:schemeClr val="lt1"/>
+              </a:fontRef>
+            </p:style>
+            <p:txBody>
+              <a:bodyPr rtlCol="0" anchor="ctr"/>
+              <a:lstStyle/>
+              <a:p>
+                <a:pPr algn="ctr"/>
+                <a:endParaRPr kumimoji="1" lang="ja-JP" altLang="en-US"/>
+              </a:p>
+            </p:txBody>
+          </p:sp>
+          <p:sp>
+            <p:nvSpPr>
+              <p:cNvPr id="10" name="Rectangle 9">
+                <a:extLst>
+                  <a:ext uri="{FF2B5EF4-FFF2-40B4-BE49-F238E27FC236}">
+                    <a16:creationId xmlns:a16="http://schemas.microsoft.com/office/drawing/2014/main" id="{D3623947-AAD9-2A6D-2AE1-B173C99C8B32}"/>
+                  </a:ext>
+                </a:extLst>
+              </p:cNvPr>
+              <p:cNvSpPr/>
+              <p:nvPr/>
+            </p:nvSpPr>
+            <p:spPr>
+              <a:xfrm>
+                <a:off x="1365526" y="1711772"/>
+                <a:ext cx="1555224" cy="2397637"/>
+              </a:xfrm>
+              <a:prstGeom prst="rect">
+                <a:avLst/>
+              </a:prstGeom>
+              <a:solidFill>
+                <a:schemeClr val="bg1"/>
+              </a:solidFill>
+              <a:ln>
+                <a:noFill/>
+              </a:ln>
+            </p:spPr>
+            <p:style>
+              <a:lnRef idx="2">
+                <a:schemeClr val="accent1">
+                  <a:shade val="50000"/>
+                </a:schemeClr>
+              </a:lnRef>
+              <a:fillRef idx="1">
+                <a:schemeClr val="accent1"/>
+              </a:fillRef>
+              <a:effectRef idx="0">
+                <a:schemeClr val="accent1"/>
+              </a:effectRef>
+              <a:fontRef idx="minor">
+                <a:schemeClr val="lt1"/>
+              </a:fontRef>
+            </p:style>
+            <p:txBody>
+              <a:bodyPr rtlCol="0" anchor="ctr"/>
+              <a:lstStyle/>
+              <a:p>
+                <a:pPr algn="ctr"/>
+                <a:endParaRPr kumimoji="1" lang="ja-JP" altLang="en-US"/>
+              </a:p>
+            </p:txBody>
+          </p:sp>
+        </p:grpSp>
+        <p:sp>
+          <p:nvSpPr>
+            <p:cNvPr id="11" name="TextBox 10">
+              <a:extLst>
+                <a:ext uri="{FF2B5EF4-FFF2-40B4-BE49-F238E27FC236}">
+                  <a16:creationId xmlns:a16="http://schemas.microsoft.com/office/drawing/2014/main" id="{9C0B430E-37FB-DED8-4EDC-D87935BCB459}"/>
+                </a:ext>
+              </a:extLst>
+            </p:cNvPr>
+            <p:cNvSpPr txBox="1"/>
+            <p:nvPr/>
+          </p:nvSpPr>
+          <p:spPr>
+            <a:xfrm>
+              <a:off x="2369943" y="2643422"/>
+              <a:ext cx="676093" cy="169277"/>
+            </a:xfrm>
+            <a:prstGeom prst="rect">
+              <a:avLst/>
+            </a:prstGeom>
+            <a:noFill/>
+          </p:spPr>
+          <p:txBody>
+            <a:bodyPr wrap="square" rtlCol="0">
+              <a:spAutoFit/>
+            </a:bodyPr>
+            <a:lstStyle/>
+            <a:p>
+              <a:r>
+                <a:rPr kumimoji="1" lang="en-US" altLang="ja-JP" sz="500" b="1" dirty="0" err="1">
+                  <a:solidFill>
+                    <a:schemeClr val="bg1">
+                      <a:lumMod val="85000"/>
+                    </a:schemeClr>
+                  </a:solidFill>
+                </a:rPr>
+                <a:t>colorchecker</a:t>
+              </a:r>
+              <a:endParaRPr kumimoji="1" lang="ja-JP" altLang="en-US" sz="500" b="1" dirty="0">
+                <a:solidFill>
+                  <a:schemeClr val="bg1">
+                    <a:lumMod val="85000"/>
+                  </a:schemeClr>
+                </a:solidFill>
+              </a:endParaRPr>
+            </a:p>
+          </p:txBody>
+        </p:sp>
+        <p:grpSp>
+          <p:nvGrpSpPr>
+            <p:cNvPr id="73" name="Group 72">
+              <a:extLst>
+                <a:ext uri="{FF2B5EF4-FFF2-40B4-BE49-F238E27FC236}">
+                  <a16:creationId xmlns:a16="http://schemas.microsoft.com/office/drawing/2014/main" id="{055225E8-E694-C2C5-2983-A31B21B377A1}"/>
+                </a:ext>
+              </a:extLst>
+            </p:cNvPr>
+            <p:cNvGrpSpPr/>
+            <p:nvPr/>
+          </p:nvGrpSpPr>
+          <p:grpSpPr>
+            <a:xfrm>
+              <a:off x="1948736" y="4271413"/>
+              <a:ext cx="920991" cy="72000"/>
+              <a:chOff x="3179955" y="2780989"/>
+              <a:chExt cx="4025282" cy="324006"/>
+            </a:xfrm>
+          </p:grpSpPr>
+          <p:grpSp>
+            <p:nvGrpSpPr>
+              <p:cNvPr id="26" name="Group 25">
+                <a:extLst>
+                  <a:ext uri="{FF2B5EF4-FFF2-40B4-BE49-F238E27FC236}">
+                    <a16:creationId xmlns:a16="http://schemas.microsoft.com/office/drawing/2014/main" id="{595559ED-8FC9-9CAE-17B1-9E5CA6E4A2F0}"/>
+                  </a:ext>
+                </a:extLst>
+              </p:cNvPr>
+              <p:cNvGrpSpPr/>
+              <p:nvPr/>
+            </p:nvGrpSpPr>
+            <p:grpSpPr>
+              <a:xfrm>
+                <a:off x="3179955" y="2780989"/>
+                <a:ext cx="726559" cy="324005"/>
+                <a:chOff x="3957567" y="3169796"/>
+                <a:chExt cx="583209" cy="259204"/>
+              </a:xfrm>
+            </p:grpSpPr>
+            <p:cxnSp>
+              <p:nvCxnSpPr>
+                <p:cNvPr id="14" name="Straight Connector 13">
+                  <a:extLst>
+                    <a:ext uri="{FF2B5EF4-FFF2-40B4-BE49-F238E27FC236}">
+                      <a16:creationId xmlns:a16="http://schemas.microsoft.com/office/drawing/2014/main" id="{A49A28AF-DCE0-A768-3A47-1AFE3A4A9528}"/>
+                    </a:ext>
+                  </a:extLst>
+                </p:cNvPr>
+                <p:cNvCxnSpPr/>
+                <p:nvPr/>
+              </p:nvCxnSpPr>
+              <p:spPr>
+                <a:xfrm>
+                  <a:off x="3957567" y="3169796"/>
+                  <a:ext cx="0" cy="259204"/>
+                </a:xfrm>
+                <a:prstGeom prst="line">
+                  <a:avLst/>
+                </a:prstGeom>
+                <a:ln w="9525">
+                  <a:solidFill>
+                    <a:schemeClr val="bg1">
+                      <a:lumMod val="75000"/>
+                    </a:schemeClr>
+                  </a:solidFill>
+                </a:ln>
+              </p:spPr>
+              <p:style>
+                <a:lnRef idx="1">
+                  <a:schemeClr val="accent1"/>
+                </a:lnRef>
+                <a:fillRef idx="0">
+                  <a:schemeClr val="accent1"/>
+                </a:fillRef>
+                <a:effectRef idx="0">
+                  <a:schemeClr val="accent1"/>
+                </a:effectRef>
+                <a:fontRef idx="minor">
+                  <a:schemeClr val="tx1"/>
+                </a:fontRef>
+              </p:style>
+            </p:cxnSp>
+            <p:cxnSp>
+              <p:nvCxnSpPr>
+                <p:cNvPr id="15" name="Straight Connector 14">
+                  <a:extLst>
+                    <a:ext uri="{FF2B5EF4-FFF2-40B4-BE49-F238E27FC236}">
+                      <a16:creationId xmlns:a16="http://schemas.microsoft.com/office/drawing/2014/main" id="{EC606D88-7C43-CD2E-FF96-2E8F49EE9B2B}"/>
+                    </a:ext>
+                  </a:extLst>
+                </p:cNvPr>
+                <p:cNvCxnSpPr>
+                  <a:cxnSpLocks/>
+                </p:cNvCxnSpPr>
+                <p:nvPr/>
+              </p:nvCxnSpPr>
+              <p:spPr>
+                <a:xfrm>
+                  <a:off x="4022368" y="3299398"/>
+                  <a:ext cx="0" cy="129602"/>
+                </a:xfrm>
+                <a:prstGeom prst="line">
+                  <a:avLst/>
+                </a:prstGeom>
+                <a:ln w="9525">
+                  <a:solidFill>
+                    <a:schemeClr val="bg1">
+                      <a:lumMod val="75000"/>
+                    </a:schemeClr>
+                  </a:solidFill>
+                </a:ln>
+              </p:spPr>
+              <p:style>
+                <a:lnRef idx="1">
+                  <a:schemeClr val="accent1"/>
+                </a:lnRef>
+                <a:fillRef idx="0">
+                  <a:schemeClr val="accent1"/>
+                </a:fillRef>
+                <a:effectRef idx="0">
+                  <a:schemeClr val="accent1"/>
+                </a:effectRef>
+                <a:fontRef idx="minor">
+                  <a:schemeClr val="tx1"/>
+                </a:fontRef>
+              </p:style>
+            </p:cxnSp>
+            <p:cxnSp>
+              <p:nvCxnSpPr>
+                <p:cNvPr id="17" name="Straight Connector 16">
+                  <a:extLst>
+                    <a:ext uri="{FF2B5EF4-FFF2-40B4-BE49-F238E27FC236}">
+                      <a16:creationId xmlns:a16="http://schemas.microsoft.com/office/drawing/2014/main" id="{647C6BB7-0FB4-0E48-F7C7-348899F8BB03}"/>
+                    </a:ext>
+                  </a:extLst>
+                </p:cNvPr>
+                <p:cNvCxnSpPr>
+                  <a:cxnSpLocks/>
+                </p:cNvCxnSpPr>
+                <p:nvPr/>
+              </p:nvCxnSpPr>
+              <p:spPr>
+                <a:xfrm>
+                  <a:off x="4087169" y="3299398"/>
+                  <a:ext cx="0" cy="129602"/>
+                </a:xfrm>
+                <a:prstGeom prst="line">
+                  <a:avLst/>
+                </a:prstGeom>
+                <a:ln w="9525">
+                  <a:solidFill>
+                    <a:schemeClr val="bg1">
+                      <a:lumMod val="75000"/>
+                    </a:schemeClr>
+                  </a:solidFill>
+                </a:ln>
+              </p:spPr>
+              <p:style>
+                <a:lnRef idx="1">
+                  <a:schemeClr val="accent1"/>
+                </a:lnRef>
+                <a:fillRef idx="0">
+                  <a:schemeClr val="accent1"/>
+                </a:fillRef>
+                <a:effectRef idx="0">
+                  <a:schemeClr val="accent1"/>
+                </a:effectRef>
+                <a:fontRef idx="minor">
+                  <a:schemeClr val="tx1"/>
+                </a:fontRef>
+              </p:style>
+            </p:cxnSp>
+            <p:cxnSp>
+              <p:nvCxnSpPr>
+                <p:cNvPr id="18" name="Straight Connector 17">
+                  <a:extLst>
+                    <a:ext uri="{FF2B5EF4-FFF2-40B4-BE49-F238E27FC236}">
+                      <a16:creationId xmlns:a16="http://schemas.microsoft.com/office/drawing/2014/main" id="{24ED0435-F5EA-8F53-3B5F-25F785A497DB}"/>
+                    </a:ext>
+                  </a:extLst>
+                </p:cNvPr>
+                <p:cNvCxnSpPr>
+                  <a:cxnSpLocks/>
+                </p:cNvCxnSpPr>
+                <p:nvPr/>
+              </p:nvCxnSpPr>
+              <p:spPr>
+                <a:xfrm>
+                  <a:off x="4151970" y="3299398"/>
+                  <a:ext cx="0" cy="129602"/>
+                </a:xfrm>
+                <a:prstGeom prst="line">
+                  <a:avLst/>
+                </a:prstGeom>
+                <a:ln w="9525">
+                  <a:solidFill>
+                    <a:schemeClr val="bg1">
+                      <a:lumMod val="75000"/>
+                    </a:schemeClr>
+                  </a:solidFill>
+                </a:ln>
+              </p:spPr>
+              <p:style>
+                <a:lnRef idx="1">
+                  <a:schemeClr val="accent1"/>
+                </a:lnRef>
+                <a:fillRef idx="0">
+                  <a:schemeClr val="accent1"/>
+                </a:fillRef>
+                <a:effectRef idx="0">
+                  <a:schemeClr val="accent1"/>
+                </a:effectRef>
+                <a:fontRef idx="minor">
+                  <a:schemeClr val="tx1"/>
+                </a:fontRef>
+              </p:style>
+            </p:cxnSp>
+            <p:cxnSp>
+              <p:nvCxnSpPr>
+                <p:cNvPr id="19" name="Straight Connector 18">
+                  <a:extLst>
+                    <a:ext uri="{FF2B5EF4-FFF2-40B4-BE49-F238E27FC236}">
+                      <a16:creationId xmlns:a16="http://schemas.microsoft.com/office/drawing/2014/main" id="{F74544C5-D9AE-EAC8-7BEF-F20EEE322D10}"/>
+                    </a:ext>
+                  </a:extLst>
+                </p:cNvPr>
+                <p:cNvCxnSpPr>
+                  <a:cxnSpLocks/>
+                </p:cNvCxnSpPr>
+                <p:nvPr/>
+              </p:nvCxnSpPr>
+              <p:spPr>
+                <a:xfrm>
+                  <a:off x="4216771" y="3299398"/>
+                  <a:ext cx="0" cy="129602"/>
+                </a:xfrm>
+                <a:prstGeom prst="line">
+                  <a:avLst/>
+                </a:prstGeom>
+                <a:ln w="9525">
+                  <a:solidFill>
+                    <a:schemeClr val="bg1">
+                      <a:lumMod val="75000"/>
+                    </a:schemeClr>
+                  </a:solidFill>
+                </a:ln>
+              </p:spPr>
+              <p:style>
+                <a:lnRef idx="1">
+                  <a:schemeClr val="accent1"/>
+                </a:lnRef>
+                <a:fillRef idx="0">
+                  <a:schemeClr val="accent1"/>
+                </a:fillRef>
+                <a:effectRef idx="0">
+                  <a:schemeClr val="accent1"/>
+                </a:effectRef>
+                <a:fontRef idx="minor">
+                  <a:schemeClr val="tx1"/>
+                </a:fontRef>
+              </p:style>
+            </p:cxnSp>
+            <p:cxnSp>
+              <p:nvCxnSpPr>
+                <p:cNvPr id="20" name="Straight Connector 19">
+                  <a:extLst>
+                    <a:ext uri="{FF2B5EF4-FFF2-40B4-BE49-F238E27FC236}">
+                      <a16:creationId xmlns:a16="http://schemas.microsoft.com/office/drawing/2014/main" id="{31D12E30-6E7C-7F86-8D31-DEB4D4B67290}"/>
+                    </a:ext>
+                  </a:extLst>
+                </p:cNvPr>
+                <p:cNvCxnSpPr>
+                  <a:cxnSpLocks/>
+                </p:cNvCxnSpPr>
+                <p:nvPr/>
+              </p:nvCxnSpPr>
+              <p:spPr>
+                <a:xfrm>
+                  <a:off x="4281572" y="3234596"/>
+                  <a:ext cx="0" cy="194404"/>
+                </a:xfrm>
+                <a:prstGeom prst="line">
+                  <a:avLst/>
+                </a:prstGeom>
+                <a:ln w="9525">
+                  <a:solidFill>
+                    <a:schemeClr val="bg1">
+                      <a:lumMod val="75000"/>
+                    </a:schemeClr>
+                  </a:solidFill>
+                </a:ln>
+              </p:spPr>
+              <p:style>
+                <a:lnRef idx="1">
+                  <a:schemeClr val="accent1"/>
+                </a:lnRef>
+                <a:fillRef idx="0">
+                  <a:schemeClr val="accent1"/>
+                </a:fillRef>
+                <a:effectRef idx="0">
+                  <a:schemeClr val="accent1"/>
+                </a:effectRef>
+                <a:fontRef idx="minor">
+                  <a:schemeClr val="tx1"/>
+                </a:fontRef>
+              </p:style>
+            </p:cxnSp>
+            <p:cxnSp>
+              <p:nvCxnSpPr>
+                <p:cNvPr id="22" name="Straight Connector 21">
+                  <a:extLst>
+                    <a:ext uri="{FF2B5EF4-FFF2-40B4-BE49-F238E27FC236}">
+                      <a16:creationId xmlns:a16="http://schemas.microsoft.com/office/drawing/2014/main" id="{3E64BCC7-C5A2-5916-D50F-68625CB80C45}"/>
+                    </a:ext>
+                  </a:extLst>
+                </p:cNvPr>
+                <p:cNvCxnSpPr>
+                  <a:cxnSpLocks/>
+                </p:cNvCxnSpPr>
+                <p:nvPr/>
+              </p:nvCxnSpPr>
+              <p:spPr>
+                <a:xfrm>
+                  <a:off x="4346373" y="3299398"/>
+                  <a:ext cx="0" cy="129602"/>
+                </a:xfrm>
+                <a:prstGeom prst="line">
+                  <a:avLst/>
+                </a:prstGeom>
+                <a:ln w="9525">
+                  <a:solidFill>
+                    <a:schemeClr val="bg1">
+                      <a:lumMod val="75000"/>
+                    </a:schemeClr>
+                  </a:solidFill>
+                </a:ln>
+              </p:spPr>
+              <p:style>
+                <a:lnRef idx="1">
+                  <a:schemeClr val="accent1"/>
+                </a:lnRef>
+                <a:fillRef idx="0">
+                  <a:schemeClr val="accent1"/>
+                </a:fillRef>
+                <a:effectRef idx="0">
+                  <a:schemeClr val="accent1"/>
+                </a:effectRef>
+                <a:fontRef idx="minor">
+                  <a:schemeClr val="tx1"/>
+                </a:fontRef>
+              </p:style>
+            </p:cxnSp>
+            <p:cxnSp>
+              <p:nvCxnSpPr>
+                <p:cNvPr id="23" name="Straight Connector 22">
+                  <a:extLst>
+                    <a:ext uri="{FF2B5EF4-FFF2-40B4-BE49-F238E27FC236}">
+                      <a16:creationId xmlns:a16="http://schemas.microsoft.com/office/drawing/2014/main" id="{E30548AC-A520-9F9E-C85A-9341D79B7019}"/>
+                    </a:ext>
+                  </a:extLst>
+                </p:cNvPr>
+                <p:cNvCxnSpPr>
+                  <a:cxnSpLocks/>
+                </p:cNvCxnSpPr>
+                <p:nvPr/>
+              </p:nvCxnSpPr>
+              <p:spPr>
+                <a:xfrm>
+                  <a:off x="4411174" y="3299398"/>
+                  <a:ext cx="0" cy="129602"/>
+                </a:xfrm>
+                <a:prstGeom prst="line">
+                  <a:avLst/>
+                </a:prstGeom>
+                <a:ln w="9525">
+                  <a:solidFill>
+                    <a:schemeClr val="bg1">
+                      <a:lumMod val="75000"/>
+                    </a:schemeClr>
+                  </a:solidFill>
+                </a:ln>
+              </p:spPr>
+              <p:style>
+                <a:lnRef idx="1">
+                  <a:schemeClr val="accent1"/>
+                </a:lnRef>
+                <a:fillRef idx="0">
+                  <a:schemeClr val="accent1"/>
+                </a:fillRef>
+                <a:effectRef idx="0">
+                  <a:schemeClr val="accent1"/>
+                </a:effectRef>
+                <a:fontRef idx="minor">
+                  <a:schemeClr val="tx1"/>
+                </a:fontRef>
+              </p:style>
+            </p:cxnSp>
+            <p:cxnSp>
+              <p:nvCxnSpPr>
+                <p:cNvPr id="24" name="Straight Connector 23">
+                  <a:extLst>
+                    <a:ext uri="{FF2B5EF4-FFF2-40B4-BE49-F238E27FC236}">
+                      <a16:creationId xmlns:a16="http://schemas.microsoft.com/office/drawing/2014/main" id="{A60DC1D1-1DCE-F53F-9A57-563007D1F96D}"/>
+                    </a:ext>
+                  </a:extLst>
+                </p:cNvPr>
+                <p:cNvCxnSpPr>
+                  <a:cxnSpLocks/>
+                </p:cNvCxnSpPr>
+                <p:nvPr/>
+              </p:nvCxnSpPr>
+              <p:spPr>
+                <a:xfrm>
+                  <a:off x="4475975" y="3299398"/>
+                  <a:ext cx="0" cy="129602"/>
+                </a:xfrm>
+                <a:prstGeom prst="line">
+                  <a:avLst/>
+                </a:prstGeom>
+                <a:ln w="9525">
+                  <a:solidFill>
+                    <a:schemeClr val="bg1">
+                      <a:lumMod val="75000"/>
+                    </a:schemeClr>
+                  </a:solidFill>
+                </a:ln>
+              </p:spPr>
+              <p:style>
+                <a:lnRef idx="1">
+                  <a:schemeClr val="accent1"/>
+                </a:lnRef>
+                <a:fillRef idx="0">
+                  <a:schemeClr val="accent1"/>
+                </a:fillRef>
+                <a:effectRef idx="0">
+                  <a:schemeClr val="accent1"/>
+                </a:effectRef>
+                <a:fontRef idx="minor">
+                  <a:schemeClr val="tx1"/>
+                </a:fontRef>
+              </p:style>
+            </p:cxnSp>
+            <p:cxnSp>
+              <p:nvCxnSpPr>
+                <p:cNvPr id="25" name="Straight Connector 24">
+                  <a:extLst>
+                    <a:ext uri="{FF2B5EF4-FFF2-40B4-BE49-F238E27FC236}">
+                      <a16:creationId xmlns:a16="http://schemas.microsoft.com/office/drawing/2014/main" id="{CE79D9F7-3484-DE6F-5AC8-A737FA54EE0B}"/>
+                    </a:ext>
+                  </a:extLst>
+                </p:cNvPr>
+                <p:cNvCxnSpPr>
+                  <a:cxnSpLocks/>
+                </p:cNvCxnSpPr>
+                <p:nvPr/>
+              </p:nvCxnSpPr>
+              <p:spPr>
+                <a:xfrm>
+                  <a:off x="4540776" y="3299398"/>
+                  <a:ext cx="0" cy="129602"/>
+                </a:xfrm>
+                <a:prstGeom prst="line">
+                  <a:avLst/>
+                </a:prstGeom>
+                <a:ln w="9525">
+                  <a:solidFill>
+                    <a:schemeClr val="bg1">
+                      <a:lumMod val="75000"/>
+                    </a:schemeClr>
+                  </a:solidFill>
+                </a:ln>
+              </p:spPr>
+              <p:style>
+                <a:lnRef idx="1">
+                  <a:schemeClr val="accent1"/>
+                </a:lnRef>
+                <a:fillRef idx="0">
+                  <a:schemeClr val="accent1"/>
+                </a:fillRef>
+                <a:effectRef idx="0">
+                  <a:schemeClr val="accent1"/>
+                </a:effectRef>
+                <a:fontRef idx="minor">
+                  <a:schemeClr val="tx1"/>
+                </a:fontRef>
+              </p:style>
+            </p:cxnSp>
+          </p:grpSp>
+          <p:grpSp>
+            <p:nvGrpSpPr>
+              <p:cNvPr id="27" name="Group 26">
+                <a:extLst>
+                  <a:ext uri="{FF2B5EF4-FFF2-40B4-BE49-F238E27FC236}">
+                    <a16:creationId xmlns:a16="http://schemas.microsoft.com/office/drawing/2014/main" id="{F0AFC5FF-97EC-F8F5-E1F8-A403FEE7835F}"/>
+                  </a:ext>
+                </a:extLst>
+              </p:cNvPr>
+              <p:cNvGrpSpPr/>
+              <p:nvPr/>
+            </p:nvGrpSpPr>
+            <p:grpSpPr>
+              <a:xfrm>
+                <a:off x="3987243" y="2780989"/>
+                <a:ext cx="726559" cy="324005"/>
+                <a:chOff x="3957567" y="3169796"/>
+                <a:chExt cx="583209" cy="259204"/>
+              </a:xfrm>
+            </p:grpSpPr>
+            <p:cxnSp>
+              <p:nvCxnSpPr>
+                <p:cNvPr id="28" name="Straight Connector 27">
+                  <a:extLst>
+                    <a:ext uri="{FF2B5EF4-FFF2-40B4-BE49-F238E27FC236}">
+                      <a16:creationId xmlns:a16="http://schemas.microsoft.com/office/drawing/2014/main" id="{E0DE0C78-E24B-7EB4-8F4F-CC247DB28017}"/>
+                    </a:ext>
+                  </a:extLst>
+                </p:cNvPr>
+                <p:cNvCxnSpPr/>
+                <p:nvPr/>
+              </p:nvCxnSpPr>
+              <p:spPr>
+                <a:xfrm>
+                  <a:off x="3957567" y="3169796"/>
+                  <a:ext cx="0" cy="259204"/>
+                </a:xfrm>
+                <a:prstGeom prst="line">
+                  <a:avLst/>
+                </a:prstGeom>
+                <a:ln w="9525">
+                  <a:solidFill>
+                    <a:schemeClr val="bg1">
+                      <a:lumMod val="75000"/>
+                    </a:schemeClr>
+                  </a:solidFill>
+                </a:ln>
+              </p:spPr>
+              <p:style>
+                <a:lnRef idx="1">
+                  <a:schemeClr val="accent1"/>
+                </a:lnRef>
+                <a:fillRef idx="0">
+                  <a:schemeClr val="accent1"/>
+                </a:fillRef>
+                <a:effectRef idx="0">
+                  <a:schemeClr val="accent1"/>
+                </a:effectRef>
+                <a:fontRef idx="minor">
+                  <a:schemeClr val="tx1"/>
+                </a:fontRef>
+              </p:style>
+            </p:cxnSp>
+            <p:cxnSp>
+              <p:nvCxnSpPr>
+                <p:cNvPr id="29" name="Straight Connector 28">
+                  <a:extLst>
+                    <a:ext uri="{FF2B5EF4-FFF2-40B4-BE49-F238E27FC236}">
+                      <a16:creationId xmlns:a16="http://schemas.microsoft.com/office/drawing/2014/main" id="{0EB217F7-8C09-4F87-8F3B-7C623DAFBC6B}"/>
+                    </a:ext>
+                  </a:extLst>
+                </p:cNvPr>
+                <p:cNvCxnSpPr>
+                  <a:cxnSpLocks/>
+                </p:cNvCxnSpPr>
+                <p:nvPr/>
+              </p:nvCxnSpPr>
+              <p:spPr>
+                <a:xfrm>
+                  <a:off x="4022368" y="3299398"/>
+                  <a:ext cx="0" cy="129602"/>
+                </a:xfrm>
+                <a:prstGeom prst="line">
+                  <a:avLst/>
+                </a:prstGeom>
+                <a:ln w="9525">
+                  <a:solidFill>
+                    <a:schemeClr val="bg1">
+                      <a:lumMod val="75000"/>
+                    </a:schemeClr>
+                  </a:solidFill>
+                </a:ln>
+              </p:spPr>
+              <p:style>
+                <a:lnRef idx="1">
+                  <a:schemeClr val="accent1"/>
+                </a:lnRef>
+                <a:fillRef idx="0">
+                  <a:schemeClr val="accent1"/>
+                </a:fillRef>
+                <a:effectRef idx="0">
+                  <a:schemeClr val="accent1"/>
+                </a:effectRef>
+                <a:fontRef idx="minor">
+                  <a:schemeClr val="tx1"/>
+                </a:fontRef>
+              </p:style>
+            </p:cxnSp>
+            <p:cxnSp>
+              <p:nvCxnSpPr>
+                <p:cNvPr id="30" name="Straight Connector 29">
+                  <a:extLst>
+                    <a:ext uri="{FF2B5EF4-FFF2-40B4-BE49-F238E27FC236}">
+                      <a16:creationId xmlns:a16="http://schemas.microsoft.com/office/drawing/2014/main" id="{9EB60B84-39A7-21AE-20D1-F6FEACA0AE06}"/>
+                    </a:ext>
+                  </a:extLst>
+                </p:cNvPr>
+                <p:cNvCxnSpPr>
+                  <a:cxnSpLocks/>
+                </p:cNvCxnSpPr>
+                <p:nvPr/>
+              </p:nvCxnSpPr>
+              <p:spPr>
+                <a:xfrm>
+                  <a:off x="4087169" y="3299398"/>
+                  <a:ext cx="0" cy="129602"/>
+                </a:xfrm>
+                <a:prstGeom prst="line">
+                  <a:avLst/>
+                </a:prstGeom>
+                <a:ln w="9525">
+                  <a:solidFill>
+                    <a:schemeClr val="bg1">
+                      <a:lumMod val="75000"/>
+                    </a:schemeClr>
+                  </a:solidFill>
+                </a:ln>
+              </p:spPr>
+              <p:style>
+                <a:lnRef idx="1">
+                  <a:schemeClr val="accent1"/>
+                </a:lnRef>
+                <a:fillRef idx="0">
+                  <a:schemeClr val="accent1"/>
+                </a:fillRef>
+                <a:effectRef idx="0">
+                  <a:schemeClr val="accent1"/>
+                </a:effectRef>
+                <a:fontRef idx="minor">
+                  <a:schemeClr val="tx1"/>
+                </a:fontRef>
+              </p:style>
+            </p:cxnSp>
+            <p:cxnSp>
+              <p:nvCxnSpPr>
+                <p:cNvPr id="31" name="Straight Connector 30">
+                  <a:extLst>
+                    <a:ext uri="{FF2B5EF4-FFF2-40B4-BE49-F238E27FC236}">
+                      <a16:creationId xmlns:a16="http://schemas.microsoft.com/office/drawing/2014/main" id="{8E00D5B9-D176-5EFA-65C2-61BE81D6AC4E}"/>
+                    </a:ext>
+                  </a:extLst>
+                </p:cNvPr>
+                <p:cNvCxnSpPr>
+                  <a:cxnSpLocks/>
+                </p:cNvCxnSpPr>
+                <p:nvPr/>
+              </p:nvCxnSpPr>
+              <p:spPr>
+                <a:xfrm>
+                  <a:off x="4151970" y="3299398"/>
+                  <a:ext cx="0" cy="129602"/>
+                </a:xfrm>
+                <a:prstGeom prst="line">
+                  <a:avLst/>
+                </a:prstGeom>
+                <a:ln w="9525">
+                  <a:solidFill>
+                    <a:schemeClr val="bg1">
+                      <a:lumMod val="75000"/>
+                    </a:schemeClr>
+                  </a:solidFill>
+                </a:ln>
+              </p:spPr>
+              <p:style>
+                <a:lnRef idx="1">
+                  <a:schemeClr val="accent1"/>
+                </a:lnRef>
+                <a:fillRef idx="0">
+                  <a:schemeClr val="accent1"/>
+                </a:fillRef>
+                <a:effectRef idx="0">
+                  <a:schemeClr val="accent1"/>
+                </a:effectRef>
+                <a:fontRef idx="minor">
+                  <a:schemeClr val="tx1"/>
+                </a:fontRef>
+              </p:style>
+            </p:cxnSp>
+            <p:cxnSp>
+              <p:nvCxnSpPr>
+                <p:cNvPr id="32" name="Straight Connector 31">
+                  <a:extLst>
+                    <a:ext uri="{FF2B5EF4-FFF2-40B4-BE49-F238E27FC236}">
+                      <a16:creationId xmlns:a16="http://schemas.microsoft.com/office/drawing/2014/main" id="{C9235C2D-7130-D350-DAEE-4A337B2A789E}"/>
+                    </a:ext>
+                  </a:extLst>
+                </p:cNvPr>
+                <p:cNvCxnSpPr>
+                  <a:cxnSpLocks/>
+                </p:cNvCxnSpPr>
+                <p:nvPr/>
+              </p:nvCxnSpPr>
+              <p:spPr>
+                <a:xfrm>
+                  <a:off x="4216771" y="3299398"/>
+                  <a:ext cx="0" cy="129602"/>
+                </a:xfrm>
+                <a:prstGeom prst="line">
+                  <a:avLst/>
+                </a:prstGeom>
+                <a:ln w="9525">
+                  <a:solidFill>
+                    <a:schemeClr val="bg1">
+                      <a:lumMod val="75000"/>
+                    </a:schemeClr>
+                  </a:solidFill>
+                </a:ln>
+              </p:spPr>
+              <p:style>
+                <a:lnRef idx="1">
+                  <a:schemeClr val="accent1"/>
+                </a:lnRef>
+                <a:fillRef idx="0">
+                  <a:schemeClr val="accent1"/>
+                </a:fillRef>
+                <a:effectRef idx="0">
+                  <a:schemeClr val="accent1"/>
+                </a:effectRef>
+                <a:fontRef idx="minor">
+                  <a:schemeClr val="tx1"/>
+                </a:fontRef>
+              </p:style>
+            </p:cxnSp>
+            <p:cxnSp>
+              <p:nvCxnSpPr>
+                <p:cNvPr id="33" name="Straight Connector 32">
+                  <a:extLst>
+                    <a:ext uri="{FF2B5EF4-FFF2-40B4-BE49-F238E27FC236}">
+                      <a16:creationId xmlns:a16="http://schemas.microsoft.com/office/drawing/2014/main" id="{85F82810-7D21-2613-9F9C-B35D45C0E851}"/>
+                    </a:ext>
+                  </a:extLst>
+                </p:cNvPr>
+                <p:cNvCxnSpPr>
+                  <a:cxnSpLocks/>
+                </p:cNvCxnSpPr>
+                <p:nvPr/>
+              </p:nvCxnSpPr>
+              <p:spPr>
+                <a:xfrm>
+                  <a:off x="4281572" y="3234596"/>
+                  <a:ext cx="0" cy="194404"/>
+                </a:xfrm>
+                <a:prstGeom prst="line">
+                  <a:avLst/>
+                </a:prstGeom>
+                <a:ln w="9525">
+                  <a:solidFill>
+                    <a:schemeClr val="bg1">
+                      <a:lumMod val="75000"/>
+                    </a:schemeClr>
+                  </a:solidFill>
+                </a:ln>
+              </p:spPr>
+              <p:style>
+                <a:lnRef idx="1">
+                  <a:schemeClr val="accent1"/>
+                </a:lnRef>
+                <a:fillRef idx="0">
+                  <a:schemeClr val="accent1"/>
+                </a:fillRef>
+                <a:effectRef idx="0">
+                  <a:schemeClr val="accent1"/>
+                </a:effectRef>
+                <a:fontRef idx="minor">
+                  <a:schemeClr val="tx1"/>
+                </a:fontRef>
+              </p:style>
+            </p:cxnSp>
+            <p:cxnSp>
+              <p:nvCxnSpPr>
+                <p:cNvPr id="34" name="Straight Connector 33">
+                  <a:extLst>
+                    <a:ext uri="{FF2B5EF4-FFF2-40B4-BE49-F238E27FC236}">
+                      <a16:creationId xmlns:a16="http://schemas.microsoft.com/office/drawing/2014/main" id="{8ADB8ED9-FB58-88AA-1BC7-28D576C5B4AF}"/>
+                    </a:ext>
+                  </a:extLst>
+                </p:cNvPr>
+                <p:cNvCxnSpPr>
+                  <a:cxnSpLocks/>
+                </p:cNvCxnSpPr>
+                <p:nvPr/>
+              </p:nvCxnSpPr>
+              <p:spPr>
+                <a:xfrm>
+                  <a:off x="4346373" y="3299398"/>
+                  <a:ext cx="0" cy="129602"/>
+                </a:xfrm>
+                <a:prstGeom prst="line">
+                  <a:avLst/>
+                </a:prstGeom>
+                <a:ln w="9525">
+                  <a:solidFill>
+                    <a:schemeClr val="bg1">
+                      <a:lumMod val="75000"/>
+                    </a:schemeClr>
+                  </a:solidFill>
+                </a:ln>
+              </p:spPr>
+              <p:style>
+                <a:lnRef idx="1">
+                  <a:schemeClr val="accent1"/>
+                </a:lnRef>
+                <a:fillRef idx="0">
+                  <a:schemeClr val="accent1"/>
+                </a:fillRef>
+                <a:effectRef idx="0">
+                  <a:schemeClr val="accent1"/>
+                </a:effectRef>
+                <a:fontRef idx="minor">
+                  <a:schemeClr val="tx1"/>
+                </a:fontRef>
+              </p:style>
+            </p:cxnSp>
+            <p:cxnSp>
+              <p:nvCxnSpPr>
+                <p:cNvPr id="35" name="Straight Connector 34">
+                  <a:extLst>
+                    <a:ext uri="{FF2B5EF4-FFF2-40B4-BE49-F238E27FC236}">
+                      <a16:creationId xmlns:a16="http://schemas.microsoft.com/office/drawing/2014/main" id="{A35E9C49-87ED-EC3C-5948-9EFA3F8E3B15}"/>
+                    </a:ext>
+                  </a:extLst>
+                </p:cNvPr>
+                <p:cNvCxnSpPr>
+                  <a:cxnSpLocks/>
+                </p:cNvCxnSpPr>
+                <p:nvPr/>
+              </p:nvCxnSpPr>
+              <p:spPr>
+                <a:xfrm>
+                  <a:off x="4411174" y="3299398"/>
+                  <a:ext cx="0" cy="129602"/>
+                </a:xfrm>
+                <a:prstGeom prst="line">
+                  <a:avLst/>
+                </a:prstGeom>
+                <a:ln w="9525">
+                  <a:solidFill>
+                    <a:schemeClr val="bg1">
+                      <a:lumMod val="75000"/>
+                    </a:schemeClr>
+                  </a:solidFill>
+                </a:ln>
+              </p:spPr>
+              <p:style>
+                <a:lnRef idx="1">
+                  <a:schemeClr val="accent1"/>
+                </a:lnRef>
+                <a:fillRef idx="0">
+                  <a:schemeClr val="accent1"/>
+                </a:fillRef>
+                <a:effectRef idx="0">
+                  <a:schemeClr val="accent1"/>
+                </a:effectRef>
+                <a:fontRef idx="minor">
+                  <a:schemeClr val="tx1"/>
+                </a:fontRef>
+              </p:style>
+            </p:cxnSp>
+            <p:cxnSp>
+              <p:nvCxnSpPr>
+                <p:cNvPr id="36" name="Straight Connector 35">
+                  <a:extLst>
+                    <a:ext uri="{FF2B5EF4-FFF2-40B4-BE49-F238E27FC236}">
+                      <a16:creationId xmlns:a16="http://schemas.microsoft.com/office/drawing/2014/main" id="{EF417290-894F-87E4-B1F5-E3C952FAEE77}"/>
+                    </a:ext>
+                  </a:extLst>
+                </p:cNvPr>
+                <p:cNvCxnSpPr>
+                  <a:cxnSpLocks/>
+                </p:cNvCxnSpPr>
+                <p:nvPr/>
+              </p:nvCxnSpPr>
+              <p:spPr>
+                <a:xfrm>
+                  <a:off x="4475975" y="3299398"/>
+                  <a:ext cx="0" cy="129602"/>
+                </a:xfrm>
+                <a:prstGeom prst="line">
+                  <a:avLst/>
+                </a:prstGeom>
+                <a:ln w="9525">
+                  <a:solidFill>
+                    <a:schemeClr val="bg1">
+                      <a:lumMod val="75000"/>
+                    </a:schemeClr>
+                  </a:solidFill>
+                </a:ln>
+              </p:spPr>
+              <p:style>
+                <a:lnRef idx="1">
+                  <a:schemeClr val="accent1"/>
+                </a:lnRef>
+                <a:fillRef idx="0">
+                  <a:schemeClr val="accent1"/>
+                </a:fillRef>
+                <a:effectRef idx="0">
+                  <a:schemeClr val="accent1"/>
+                </a:effectRef>
+                <a:fontRef idx="minor">
+                  <a:schemeClr val="tx1"/>
+                </a:fontRef>
+              </p:style>
+            </p:cxnSp>
+            <p:cxnSp>
+              <p:nvCxnSpPr>
+                <p:cNvPr id="37" name="Straight Connector 36">
+                  <a:extLst>
+                    <a:ext uri="{FF2B5EF4-FFF2-40B4-BE49-F238E27FC236}">
+                      <a16:creationId xmlns:a16="http://schemas.microsoft.com/office/drawing/2014/main" id="{58CA379B-D732-5F60-3E0C-9FF7574CEC74}"/>
+                    </a:ext>
+                  </a:extLst>
+                </p:cNvPr>
+                <p:cNvCxnSpPr>
+                  <a:cxnSpLocks/>
+                </p:cNvCxnSpPr>
+                <p:nvPr/>
+              </p:nvCxnSpPr>
+              <p:spPr>
+                <a:xfrm>
+                  <a:off x="4540776" y="3299398"/>
+                  <a:ext cx="0" cy="129602"/>
+                </a:xfrm>
+                <a:prstGeom prst="line">
+                  <a:avLst/>
+                </a:prstGeom>
+                <a:ln w="9525">
+                  <a:solidFill>
+                    <a:schemeClr val="bg1">
+                      <a:lumMod val="75000"/>
+                    </a:schemeClr>
+                  </a:solidFill>
+                </a:ln>
+              </p:spPr>
+              <p:style>
+                <a:lnRef idx="1">
+                  <a:schemeClr val="accent1"/>
+                </a:lnRef>
+                <a:fillRef idx="0">
+                  <a:schemeClr val="accent1"/>
+                </a:fillRef>
+                <a:effectRef idx="0">
+                  <a:schemeClr val="accent1"/>
+                </a:effectRef>
+                <a:fontRef idx="minor">
+                  <a:schemeClr val="tx1"/>
+                </a:fontRef>
+              </p:style>
+            </p:cxnSp>
+          </p:grpSp>
+          <p:grpSp>
+            <p:nvGrpSpPr>
+              <p:cNvPr id="38" name="Group 37">
+                <a:extLst>
+                  <a:ext uri="{FF2B5EF4-FFF2-40B4-BE49-F238E27FC236}">
+                    <a16:creationId xmlns:a16="http://schemas.microsoft.com/office/drawing/2014/main" id="{F66625DD-7183-0836-1CEC-EF42D3539711}"/>
+                  </a:ext>
+                </a:extLst>
+              </p:cNvPr>
+              <p:cNvGrpSpPr/>
+              <p:nvPr/>
+            </p:nvGrpSpPr>
+            <p:grpSpPr>
+              <a:xfrm>
+                <a:off x="4794532" y="2780989"/>
+                <a:ext cx="726559" cy="324005"/>
+                <a:chOff x="3957567" y="3169796"/>
+                <a:chExt cx="583209" cy="259204"/>
+              </a:xfrm>
+            </p:grpSpPr>
+            <p:cxnSp>
+              <p:nvCxnSpPr>
+                <p:cNvPr id="39" name="Straight Connector 38">
+                  <a:extLst>
+                    <a:ext uri="{FF2B5EF4-FFF2-40B4-BE49-F238E27FC236}">
+                      <a16:creationId xmlns:a16="http://schemas.microsoft.com/office/drawing/2014/main" id="{980DB021-80C5-B67F-7194-274FC8690DDD}"/>
+                    </a:ext>
+                  </a:extLst>
+                </p:cNvPr>
+                <p:cNvCxnSpPr/>
+                <p:nvPr/>
+              </p:nvCxnSpPr>
+              <p:spPr>
+                <a:xfrm>
+                  <a:off x="3957567" y="3169796"/>
+                  <a:ext cx="0" cy="259204"/>
+                </a:xfrm>
+                <a:prstGeom prst="line">
+                  <a:avLst/>
+                </a:prstGeom>
+                <a:ln w="9525">
+                  <a:solidFill>
+                    <a:schemeClr val="bg1">
+                      <a:lumMod val="75000"/>
+                    </a:schemeClr>
+                  </a:solidFill>
+                </a:ln>
+              </p:spPr>
+              <p:style>
+                <a:lnRef idx="1">
+                  <a:schemeClr val="accent1"/>
+                </a:lnRef>
+                <a:fillRef idx="0">
+                  <a:schemeClr val="accent1"/>
+                </a:fillRef>
+                <a:effectRef idx="0">
+                  <a:schemeClr val="accent1"/>
+                </a:effectRef>
+                <a:fontRef idx="minor">
+                  <a:schemeClr val="tx1"/>
+                </a:fontRef>
+              </p:style>
+            </p:cxnSp>
+            <p:cxnSp>
+              <p:nvCxnSpPr>
+                <p:cNvPr id="40" name="Straight Connector 39">
+                  <a:extLst>
+                    <a:ext uri="{FF2B5EF4-FFF2-40B4-BE49-F238E27FC236}">
+                      <a16:creationId xmlns:a16="http://schemas.microsoft.com/office/drawing/2014/main" id="{DCFF0A34-93FA-CB45-927A-33364EBA5EF2}"/>
+                    </a:ext>
+                  </a:extLst>
+                </p:cNvPr>
+                <p:cNvCxnSpPr>
+                  <a:cxnSpLocks/>
+                </p:cNvCxnSpPr>
+                <p:nvPr/>
+              </p:nvCxnSpPr>
+              <p:spPr>
+                <a:xfrm>
+                  <a:off x="4022368" y="3299398"/>
+                  <a:ext cx="0" cy="129602"/>
+                </a:xfrm>
+                <a:prstGeom prst="line">
+                  <a:avLst/>
+                </a:prstGeom>
+                <a:ln w="9525">
+                  <a:solidFill>
+                    <a:schemeClr val="bg1">
+                      <a:lumMod val="75000"/>
+                    </a:schemeClr>
+                  </a:solidFill>
+                </a:ln>
+              </p:spPr>
+              <p:style>
+                <a:lnRef idx="1">
+                  <a:schemeClr val="accent1"/>
+                </a:lnRef>
+                <a:fillRef idx="0">
+                  <a:schemeClr val="accent1"/>
+                </a:fillRef>
+                <a:effectRef idx="0">
+                  <a:schemeClr val="accent1"/>
+                </a:effectRef>
+                <a:fontRef idx="minor">
+                  <a:schemeClr val="tx1"/>
+                </a:fontRef>
+              </p:style>
+            </p:cxnSp>
+            <p:cxnSp>
+              <p:nvCxnSpPr>
+                <p:cNvPr id="41" name="Straight Connector 40">
+                  <a:extLst>
+                    <a:ext uri="{FF2B5EF4-FFF2-40B4-BE49-F238E27FC236}">
+                      <a16:creationId xmlns:a16="http://schemas.microsoft.com/office/drawing/2014/main" id="{1D8E6378-0B59-200B-ECB7-8B98C7DAB6A8}"/>
+                    </a:ext>
+                  </a:extLst>
+                </p:cNvPr>
+                <p:cNvCxnSpPr>
+                  <a:cxnSpLocks/>
+                </p:cNvCxnSpPr>
+                <p:nvPr/>
+              </p:nvCxnSpPr>
+              <p:spPr>
+                <a:xfrm>
+                  <a:off x="4087169" y="3299398"/>
+                  <a:ext cx="0" cy="129602"/>
+                </a:xfrm>
+                <a:prstGeom prst="line">
+                  <a:avLst/>
+                </a:prstGeom>
+                <a:ln w="9525">
+                  <a:solidFill>
+                    <a:schemeClr val="bg1">
+                      <a:lumMod val="75000"/>
+                    </a:schemeClr>
+                  </a:solidFill>
+                </a:ln>
+              </p:spPr>
+              <p:style>
+                <a:lnRef idx="1">
+                  <a:schemeClr val="accent1"/>
+                </a:lnRef>
+                <a:fillRef idx="0">
+                  <a:schemeClr val="accent1"/>
+                </a:fillRef>
+                <a:effectRef idx="0">
+                  <a:schemeClr val="accent1"/>
+                </a:effectRef>
+                <a:fontRef idx="minor">
+                  <a:schemeClr val="tx1"/>
+                </a:fontRef>
+              </p:style>
+            </p:cxnSp>
+            <p:cxnSp>
+              <p:nvCxnSpPr>
+                <p:cNvPr id="42" name="Straight Connector 41">
+                  <a:extLst>
+                    <a:ext uri="{FF2B5EF4-FFF2-40B4-BE49-F238E27FC236}">
+                      <a16:creationId xmlns:a16="http://schemas.microsoft.com/office/drawing/2014/main" id="{78D9804C-6D7E-5273-67D8-4BABF017CFC1}"/>
+                    </a:ext>
+                  </a:extLst>
+                </p:cNvPr>
+                <p:cNvCxnSpPr>
+                  <a:cxnSpLocks/>
+                </p:cNvCxnSpPr>
+                <p:nvPr/>
+              </p:nvCxnSpPr>
+              <p:spPr>
+                <a:xfrm>
+                  <a:off x="4151970" y="3299398"/>
+                  <a:ext cx="0" cy="129602"/>
+                </a:xfrm>
+                <a:prstGeom prst="line">
+                  <a:avLst/>
+                </a:prstGeom>
+                <a:ln w="9525">
+                  <a:solidFill>
+                    <a:schemeClr val="bg1">
+                      <a:lumMod val="75000"/>
+                    </a:schemeClr>
+                  </a:solidFill>
+                </a:ln>
+              </p:spPr>
+              <p:style>
+                <a:lnRef idx="1">
+                  <a:schemeClr val="accent1"/>
+                </a:lnRef>
+                <a:fillRef idx="0">
+                  <a:schemeClr val="accent1"/>
+                </a:fillRef>
+                <a:effectRef idx="0">
+                  <a:schemeClr val="accent1"/>
+                </a:effectRef>
+                <a:fontRef idx="minor">
+                  <a:schemeClr val="tx1"/>
+                </a:fontRef>
+              </p:style>
+            </p:cxnSp>
+            <p:cxnSp>
+              <p:nvCxnSpPr>
+                <p:cNvPr id="43" name="Straight Connector 42">
+                  <a:extLst>
+                    <a:ext uri="{FF2B5EF4-FFF2-40B4-BE49-F238E27FC236}">
+                      <a16:creationId xmlns:a16="http://schemas.microsoft.com/office/drawing/2014/main" id="{1419D978-962B-2695-5CC9-23968AB52ED0}"/>
+                    </a:ext>
+                  </a:extLst>
+                </p:cNvPr>
+                <p:cNvCxnSpPr>
+                  <a:cxnSpLocks/>
+                </p:cNvCxnSpPr>
+                <p:nvPr/>
+              </p:nvCxnSpPr>
+              <p:spPr>
+                <a:xfrm>
+                  <a:off x="4216771" y="3299398"/>
+                  <a:ext cx="0" cy="129602"/>
+                </a:xfrm>
+                <a:prstGeom prst="line">
+                  <a:avLst/>
+                </a:prstGeom>
+                <a:ln w="9525">
+                  <a:solidFill>
+                    <a:schemeClr val="bg1">
+                      <a:lumMod val="75000"/>
+                    </a:schemeClr>
+                  </a:solidFill>
+                </a:ln>
+              </p:spPr>
+              <p:style>
+                <a:lnRef idx="1">
+                  <a:schemeClr val="accent1"/>
+                </a:lnRef>
+                <a:fillRef idx="0">
+                  <a:schemeClr val="accent1"/>
+                </a:fillRef>
+                <a:effectRef idx="0">
+                  <a:schemeClr val="accent1"/>
+                </a:effectRef>
+                <a:fontRef idx="minor">
+                  <a:schemeClr val="tx1"/>
+                </a:fontRef>
+              </p:style>
+            </p:cxnSp>
+            <p:cxnSp>
+              <p:nvCxnSpPr>
+                <p:cNvPr id="44" name="Straight Connector 43">
+                  <a:extLst>
+                    <a:ext uri="{FF2B5EF4-FFF2-40B4-BE49-F238E27FC236}">
+                      <a16:creationId xmlns:a16="http://schemas.microsoft.com/office/drawing/2014/main" id="{0FE1D554-E8C6-60DC-C38E-2D3D8054A61B}"/>
+                    </a:ext>
+                  </a:extLst>
+                </p:cNvPr>
+                <p:cNvCxnSpPr>
+                  <a:cxnSpLocks/>
+                </p:cNvCxnSpPr>
+                <p:nvPr/>
+              </p:nvCxnSpPr>
+              <p:spPr>
+                <a:xfrm>
+                  <a:off x="4281572" y="3234596"/>
+                  <a:ext cx="0" cy="194404"/>
+                </a:xfrm>
+                <a:prstGeom prst="line">
+                  <a:avLst/>
+                </a:prstGeom>
+                <a:ln w="9525">
+                  <a:solidFill>
+                    <a:schemeClr val="bg1">
+                      <a:lumMod val="75000"/>
+                    </a:schemeClr>
+                  </a:solidFill>
+                </a:ln>
+              </p:spPr>
+              <p:style>
+                <a:lnRef idx="1">
+                  <a:schemeClr val="accent1"/>
+                </a:lnRef>
+                <a:fillRef idx="0">
+                  <a:schemeClr val="accent1"/>
+                </a:fillRef>
+                <a:effectRef idx="0">
+                  <a:schemeClr val="accent1"/>
+                </a:effectRef>
+                <a:fontRef idx="minor">
+                  <a:schemeClr val="tx1"/>
+                </a:fontRef>
+              </p:style>
+            </p:cxnSp>
+            <p:cxnSp>
+              <p:nvCxnSpPr>
+                <p:cNvPr id="45" name="Straight Connector 44">
+                  <a:extLst>
+                    <a:ext uri="{FF2B5EF4-FFF2-40B4-BE49-F238E27FC236}">
+                      <a16:creationId xmlns:a16="http://schemas.microsoft.com/office/drawing/2014/main" id="{88D48F72-E358-B604-DA38-B897957FA7ED}"/>
+                    </a:ext>
+                  </a:extLst>
+                </p:cNvPr>
+                <p:cNvCxnSpPr>
+                  <a:cxnSpLocks/>
+                </p:cNvCxnSpPr>
+                <p:nvPr/>
+              </p:nvCxnSpPr>
+              <p:spPr>
+                <a:xfrm>
+                  <a:off x="4346373" y="3299398"/>
+                  <a:ext cx="0" cy="129602"/>
+                </a:xfrm>
+                <a:prstGeom prst="line">
+                  <a:avLst/>
+                </a:prstGeom>
+                <a:ln w="9525">
+                  <a:solidFill>
+                    <a:schemeClr val="bg1">
+                      <a:lumMod val="75000"/>
+                    </a:schemeClr>
+                  </a:solidFill>
+                </a:ln>
+              </p:spPr>
+              <p:style>
+                <a:lnRef idx="1">
+                  <a:schemeClr val="accent1"/>
+                </a:lnRef>
+                <a:fillRef idx="0">
+                  <a:schemeClr val="accent1"/>
+                </a:fillRef>
+                <a:effectRef idx="0">
+                  <a:schemeClr val="accent1"/>
+                </a:effectRef>
+                <a:fontRef idx="minor">
+                  <a:schemeClr val="tx1"/>
+                </a:fontRef>
+              </p:style>
+            </p:cxnSp>
+            <p:cxnSp>
+              <p:nvCxnSpPr>
+                <p:cNvPr id="46" name="Straight Connector 45">
+                  <a:extLst>
+                    <a:ext uri="{FF2B5EF4-FFF2-40B4-BE49-F238E27FC236}">
+                      <a16:creationId xmlns:a16="http://schemas.microsoft.com/office/drawing/2014/main" id="{892523C9-44AC-C715-65F4-40E11D1A9D7A}"/>
+                    </a:ext>
+                  </a:extLst>
+                </p:cNvPr>
+                <p:cNvCxnSpPr>
+                  <a:cxnSpLocks/>
+                </p:cNvCxnSpPr>
+                <p:nvPr/>
+              </p:nvCxnSpPr>
+              <p:spPr>
+                <a:xfrm>
+                  <a:off x="4411174" y="3299398"/>
+                  <a:ext cx="0" cy="129602"/>
+                </a:xfrm>
+                <a:prstGeom prst="line">
+                  <a:avLst/>
+                </a:prstGeom>
+                <a:ln w="9525">
+                  <a:solidFill>
+                    <a:schemeClr val="bg1">
+                      <a:lumMod val="75000"/>
+                    </a:schemeClr>
+                  </a:solidFill>
+                </a:ln>
+              </p:spPr>
+              <p:style>
+                <a:lnRef idx="1">
+                  <a:schemeClr val="accent1"/>
+                </a:lnRef>
+                <a:fillRef idx="0">
+                  <a:schemeClr val="accent1"/>
+                </a:fillRef>
+                <a:effectRef idx="0">
+                  <a:schemeClr val="accent1"/>
+                </a:effectRef>
+                <a:fontRef idx="minor">
+                  <a:schemeClr val="tx1"/>
+                </a:fontRef>
+              </p:style>
+            </p:cxnSp>
+            <p:cxnSp>
+              <p:nvCxnSpPr>
+                <p:cNvPr id="47" name="Straight Connector 46">
+                  <a:extLst>
+                    <a:ext uri="{FF2B5EF4-FFF2-40B4-BE49-F238E27FC236}">
+                      <a16:creationId xmlns:a16="http://schemas.microsoft.com/office/drawing/2014/main" id="{B5D3E66C-439C-2CC3-A234-AC3534460C9C}"/>
+                    </a:ext>
+                  </a:extLst>
+                </p:cNvPr>
+                <p:cNvCxnSpPr>
+                  <a:cxnSpLocks/>
+                </p:cNvCxnSpPr>
+                <p:nvPr/>
+              </p:nvCxnSpPr>
+              <p:spPr>
+                <a:xfrm>
+                  <a:off x="4475975" y="3299398"/>
+                  <a:ext cx="0" cy="129602"/>
+                </a:xfrm>
+                <a:prstGeom prst="line">
+                  <a:avLst/>
+                </a:prstGeom>
+                <a:ln w="9525">
+                  <a:solidFill>
+                    <a:schemeClr val="bg1">
+                      <a:lumMod val="75000"/>
+                    </a:schemeClr>
+                  </a:solidFill>
+                </a:ln>
+              </p:spPr>
+              <p:style>
+                <a:lnRef idx="1">
+                  <a:schemeClr val="accent1"/>
+                </a:lnRef>
+                <a:fillRef idx="0">
+                  <a:schemeClr val="accent1"/>
+                </a:fillRef>
+                <a:effectRef idx="0">
+                  <a:schemeClr val="accent1"/>
+                </a:effectRef>
+                <a:fontRef idx="minor">
+                  <a:schemeClr val="tx1"/>
+                </a:fontRef>
+              </p:style>
+            </p:cxnSp>
+            <p:cxnSp>
+              <p:nvCxnSpPr>
+                <p:cNvPr id="48" name="Straight Connector 47">
+                  <a:extLst>
+                    <a:ext uri="{FF2B5EF4-FFF2-40B4-BE49-F238E27FC236}">
+                      <a16:creationId xmlns:a16="http://schemas.microsoft.com/office/drawing/2014/main" id="{F2D2B248-9A7D-F5ED-51CA-10558DE96CBE}"/>
+                    </a:ext>
+                  </a:extLst>
+                </p:cNvPr>
+                <p:cNvCxnSpPr>
+                  <a:cxnSpLocks/>
+                </p:cNvCxnSpPr>
+                <p:nvPr/>
+              </p:nvCxnSpPr>
+              <p:spPr>
+                <a:xfrm>
+                  <a:off x="4540776" y="3299398"/>
+                  <a:ext cx="0" cy="129602"/>
+                </a:xfrm>
+                <a:prstGeom prst="line">
+                  <a:avLst/>
+                </a:prstGeom>
+                <a:ln w="9525">
+                  <a:solidFill>
+                    <a:schemeClr val="bg1">
+                      <a:lumMod val="75000"/>
+                    </a:schemeClr>
+                  </a:solidFill>
+                </a:ln>
+              </p:spPr>
+              <p:style>
+                <a:lnRef idx="1">
+                  <a:schemeClr val="accent1"/>
+                </a:lnRef>
+                <a:fillRef idx="0">
+                  <a:schemeClr val="accent1"/>
+                </a:fillRef>
+                <a:effectRef idx="0">
+                  <a:schemeClr val="accent1"/>
+                </a:effectRef>
+                <a:fontRef idx="minor">
+                  <a:schemeClr val="tx1"/>
+                </a:fontRef>
+              </p:style>
+            </p:cxnSp>
+          </p:grpSp>
+          <p:grpSp>
+            <p:nvGrpSpPr>
+              <p:cNvPr id="49" name="Group 48">
+                <a:extLst>
+                  <a:ext uri="{FF2B5EF4-FFF2-40B4-BE49-F238E27FC236}">
+                    <a16:creationId xmlns:a16="http://schemas.microsoft.com/office/drawing/2014/main" id="{0038281C-2C19-ADA1-CFA5-D85010004FA9}"/>
+                  </a:ext>
+                </a:extLst>
+              </p:cNvPr>
+              <p:cNvGrpSpPr/>
+              <p:nvPr/>
+            </p:nvGrpSpPr>
+            <p:grpSpPr>
+              <a:xfrm>
+                <a:off x="5601820" y="2780989"/>
+                <a:ext cx="726559" cy="324005"/>
+                <a:chOff x="3957567" y="3169796"/>
+                <a:chExt cx="583209" cy="259204"/>
+              </a:xfrm>
+            </p:grpSpPr>
+            <p:cxnSp>
+              <p:nvCxnSpPr>
+                <p:cNvPr id="50" name="Straight Connector 49">
+                  <a:extLst>
+                    <a:ext uri="{FF2B5EF4-FFF2-40B4-BE49-F238E27FC236}">
+                      <a16:creationId xmlns:a16="http://schemas.microsoft.com/office/drawing/2014/main" id="{716465AF-D9B4-2D84-735B-6FA4DA7B0AF0}"/>
+                    </a:ext>
+                  </a:extLst>
+                </p:cNvPr>
+                <p:cNvCxnSpPr/>
+                <p:nvPr/>
+              </p:nvCxnSpPr>
+              <p:spPr>
+                <a:xfrm>
+                  <a:off x="3957567" y="3169796"/>
+                  <a:ext cx="0" cy="259204"/>
+                </a:xfrm>
+                <a:prstGeom prst="line">
+                  <a:avLst/>
+                </a:prstGeom>
+                <a:ln w="9525">
+                  <a:solidFill>
+                    <a:schemeClr val="bg1">
+                      <a:lumMod val="75000"/>
+                    </a:schemeClr>
+                  </a:solidFill>
+                </a:ln>
+              </p:spPr>
+              <p:style>
+                <a:lnRef idx="1">
+                  <a:schemeClr val="accent1"/>
+                </a:lnRef>
+                <a:fillRef idx="0">
+                  <a:schemeClr val="accent1"/>
+                </a:fillRef>
+                <a:effectRef idx="0">
+                  <a:schemeClr val="accent1"/>
+                </a:effectRef>
+                <a:fontRef idx="minor">
+                  <a:schemeClr val="tx1"/>
+                </a:fontRef>
+              </p:style>
+            </p:cxnSp>
+            <p:cxnSp>
+              <p:nvCxnSpPr>
+                <p:cNvPr id="51" name="Straight Connector 50">
+                  <a:extLst>
+                    <a:ext uri="{FF2B5EF4-FFF2-40B4-BE49-F238E27FC236}">
+                      <a16:creationId xmlns:a16="http://schemas.microsoft.com/office/drawing/2014/main" id="{CC9973C5-153F-D5CB-CC5F-BED2C9DE995D}"/>
+                    </a:ext>
+                  </a:extLst>
+                </p:cNvPr>
+                <p:cNvCxnSpPr>
+                  <a:cxnSpLocks/>
+                </p:cNvCxnSpPr>
+                <p:nvPr/>
+              </p:nvCxnSpPr>
+              <p:spPr>
+                <a:xfrm>
+                  <a:off x="4022368" y="3299398"/>
+                  <a:ext cx="0" cy="129602"/>
+                </a:xfrm>
+                <a:prstGeom prst="line">
+                  <a:avLst/>
+                </a:prstGeom>
+                <a:ln w="9525">
+                  <a:solidFill>
+                    <a:schemeClr val="bg1">
+                      <a:lumMod val="75000"/>
+                    </a:schemeClr>
+                  </a:solidFill>
+                </a:ln>
+              </p:spPr>
+              <p:style>
+                <a:lnRef idx="1">
+                  <a:schemeClr val="accent1"/>
+                </a:lnRef>
+                <a:fillRef idx="0">
+                  <a:schemeClr val="accent1"/>
+                </a:fillRef>
+                <a:effectRef idx="0">
+                  <a:schemeClr val="accent1"/>
+                </a:effectRef>
+                <a:fontRef idx="minor">
+                  <a:schemeClr val="tx1"/>
+                </a:fontRef>
+              </p:style>
+            </p:cxnSp>
+            <p:cxnSp>
+              <p:nvCxnSpPr>
+                <p:cNvPr id="52" name="Straight Connector 51">
+                  <a:extLst>
+                    <a:ext uri="{FF2B5EF4-FFF2-40B4-BE49-F238E27FC236}">
+                      <a16:creationId xmlns:a16="http://schemas.microsoft.com/office/drawing/2014/main" id="{40F2F1D8-7BDC-7614-1E83-C7DAEB1ADA87}"/>
+                    </a:ext>
+                  </a:extLst>
+                </p:cNvPr>
+                <p:cNvCxnSpPr>
+                  <a:cxnSpLocks/>
+                </p:cNvCxnSpPr>
+                <p:nvPr/>
+              </p:nvCxnSpPr>
+              <p:spPr>
+                <a:xfrm>
+                  <a:off x="4087169" y="3299398"/>
+                  <a:ext cx="0" cy="129602"/>
+                </a:xfrm>
+                <a:prstGeom prst="line">
+                  <a:avLst/>
+                </a:prstGeom>
+                <a:ln w="9525">
+                  <a:solidFill>
+                    <a:schemeClr val="bg1">
+                      <a:lumMod val="75000"/>
+                    </a:schemeClr>
+                  </a:solidFill>
+                </a:ln>
+              </p:spPr>
+              <p:style>
+                <a:lnRef idx="1">
+                  <a:schemeClr val="accent1"/>
+                </a:lnRef>
+                <a:fillRef idx="0">
+                  <a:schemeClr val="accent1"/>
+                </a:fillRef>
+                <a:effectRef idx="0">
+                  <a:schemeClr val="accent1"/>
+                </a:effectRef>
+                <a:fontRef idx="minor">
+                  <a:schemeClr val="tx1"/>
+                </a:fontRef>
+              </p:style>
+            </p:cxnSp>
+            <p:cxnSp>
+              <p:nvCxnSpPr>
+                <p:cNvPr id="53" name="Straight Connector 52">
+                  <a:extLst>
+                    <a:ext uri="{FF2B5EF4-FFF2-40B4-BE49-F238E27FC236}">
+                      <a16:creationId xmlns:a16="http://schemas.microsoft.com/office/drawing/2014/main" id="{D1204E0B-D8EC-25A1-3C71-D05D946E3CBF}"/>
+                    </a:ext>
+                  </a:extLst>
+                </p:cNvPr>
+                <p:cNvCxnSpPr>
+                  <a:cxnSpLocks/>
+                </p:cNvCxnSpPr>
+                <p:nvPr/>
+              </p:nvCxnSpPr>
+              <p:spPr>
+                <a:xfrm>
+                  <a:off x="4151970" y="3299398"/>
+                  <a:ext cx="0" cy="129602"/>
+                </a:xfrm>
+                <a:prstGeom prst="line">
+                  <a:avLst/>
+                </a:prstGeom>
+                <a:ln w="9525">
+                  <a:solidFill>
+                    <a:schemeClr val="bg1">
+                      <a:lumMod val="75000"/>
+                    </a:schemeClr>
+                  </a:solidFill>
+                </a:ln>
+              </p:spPr>
+              <p:style>
+                <a:lnRef idx="1">
+                  <a:schemeClr val="accent1"/>
+                </a:lnRef>
+                <a:fillRef idx="0">
+                  <a:schemeClr val="accent1"/>
+                </a:fillRef>
+                <a:effectRef idx="0">
+                  <a:schemeClr val="accent1"/>
+                </a:effectRef>
+                <a:fontRef idx="minor">
+                  <a:schemeClr val="tx1"/>
+                </a:fontRef>
+              </p:style>
+            </p:cxnSp>
+            <p:cxnSp>
+              <p:nvCxnSpPr>
+                <p:cNvPr id="54" name="Straight Connector 53">
+                  <a:extLst>
+                    <a:ext uri="{FF2B5EF4-FFF2-40B4-BE49-F238E27FC236}">
+                      <a16:creationId xmlns:a16="http://schemas.microsoft.com/office/drawing/2014/main" id="{328AC2F8-ADC8-1B3F-027E-ADD89EA16B6A}"/>
+                    </a:ext>
+                  </a:extLst>
+                </p:cNvPr>
+                <p:cNvCxnSpPr>
+                  <a:cxnSpLocks/>
+                </p:cNvCxnSpPr>
+                <p:nvPr/>
+              </p:nvCxnSpPr>
+              <p:spPr>
+                <a:xfrm>
+                  <a:off x="4216771" y="3299398"/>
+                  <a:ext cx="0" cy="129602"/>
+                </a:xfrm>
+                <a:prstGeom prst="line">
+                  <a:avLst/>
+                </a:prstGeom>
+                <a:ln w="9525">
+                  <a:solidFill>
+                    <a:schemeClr val="bg1">
+                      <a:lumMod val="75000"/>
+                    </a:schemeClr>
+                  </a:solidFill>
+                </a:ln>
+              </p:spPr>
+              <p:style>
+                <a:lnRef idx="1">
+                  <a:schemeClr val="accent1"/>
+                </a:lnRef>
+                <a:fillRef idx="0">
+                  <a:schemeClr val="accent1"/>
+                </a:fillRef>
+                <a:effectRef idx="0">
+                  <a:schemeClr val="accent1"/>
+                </a:effectRef>
+                <a:fontRef idx="minor">
+                  <a:schemeClr val="tx1"/>
+                </a:fontRef>
+              </p:style>
+            </p:cxnSp>
+            <p:cxnSp>
+              <p:nvCxnSpPr>
+                <p:cNvPr id="55" name="Straight Connector 54">
+                  <a:extLst>
+                    <a:ext uri="{FF2B5EF4-FFF2-40B4-BE49-F238E27FC236}">
+                      <a16:creationId xmlns:a16="http://schemas.microsoft.com/office/drawing/2014/main" id="{611161A9-4C2B-BA9D-6CEB-216340029494}"/>
+                    </a:ext>
+                  </a:extLst>
+                </p:cNvPr>
+                <p:cNvCxnSpPr>
+                  <a:cxnSpLocks/>
+                </p:cNvCxnSpPr>
+                <p:nvPr/>
+              </p:nvCxnSpPr>
+              <p:spPr>
+                <a:xfrm>
+                  <a:off x="4281572" y="3234596"/>
+                  <a:ext cx="0" cy="194404"/>
+                </a:xfrm>
+                <a:prstGeom prst="line">
+                  <a:avLst/>
+                </a:prstGeom>
+                <a:ln w="9525">
+                  <a:solidFill>
+                    <a:schemeClr val="bg1">
+                      <a:lumMod val="75000"/>
+                    </a:schemeClr>
+                  </a:solidFill>
+                </a:ln>
+              </p:spPr>
+              <p:style>
+                <a:lnRef idx="1">
+                  <a:schemeClr val="accent1"/>
+                </a:lnRef>
+                <a:fillRef idx="0">
+                  <a:schemeClr val="accent1"/>
+                </a:fillRef>
+                <a:effectRef idx="0">
+                  <a:schemeClr val="accent1"/>
+                </a:effectRef>
+                <a:fontRef idx="minor">
+                  <a:schemeClr val="tx1"/>
+                </a:fontRef>
+              </p:style>
+            </p:cxnSp>
+            <p:cxnSp>
+              <p:nvCxnSpPr>
+                <p:cNvPr id="56" name="Straight Connector 55">
+                  <a:extLst>
+                    <a:ext uri="{FF2B5EF4-FFF2-40B4-BE49-F238E27FC236}">
+                      <a16:creationId xmlns:a16="http://schemas.microsoft.com/office/drawing/2014/main" id="{4B43B519-16A2-B39A-437A-6753DEC0FD66}"/>
+                    </a:ext>
+                  </a:extLst>
+                </p:cNvPr>
+                <p:cNvCxnSpPr>
+                  <a:cxnSpLocks/>
+                </p:cNvCxnSpPr>
+                <p:nvPr/>
+              </p:nvCxnSpPr>
+              <p:spPr>
+                <a:xfrm>
+                  <a:off x="4346373" y="3299398"/>
+                  <a:ext cx="0" cy="129602"/>
+                </a:xfrm>
+                <a:prstGeom prst="line">
+                  <a:avLst/>
+                </a:prstGeom>
+                <a:ln w="9525">
+                  <a:solidFill>
+                    <a:schemeClr val="bg1">
+                      <a:lumMod val="75000"/>
+                    </a:schemeClr>
+                  </a:solidFill>
+                </a:ln>
+              </p:spPr>
+              <p:style>
+                <a:lnRef idx="1">
+                  <a:schemeClr val="accent1"/>
+                </a:lnRef>
+                <a:fillRef idx="0">
+                  <a:schemeClr val="accent1"/>
+                </a:fillRef>
+                <a:effectRef idx="0">
+                  <a:schemeClr val="accent1"/>
+                </a:effectRef>
+                <a:fontRef idx="minor">
+                  <a:schemeClr val="tx1"/>
+                </a:fontRef>
+              </p:style>
+            </p:cxnSp>
+            <p:cxnSp>
+              <p:nvCxnSpPr>
+                <p:cNvPr id="57" name="Straight Connector 56">
+                  <a:extLst>
+                    <a:ext uri="{FF2B5EF4-FFF2-40B4-BE49-F238E27FC236}">
+                      <a16:creationId xmlns:a16="http://schemas.microsoft.com/office/drawing/2014/main" id="{85B4DC19-0BC7-C352-21EE-4CC34884282B}"/>
+                    </a:ext>
+                  </a:extLst>
+                </p:cNvPr>
+                <p:cNvCxnSpPr>
+                  <a:cxnSpLocks/>
+                </p:cNvCxnSpPr>
+                <p:nvPr/>
+              </p:nvCxnSpPr>
+              <p:spPr>
+                <a:xfrm>
+                  <a:off x="4411174" y="3299398"/>
+                  <a:ext cx="0" cy="129602"/>
+                </a:xfrm>
+                <a:prstGeom prst="line">
+                  <a:avLst/>
+                </a:prstGeom>
+                <a:ln w="9525">
+                  <a:solidFill>
+                    <a:schemeClr val="bg1">
+                      <a:lumMod val="75000"/>
+                    </a:schemeClr>
+                  </a:solidFill>
+                </a:ln>
+              </p:spPr>
+              <p:style>
+                <a:lnRef idx="1">
+                  <a:schemeClr val="accent1"/>
+                </a:lnRef>
+                <a:fillRef idx="0">
+                  <a:schemeClr val="accent1"/>
+                </a:fillRef>
+                <a:effectRef idx="0">
+                  <a:schemeClr val="accent1"/>
+                </a:effectRef>
+                <a:fontRef idx="minor">
+                  <a:schemeClr val="tx1"/>
+                </a:fontRef>
+              </p:style>
+            </p:cxnSp>
+            <p:cxnSp>
+              <p:nvCxnSpPr>
+                <p:cNvPr id="58" name="Straight Connector 57">
+                  <a:extLst>
+                    <a:ext uri="{FF2B5EF4-FFF2-40B4-BE49-F238E27FC236}">
+                      <a16:creationId xmlns:a16="http://schemas.microsoft.com/office/drawing/2014/main" id="{451A64E5-EB3B-478E-884F-F28CFF701C11}"/>
+                    </a:ext>
+                  </a:extLst>
+                </p:cNvPr>
+                <p:cNvCxnSpPr>
+                  <a:cxnSpLocks/>
+                </p:cNvCxnSpPr>
+                <p:nvPr/>
+              </p:nvCxnSpPr>
+              <p:spPr>
+                <a:xfrm>
+                  <a:off x="4475975" y="3299398"/>
+                  <a:ext cx="0" cy="129602"/>
+                </a:xfrm>
+                <a:prstGeom prst="line">
+                  <a:avLst/>
+                </a:prstGeom>
+                <a:ln w="9525">
+                  <a:solidFill>
+                    <a:schemeClr val="bg1">
+                      <a:lumMod val="75000"/>
+                    </a:schemeClr>
+                  </a:solidFill>
+                </a:ln>
+              </p:spPr>
+              <p:style>
+                <a:lnRef idx="1">
+                  <a:schemeClr val="accent1"/>
+                </a:lnRef>
+                <a:fillRef idx="0">
+                  <a:schemeClr val="accent1"/>
+                </a:fillRef>
+                <a:effectRef idx="0">
+                  <a:schemeClr val="accent1"/>
+                </a:effectRef>
+                <a:fontRef idx="minor">
+                  <a:schemeClr val="tx1"/>
+                </a:fontRef>
+              </p:style>
+            </p:cxnSp>
+            <p:cxnSp>
+              <p:nvCxnSpPr>
+                <p:cNvPr id="59" name="Straight Connector 58">
+                  <a:extLst>
+                    <a:ext uri="{FF2B5EF4-FFF2-40B4-BE49-F238E27FC236}">
+                      <a16:creationId xmlns:a16="http://schemas.microsoft.com/office/drawing/2014/main" id="{43687253-3FB1-07C1-FD89-182FA91770D5}"/>
+                    </a:ext>
+                  </a:extLst>
+                </p:cNvPr>
+                <p:cNvCxnSpPr>
+                  <a:cxnSpLocks/>
+                </p:cNvCxnSpPr>
+                <p:nvPr/>
+              </p:nvCxnSpPr>
+              <p:spPr>
+                <a:xfrm>
+                  <a:off x="4540776" y="3299398"/>
+                  <a:ext cx="0" cy="129602"/>
+                </a:xfrm>
+                <a:prstGeom prst="line">
+                  <a:avLst/>
+                </a:prstGeom>
+                <a:ln w="9525">
+                  <a:solidFill>
+                    <a:schemeClr val="bg1">
+                      <a:lumMod val="75000"/>
+                    </a:schemeClr>
+                  </a:solidFill>
+                </a:ln>
+              </p:spPr>
+              <p:style>
+                <a:lnRef idx="1">
+                  <a:schemeClr val="accent1"/>
+                </a:lnRef>
+                <a:fillRef idx="0">
+                  <a:schemeClr val="accent1"/>
+                </a:fillRef>
+                <a:effectRef idx="0">
+                  <a:schemeClr val="accent1"/>
+                </a:effectRef>
+                <a:fontRef idx="minor">
+                  <a:schemeClr val="tx1"/>
+                </a:fontRef>
+              </p:style>
+            </p:cxnSp>
+          </p:grpSp>
+          <p:cxnSp>
+            <p:nvCxnSpPr>
+              <p:cNvPr id="61" name="Straight Connector 60">
+                <a:extLst>
+                  <a:ext uri="{FF2B5EF4-FFF2-40B4-BE49-F238E27FC236}">
+                    <a16:creationId xmlns:a16="http://schemas.microsoft.com/office/drawing/2014/main" id="{A2D76089-4AD4-0B23-E9B8-6D937ACEA4F5}"/>
+                  </a:ext>
+                </a:extLst>
+              </p:cNvPr>
+              <p:cNvCxnSpPr/>
+              <p:nvPr/>
+            </p:nvCxnSpPr>
+            <p:spPr>
+              <a:xfrm>
+                <a:off x="6409110" y="2780989"/>
+                <a:ext cx="0" cy="324005"/>
+              </a:xfrm>
+              <a:prstGeom prst="line">
+                <a:avLst/>
+              </a:prstGeom>
+              <a:ln w="9525">
+                <a:solidFill>
+                  <a:schemeClr val="bg1">
+                    <a:lumMod val="75000"/>
+                  </a:schemeClr>
+                </a:solidFill>
+              </a:ln>
+            </p:spPr>
+            <p:style>
+              <a:lnRef idx="1">
+                <a:schemeClr val="accent1"/>
+              </a:lnRef>
+              <a:fillRef idx="0">
+                <a:schemeClr val="accent1"/>
+              </a:fillRef>
+              <a:effectRef idx="0">
+                <a:schemeClr val="accent1"/>
+              </a:effectRef>
+              <a:fontRef idx="minor">
+                <a:schemeClr val="tx1"/>
+              </a:fontRef>
+            </p:style>
+          </p:cxnSp>
+          <p:cxnSp>
+            <p:nvCxnSpPr>
+              <p:cNvPr id="62" name="Straight Connector 61">
+                <a:extLst>
+                  <a:ext uri="{FF2B5EF4-FFF2-40B4-BE49-F238E27FC236}">
+                    <a16:creationId xmlns:a16="http://schemas.microsoft.com/office/drawing/2014/main" id="{9D765DE9-C7F5-A300-FBE1-4F6CBFD7D614}"/>
+                  </a:ext>
+                </a:extLst>
+              </p:cNvPr>
+              <p:cNvCxnSpPr>
+                <a:cxnSpLocks/>
+              </p:cNvCxnSpPr>
+              <p:nvPr/>
+            </p:nvCxnSpPr>
+            <p:spPr>
+              <a:xfrm>
+                <a:off x="6489839" y="2942992"/>
+                <a:ext cx="0" cy="162003"/>
+              </a:xfrm>
+              <a:prstGeom prst="line">
+                <a:avLst/>
+              </a:prstGeom>
+              <a:ln w="9525">
+                <a:solidFill>
+                  <a:schemeClr val="bg1">
+                    <a:lumMod val="75000"/>
+                  </a:schemeClr>
+                </a:solidFill>
+              </a:ln>
+            </p:spPr>
+            <p:style>
+              <a:lnRef idx="1">
+                <a:schemeClr val="accent1"/>
+              </a:lnRef>
+              <a:fillRef idx="0">
+                <a:schemeClr val="accent1"/>
+              </a:fillRef>
+              <a:effectRef idx="0">
+                <a:schemeClr val="accent1"/>
+              </a:effectRef>
+              <a:fontRef idx="minor">
+                <a:schemeClr val="tx1"/>
+              </a:fontRef>
+            </p:style>
+          </p:cxnSp>
+          <p:cxnSp>
+            <p:nvCxnSpPr>
+              <p:cNvPr id="63" name="Straight Connector 62">
+                <a:extLst>
+                  <a:ext uri="{FF2B5EF4-FFF2-40B4-BE49-F238E27FC236}">
+                    <a16:creationId xmlns:a16="http://schemas.microsoft.com/office/drawing/2014/main" id="{665C0B1E-59D9-53FC-A3D9-E0B58CA021F2}"/>
+                  </a:ext>
+                </a:extLst>
+              </p:cNvPr>
+              <p:cNvCxnSpPr>
+                <a:cxnSpLocks/>
+              </p:cNvCxnSpPr>
+              <p:nvPr/>
+            </p:nvCxnSpPr>
+            <p:spPr>
+              <a:xfrm>
+                <a:off x="6570568" y="2942992"/>
+                <a:ext cx="0" cy="162003"/>
+              </a:xfrm>
+              <a:prstGeom prst="line">
+                <a:avLst/>
+              </a:prstGeom>
+              <a:ln w="9525">
+                <a:solidFill>
+                  <a:schemeClr val="bg1">
+                    <a:lumMod val="75000"/>
+                  </a:schemeClr>
+                </a:solidFill>
+              </a:ln>
+            </p:spPr>
+            <p:style>
+              <a:lnRef idx="1">
+                <a:schemeClr val="accent1"/>
+              </a:lnRef>
+              <a:fillRef idx="0">
+                <a:schemeClr val="accent1"/>
+              </a:fillRef>
+              <a:effectRef idx="0">
+                <a:schemeClr val="accent1"/>
+              </a:effectRef>
+              <a:fontRef idx="minor">
+                <a:schemeClr val="tx1"/>
+              </a:fontRef>
+            </p:style>
+          </p:cxnSp>
+          <p:cxnSp>
+            <p:nvCxnSpPr>
+              <p:cNvPr id="64" name="Straight Connector 63">
+                <a:extLst>
+                  <a:ext uri="{FF2B5EF4-FFF2-40B4-BE49-F238E27FC236}">
+                    <a16:creationId xmlns:a16="http://schemas.microsoft.com/office/drawing/2014/main" id="{024FB86B-0AAA-0890-437F-416973FFD124}"/>
+                  </a:ext>
+                </a:extLst>
+              </p:cNvPr>
+              <p:cNvCxnSpPr>
+                <a:cxnSpLocks/>
+              </p:cNvCxnSpPr>
+              <p:nvPr/>
+            </p:nvCxnSpPr>
+            <p:spPr>
+              <a:xfrm>
+                <a:off x="6651296" y="2942992"/>
+                <a:ext cx="0" cy="162003"/>
+              </a:xfrm>
+              <a:prstGeom prst="line">
+                <a:avLst/>
+              </a:prstGeom>
+              <a:ln w="9525">
+                <a:solidFill>
+                  <a:schemeClr val="bg1">
+                    <a:lumMod val="75000"/>
+                  </a:schemeClr>
+                </a:solidFill>
+              </a:ln>
+            </p:spPr>
+            <p:style>
+              <a:lnRef idx="1">
+                <a:schemeClr val="accent1"/>
+              </a:lnRef>
+              <a:fillRef idx="0">
+                <a:schemeClr val="accent1"/>
+              </a:fillRef>
+              <a:effectRef idx="0">
+                <a:schemeClr val="accent1"/>
+              </a:effectRef>
+              <a:fontRef idx="minor">
+                <a:schemeClr val="tx1"/>
+              </a:fontRef>
+            </p:style>
+          </p:cxnSp>
+          <p:cxnSp>
+            <p:nvCxnSpPr>
+              <p:cNvPr id="65" name="Straight Connector 64">
+                <a:extLst>
+                  <a:ext uri="{FF2B5EF4-FFF2-40B4-BE49-F238E27FC236}">
+                    <a16:creationId xmlns:a16="http://schemas.microsoft.com/office/drawing/2014/main" id="{A3E2A5F2-34D5-6F03-10D2-00B94BBFAE70}"/>
+                  </a:ext>
+                </a:extLst>
+              </p:cNvPr>
+              <p:cNvCxnSpPr>
+                <a:cxnSpLocks/>
+              </p:cNvCxnSpPr>
+              <p:nvPr/>
+            </p:nvCxnSpPr>
+            <p:spPr>
+              <a:xfrm>
+                <a:off x="6732025" y="2942992"/>
+                <a:ext cx="0" cy="162003"/>
+              </a:xfrm>
+              <a:prstGeom prst="line">
+                <a:avLst/>
+              </a:prstGeom>
+              <a:ln w="9525">
+                <a:solidFill>
+                  <a:schemeClr val="bg1">
+                    <a:lumMod val="75000"/>
+                  </a:schemeClr>
+                </a:solidFill>
+              </a:ln>
+            </p:spPr>
+            <p:style>
+              <a:lnRef idx="1">
+                <a:schemeClr val="accent1"/>
+              </a:lnRef>
+              <a:fillRef idx="0">
+                <a:schemeClr val="accent1"/>
+              </a:fillRef>
+              <a:effectRef idx="0">
+                <a:schemeClr val="accent1"/>
+              </a:effectRef>
+              <a:fontRef idx="minor">
+                <a:schemeClr val="tx1"/>
+              </a:fontRef>
+            </p:style>
+          </p:cxnSp>
+          <p:cxnSp>
+            <p:nvCxnSpPr>
+              <p:cNvPr id="66" name="Straight Connector 65">
+                <a:extLst>
+                  <a:ext uri="{FF2B5EF4-FFF2-40B4-BE49-F238E27FC236}">
+                    <a16:creationId xmlns:a16="http://schemas.microsoft.com/office/drawing/2014/main" id="{41ACEAB8-1B69-D15D-BF2D-B0B7DC369A24}"/>
+                  </a:ext>
+                </a:extLst>
+              </p:cNvPr>
+              <p:cNvCxnSpPr>
+                <a:cxnSpLocks/>
+              </p:cNvCxnSpPr>
+              <p:nvPr/>
+            </p:nvCxnSpPr>
+            <p:spPr>
+              <a:xfrm>
+                <a:off x="6812754" y="2861989"/>
+                <a:ext cx="0" cy="243005"/>
+              </a:xfrm>
+              <a:prstGeom prst="line">
+                <a:avLst/>
+              </a:prstGeom>
+              <a:ln w="9525">
+                <a:solidFill>
+                  <a:schemeClr val="bg1">
+                    <a:lumMod val="75000"/>
+                  </a:schemeClr>
+                </a:solidFill>
+              </a:ln>
+            </p:spPr>
+            <p:style>
+              <a:lnRef idx="1">
+                <a:schemeClr val="accent1"/>
+              </a:lnRef>
+              <a:fillRef idx="0">
+                <a:schemeClr val="accent1"/>
+              </a:fillRef>
+              <a:effectRef idx="0">
+                <a:schemeClr val="accent1"/>
+              </a:effectRef>
+              <a:fontRef idx="minor">
+                <a:schemeClr val="tx1"/>
+              </a:fontRef>
+            </p:style>
+          </p:cxnSp>
+          <p:cxnSp>
+            <p:nvCxnSpPr>
+              <p:cNvPr id="67" name="Straight Connector 66">
+                <a:extLst>
+                  <a:ext uri="{FF2B5EF4-FFF2-40B4-BE49-F238E27FC236}">
+                    <a16:creationId xmlns:a16="http://schemas.microsoft.com/office/drawing/2014/main" id="{67B8A18E-3D0E-DCA2-71D1-79EDDD2331F1}"/>
+                  </a:ext>
+                </a:extLst>
+              </p:cNvPr>
+              <p:cNvCxnSpPr>
+                <a:cxnSpLocks/>
+              </p:cNvCxnSpPr>
+              <p:nvPr/>
+            </p:nvCxnSpPr>
+            <p:spPr>
+              <a:xfrm>
+                <a:off x="6893483" y="2942992"/>
+                <a:ext cx="0" cy="162003"/>
+              </a:xfrm>
+              <a:prstGeom prst="line">
+                <a:avLst/>
+              </a:prstGeom>
+              <a:ln w="9525">
+                <a:solidFill>
+                  <a:schemeClr val="bg1">
+                    <a:lumMod val="75000"/>
+                  </a:schemeClr>
+                </a:solidFill>
+              </a:ln>
+            </p:spPr>
+            <p:style>
+              <a:lnRef idx="1">
+                <a:schemeClr val="accent1"/>
+              </a:lnRef>
+              <a:fillRef idx="0">
+                <a:schemeClr val="accent1"/>
+              </a:fillRef>
+              <a:effectRef idx="0">
+                <a:schemeClr val="accent1"/>
+              </a:effectRef>
+              <a:fontRef idx="minor">
+                <a:schemeClr val="tx1"/>
+              </a:fontRef>
+            </p:style>
+          </p:cxnSp>
+          <p:cxnSp>
+            <p:nvCxnSpPr>
+              <p:cNvPr id="68" name="Straight Connector 67">
+                <a:extLst>
+                  <a:ext uri="{FF2B5EF4-FFF2-40B4-BE49-F238E27FC236}">
+                    <a16:creationId xmlns:a16="http://schemas.microsoft.com/office/drawing/2014/main" id="{3992146B-5893-90BC-9BA8-3AA16E5BDCEA}"/>
+                  </a:ext>
+                </a:extLst>
+              </p:cNvPr>
+              <p:cNvCxnSpPr>
+                <a:cxnSpLocks/>
+              </p:cNvCxnSpPr>
+              <p:nvPr/>
+            </p:nvCxnSpPr>
+            <p:spPr>
+              <a:xfrm>
+                <a:off x="6974211" y="2942992"/>
+                <a:ext cx="0" cy="162003"/>
+              </a:xfrm>
+              <a:prstGeom prst="line">
+                <a:avLst/>
+              </a:prstGeom>
+              <a:ln w="9525">
+                <a:solidFill>
+                  <a:schemeClr val="bg1">
+                    <a:lumMod val="75000"/>
+                  </a:schemeClr>
+                </a:solidFill>
+              </a:ln>
+            </p:spPr>
+            <p:style>
+              <a:lnRef idx="1">
+                <a:schemeClr val="accent1"/>
+              </a:lnRef>
+              <a:fillRef idx="0">
+                <a:schemeClr val="accent1"/>
+              </a:fillRef>
+              <a:effectRef idx="0">
+                <a:schemeClr val="accent1"/>
+              </a:effectRef>
+              <a:fontRef idx="minor">
+                <a:schemeClr val="tx1"/>
+              </a:fontRef>
+            </p:style>
+          </p:cxnSp>
+          <p:cxnSp>
+            <p:nvCxnSpPr>
+              <p:cNvPr id="69" name="Straight Connector 68">
+                <a:extLst>
+                  <a:ext uri="{FF2B5EF4-FFF2-40B4-BE49-F238E27FC236}">
+                    <a16:creationId xmlns:a16="http://schemas.microsoft.com/office/drawing/2014/main" id="{3E737615-4825-DBD2-391C-ACA7CB1368B7}"/>
+                  </a:ext>
+                </a:extLst>
+              </p:cNvPr>
+              <p:cNvCxnSpPr>
+                <a:cxnSpLocks/>
+              </p:cNvCxnSpPr>
+              <p:nvPr/>
+            </p:nvCxnSpPr>
+            <p:spPr>
+              <a:xfrm>
+                <a:off x="7054940" y="2942992"/>
+                <a:ext cx="0" cy="162003"/>
+              </a:xfrm>
+              <a:prstGeom prst="line">
+                <a:avLst/>
+              </a:prstGeom>
+              <a:ln w="9525">
+                <a:solidFill>
+                  <a:schemeClr val="bg1">
+                    <a:lumMod val="75000"/>
+                  </a:schemeClr>
+                </a:solidFill>
+              </a:ln>
+            </p:spPr>
+            <p:style>
+              <a:lnRef idx="1">
+                <a:schemeClr val="accent1"/>
+              </a:lnRef>
+              <a:fillRef idx="0">
+                <a:schemeClr val="accent1"/>
+              </a:fillRef>
+              <a:effectRef idx="0">
+                <a:schemeClr val="accent1"/>
+              </a:effectRef>
+              <a:fontRef idx="minor">
+                <a:schemeClr val="tx1"/>
+              </a:fontRef>
+            </p:style>
+          </p:cxnSp>
+          <p:cxnSp>
+            <p:nvCxnSpPr>
+              <p:cNvPr id="70" name="Straight Connector 69">
+                <a:extLst>
+                  <a:ext uri="{FF2B5EF4-FFF2-40B4-BE49-F238E27FC236}">
+                    <a16:creationId xmlns:a16="http://schemas.microsoft.com/office/drawing/2014/main" id="{2014AE8C-7CF5-CFA5-AE6C-B492D26EC584}"/>
+                  </a:ext>
+                </a:extLst>
+              </p:cNvPr>
+              <p:cNvCxnSpPr>
+                <a:cxnSpLocks/>
+              </p:cNvCxnSpPr>
+              <p:nvPr/>
+            </p:nvCxnSpPr>
+            <p:spPr>
+              <a:xfrm>
+                <a:off x="7135669" y="2942992"/>
+                <a:ext cx="0" cy="162003"/>
+              </a:xfrm>
+              <a:prstGeom prst="line">
+                <a:avLst/>
+              </a:prstGeom>
+              <a:ln w="9525">
+                <a:solidFill>
+                  <a:schemeClr val="bg1">
+                    <a:lumMod val="75000"/>
+                  </a:schemeClr>
+                </a:solidFill>
+              </a:ln>
+            </p:spPr>
+            <p:style>
+              <a:lnRef idx="1">
+                <a:schemeClr val="accent1"/>
+              </a:lnRef>
+              <a:fillRef idx="0">
+                <a:schemeClr val="accent1"/>
+              </a:fillRef>
+              <a:effectRef idx="0">
+                <a:schemeClr val="accent1"/>
+              </a:effectRef>
+              <a:fontRef idx="minor">
+                <a:schemeClr val="tx1"/>
+              </a:fontRef>
+            </p:style>
+          </p:cxnSp>
+          <p:cxnSp>
+            <p:nvCxnSpPr>
+              <p:cNvPr id="72" name="Straight Connector 71">
+                <a:extLst>
+                  <a:ext uri="{FF2B5EF4-FFF2-40B4-BE49-F238E27FC236}">
+                    <a16:creationId xmlns:a16="http://schemas.microsoft.com/office/drawing/2014/main" id="{4A00C665-A79B-7FDE-E25A-1D2680CF43A1}"/>
+                  </a:ext>
+                </a:extLst>
+              </p:cNvPr>
+              <p:cNvCxnSpPr/>
+              <p:nvPr/>
+            </p:nvCxnSpPr>
+            <p:spPr>
+              <a:xfrm>
+                <a:off x="7205237" y="2780989"/>
+                <a:ext cx="0" cy="324005"/>
+              </a:xfrm>
+              <a:prstGeom prst="line">
+                <a:avLst/>
+              </a:prstGeom>
+              <a:ln w="9525">
+                <a:solidFill>
+                  <a:schemeClr val="bg1">
+                    <a:lumMod val="75000"/>
+                  </a:schemeClr>
+                </a:solidFill>
+              </a:ln>
+            </p:spPr>
+            <p:style>
+              <a:lnRef idx="1">
+                <a:schemeClr val="accent1"/>
+              </a:lnRef>
+              <a:fillRef idx="0">
+                <a:schemeClr val="accent1"/>
+              </a:fillRef>
+              <a:effectRef idx="0">
+                <a:schemeClr val="accent1"/>
+              </a:effectRef>
+              <a:fontRef idx="minor">
+                <a:schemeClr val="tx1"/>
+              </a:fontRef>
+            </p:style>
+          </p:cxnSp>
+        </p:grpSp>
+      </p:grpSp>
+      <p:sp>
+        <p:nvSpPr>
+          <p:cNvPr id="75" name="Oval 74">
+            <a:extLst>
+              <a:ext uri="{FF2B5EF4-FFF2-40B4-BE49-F238E27FC236}">
+                <a16:creationId xmlns:a16="http://schemas.microsoft.com/office/drawing/2014/main" id="{CBAF8509-9274-2F5A-790B-22287C239EB6}"/>
+              </a:ext>
+            </a:extLst>
+          </p:cNvPr>
+          <p:cNvSpPr/>
+          <p:nvPr/>
+        </p:nvSpPr>
+        <p:spPr>
+          <a:xfrm>
+            <a:off x="5186860" y="4501579"/>
+            <a:ext cx="384000" cy="384000"/>
+          </a:xfrm>
+          <a:prstGeom prst="ellipse">
+            <a:avLst/>
+          </a:prstGeom>
+          <a:solidFill>
+            <a:schemeClr val="tx1">
+              <a:lumMod val="75000"/>
+              <a:lumOff val="25000"/>
+            </a:schemeClr>
+          </a:solidFill>
+          <a:ln>
+            <a:noFill/>
+          </a:ln>
+        </p:spPr>
+        <p:style>
+          <a:lnRef idx="2">
+            <a:schemeClr val="accent1">
+              <a:shade val="50000"/>
+            </a:schemeClr>
+          </a:lnRef>
+          <a:fillRef idx="1">
+            <a:schemeClr val="accent1"/>
+          </a:fillRef>
+          <a:effectRef idx="0">
+            <a:schemeClr val="accent1"/>
+          </a:effectRef>
+          <a:fontRef idx="minor">
+            <a:schemeClr val="lt1"/>
+          </a:fontRef>
+        </p:style>
+        <p:txBody>
+          <a:bodyPr rtlCol="0" anchor="ctr"/>
+          <a:lstStyle/>
+          <a:p>
+            <a:pPr algn="ctr"/>
+            <a:endParaRPr kumimoji="1" lang="ja-JP" altLang="en-US"/>
+          </a:p>
+        </p:txBody>
+      </p:sp>
+      <p:cxnSp>
+        <p:nvCxnSpPr>
+          <p:cNvPr id="77" name="Straight Connector 76">
+            <a:extLst>
+              <a:ext uri="{FF2B5EF4-FFF2-40B4-BE49-F238E27FC236}">
+                <a16:creationId xmlns:a16="http://schemas.microsoft.com/office/drawing/2014/main" id="{DE9A28A1-B384-05F7-E451-6000552AA72C}"/>
+              </a:ext>
+            </a:extLst>
+          </p:cNvPr>
+          <p:cNvCxnSpPr>
+            <a:cxnSpLocks/>
+          </p:cNvCxnSpPr>
+          <p:nvPr/>
+        </p:nvCxnSpPr>
+        <p:spPr>
+          <a:xfrm>
+            <a:off x="5369944" y="4875072"/>
+            <a:ext cx="8916" cy="417492"/>
+          </a:xfrm>
+          <a:prstGeom prst="line">
+            <a:avLst/>
+          </a:prstGeom>
+          <a:ln w="28575">
+            <a:solidFill>
+              <a:schemeClr val="tx1">
+                <a:lumMod val="75000"/>
+                <a:lumOff val="25000"/>
+              </a:schemeClr>
+            </a:solidFill>
+          </a:ln>
+        </p:spPr>
+        <p:style>
+          <a:lnRef idx="1">
+            <a:schemeClr val="accent1"/>
+          </a:lnRef>
+          <a:fillRef idx="0">
+            <a:schemeClr val="accent1"/>
+          </a:fillRef>
+          <a:effectRef idx="0">
+            <a:schemeClr val="accent1"/>
+          </a:effectRef>
+          <a:fontRef idx="minor">
+            <a:schemeClr val="tx1"/>
+          </a:fontRef>
+        </p:style>
+      </p:cxnSp>
+      <p:cxnSp>
+        <p:nvCxnSpPr>
+          <p:cNvPr id="83" name="Straight Connector 82">
+            <a:extLst>
+              <a:ext uri="{FF2B5EF4-FFF2-40B4-BE49-F238E27FC236}">
+                <a16:creationId xmlns:a16="http://schemas.microsoft.com/office/drawing/2014/main" id="{2324D3D9-DFD5-02A1-19D8-D244FA9942CB}"/>
+              </a:ext>
+            </a:extLst>
+          </p:cNvPr>
+          <p:cNvCxnSpPr/>
+          <p:nvPr/>
+        </p:nvCxnSpPr>
+        <p:spPr>
+          <a:xfrm>
+            <a:off x="5378860" y="5073967"/>
+            <a:ext cx="259204" cy="0"/>
+          </a:xfrm>
+          <a:prstGeom prst="line">
+            <a:avLst/>
+          </a:prstGeom>
+          <a:ln w="28575">
+            <a:solidFill>
+              <a:schemeClr val="tx1">
+                <a:lumMod val="75000"/>
+                <a:lumOff val="25000"/>
+              </a:schemeClr>
+            </a:solidFill>
+          </a:ln>
+        </p:spPr>
+        <p:style>
+          <a:lnRef idx="1">
+            <a:schemeClr val="accent1"/>
+          </a:lnRef>
+          <a:fillRef idx="0">
+            <a:schemeClr val="accent1"/>
+          </a:fillRef>
+          <a:effectRef idx="0">
+            <a:schemeClr val="accent1"/>
+          </a:effectRef>
+          <a:fontRef idx="minor">
+            <a:schemeClr val="tx1"/>
+          </a:fontRef>
+        </p:style>
+      </p:cxnSp>
+      <p:cxnSp>
+        <p:nvCxnSpPr>
+          <p:cNvPr id="84" name="Straight Connector 83">
+            <a:extLst>
+              <a:ext uri="{FF2B5EF4-FFF2-40B4-BE49-F238E27FC236}">
+                <a16:creationId xmlns:a16="http://schemas.microsoft.com/office/drawing/2014/main" id="{31AD1F98-DAE3-DD65-83C0-94013DA3AF5E}"/>
+              </a:ext>
+            </a:extLst>
+          </p:cNvPr>
+          <p:cNvCxnSpPr/>
+          <p:nvPr/>
+        </p:nvCxnSpPr>
+        <p:spPr>
+          <a:xfrm>
+            <a:off x="5122267" y="5073967"/>
+            <a:ext cx="259204" cy="0"/>
+          </a:xfrm>
+          <a:prstGeom prst="line">
+            <a:avLst/>
+          </a:prstGeom>
+          <a:ln w="28575">
+            <a:solidFill>
+              <a:schemeClr val="tx1">
+                <a:lumMod val="75000"/>
+                <a:lumOff val="25000"/>
+              </a:schemeClr>
+            </a:solidFill>
+          </a:ln>
+        </p:spPr>
+        <p:style>
+          <a:lnRef idx="1">
+            <a:schemeClr val="accent1"/>
+          </a:lnRef>
+          <a:fillRef idx="0">
+            <a:schemeClr val="accent1"/>
+          </a:fillRef>
+          <a:effectRef idx="0">
+            <a:schemeClr val="accent1"/>
+          </a:effectRef>
+          <a:fontRef idx="minor">
+            <a:schemeClr val="tx1"/>
+          </a:fontRef>
+        </p:style>
+      </p:cxnSp>
+      <mc:AlternateContent xmlns:mc="http://schemas.openxmlformats.org/markup-compatibility/2006">
+        <mc:Choice xmlns:a14="http://schemas.microsoft.com/office/drawing/2010/main" Requires="a14">
+          <p:sp>
+            <p:nvSpPr>
+              <p:cNvPr id="90" name="Rectangle: Rounded Corners 89">
+                <a:extLst>
+                  <a:ext uri="{FF2B5EF4-FFF2-40B4-BE49-F238E27FC236}">
+                    <a16:creationId xmlns:a16="http://schemas.microsoft.com/office/drawing/2014/main" id="{3D04C0FD-7A6F-3546-05EA-3906B532F9C6}"/>
+                  </a:ext>
+                </a:extLst>
+              </p:cNvPr>
+              <p:cNvSpPr/>
+              <p:nvPr/>
+            </p:nvSpPr>
+            <p:spPr>
+              <a:xfrm>
+                <a:off x="4735179" y="5603395"/>
+                <a:ext cx="1296020" cy="252000"/>
+              </a:xfrm>
+              <a:prstGeom prst="roundRect">
+                <a:avLst/>
+              </a:prstGeom>
+              <a:solidFill>
+                <a:schemeClr val="tx1">
+                  <a:lumMod val="75000"/>
+                  <a:lumOff val="25000"/>
+                </a:schemeClr>
+              </a:solidFill>
+              <a:ln>
+                <a:noFill/>
+              </a:ln>
+            </p:spPr>
+            <p:style>
+              <a:lnRef idx="2">
+                <a:schemeClr val="accent1">
+                  <a:shade val="50000"/>
+                </a:schemeClr>
+              </a:lnRef>
+              <a:fillRef idx="1">
+                <a:schemeClr val="accent1"/>
+              </a:fillRef>
+              <a:effectRef idx="0">
+                <a:schemeClr val="accent1"/>
+              </a:effectRef>
+              <a:fontRef idx="minor">
+                <a:schemeClr val="lt1"/>
+              </a:fontRef>
+            </p:style>
+            <p:txBody>
+              <a:bodyPr rtlCol="0" anchor="ctr"/>
+              <a:lstStyle/>
+              <a:p>
+                <a:pPr algn="ctr"/>
+                <a:r>
+                  <a:rPr lang="en-US" altLang="ja-JP" sz="1000" b="1" i="0" dirty="0">
+                    <a:solidFill>
+                      <a:schemeClr val="bg1">
+                        <a:lumMod val="85000"/>
+                      </a:schemeClr>
+                    </a:solidFill>
+                    <a:effectLst/>
+                    <a:latin typeface="游ゴシック Medium" panose="020B0500000000000000" pitchFamily="50" charset="-128"/>
+                    <a:ea typeface="游ゴシック Medium" panose="020B0500000000000000" pitchFamily="50" charset="-128"/>
+                  </a:rPr>
+                  <a:t>Observer </a:t>
+                </a:r>
+                <a14:m>
+                  <m:oMath xmlns:m="http://schemas.openxmlformats.org/officeDocument/2006/math">
+                    <m:r>
+                      <a:rPr lang="en-US" altLang="ja-JP" sz="1000" b="1" i="1" smtClean="0">
+                        <a:solidFill>
+                          <a:schemeClr val="accent2">
+                            <a:lumMod val="60000"/>
+                            <a:lumOff val="40000"/>
+                          </a:schemeClr>
+                        </a:solidFill>
+                        <a:effectLst/>
+                        <a:latin typeface="Cambria Math" panose="02040503050406030204" pitchFamily="18" charset="0"/>
+                        <a:ea typeface="游ゴシック Medium" panose="020B0500000000000000" pitchFamily="50" charset="-128"/>
+                      </a:rPr>
+                      <m:t>𝒑</m:t>
+                    </m:r>
+                  </m:oMath>
+                </a14:m>
+                <a:endParaRPr kumimoji="1" lang="ja-JP" altLang="en-US" sz="1000" b="1" dirty="0">
+                  <a:solidFill>
+                    <a:schemeClr val="bg1">
+                      <a:lumMod val="85000"/>
+                    </a:schemeClr>
+                  </a:solidFill>
+                  <a:latin typeface="游ゴシック Medium" panose="020B0500000000000000" pitchFamily="50" charset="-128"/>
+                  <a:ea typeface="游ゴシック Medium" panose="020B0500000000000000" pitchFamily="50" charset="-128"/>
+                </a:endParaRPr>
+              </a:p>
+            </p:txBody>
+          </p:sp>
+        </mc:Choice>
+        <mc:Fallback>
+          <p:sp>
+            <p:nvSpPr>
+              <p:cNvPr id="90" name="Rectangle: Rounded Corners 89">
+                <a:extLst>
+                  <a:ext uri="{FF2B5EF4-FFF2-40B4-BE49-F238E27FC236}">
+                    <a16:creationId xmlns:a16="http://schemas.microsoft.com/office/drawing/2014/main" id="{3D04C0FD-7A6F-3546-05EA-3906B532F9C6}"/>
+                  </a:ext>
+                </a:extLst>
+              </p:cNvPr>
+              <p:cNvSpPr>
+                <a:spLocks noRot="1" noChangeAspect="1" noMove="1" noResize="1" noEditPoints="1" noAdjustHandles="1" noChangeArrowheads="1" noChangeShapeType="1" noTextEdit="1"/>
+              </p:cNvSpPr>
+              <p:nvPr/>
+            </p:nvSpPr>
+            <p:spPr>
+              <a:xfrm>
+                <a:off x="4735179" y="5603395"/>
+                <a:ext cx="1296020" cy="252000"/>
+              </a:xfrm>
+              <a:prstGeom prst="roundRect">
+                <a:avLst/>
+              </a:prstGeom>
+              <a:blipFill>
+                <a:blip r:embed="rId2"/>
+                <a:stretch>
+                  <a:fillRect b="-9524"/>
+                </a:stretch>
+              </a:blipFill>
+              <a:ln>
+                <a:noFill/>
+              </a:ln>
+            </p:spPr>
+            <p:txBody>
+              <a:bodyPr/>
+              <a:lstStyle/>
+              <a:p>
+                <a:r>
+                  <a:rPr lang="ja-JP" altLang="en-US">
+                    <a:noFill/>
+                  </a:rPr>
+                  <a:t> </a:t>
+                </a:r>
+              </a:p>
+            </p:txBody>
+          </p:sp>
+        </mc:Fallback>
+      </mc:AlternateContent>
+      <p:grpSp>
+        <p:nvGrpSpPr>
+          <p:cNvPr id="92" name="Group 91">
+            <a:extLst>
+              <a:ext uri="{FF2B5EF4-FFF2-40B4-BE49-F238E27FC236}">
+                <a16:creationId xmlns:a16="http://schemas.microsoft.com/office/drawing/2014/main" id="{883B6770-2EC7-62B1-31FF-120E5339DFC3}"/>
+              </a:ext>
+            </a:extLst>
+          </p:cNvPr>
+          <p:cNvGrpSpPr/>
+          <p:nvPr/>
+        </p:nvGrpSpPr>
+        <p:grpSpPr>
+          <a:xfrm>
+            <a:off x="7327219" y="3001707"/>
+            <a:ext cx="1796386" cy="1515700"/>
+            <a:chOff x="2531945" y="1290566"/>
+            <a:chExt cx="2073634" cy="1749628"/>
+          </a:xfrm>
+        </p:grpSpPr>
+        <p:sp>
+          <p:nvSpPr>
+            <p:cNvPr id="94" name="Rectangle 93">
+              <a:extLst>
+                <a:ext uri="{FF2B5EF4-FFF2-40B4-BE49-F238E27FC236}">
+                  <a16:creationId xmlns:a16="http://schemas.microsoft.com/office/drawing/2014/main" id="{F31D5E8C-7AF9-9756-307E-A8715ABEB4E4}"/>
+                </a:ext>
+              </a:extLst>
+            </p:cNvPr>
+            <p:cNvSpPr/>
+            <p:nvPr/>
+          </p:nvSpPr>
+          <p:spPr>
+            <a:xfrm>
+              <a:off x="3341958" y="2392184"/>
+              <a:ext cx="453607" cy="518408"/>
+            </a:xfrm>
+            <a:prstGeom prst="rect">
+              <a:avLst/>
+            </a:prstGeom>
+            <a:solidFill>
+              <a:schemeClr val="tx1">
+                <a:lumMod val="95000"/>
+                <a:lumOff val="5000"/>
+              </a:schemeClr>
+            </a:solidFill>
+            <a:ln>
+              <a:solidFill>
+                <a:schemeClr val="tx1"/>
+              </a:solidFill>
+            </a:ln>
+          </p:spPr>
+          <p:style>
+            <a:lnRef idx="2">
+              <a:schemeClr val="accent1">
+                <a:shade val="50000"/>
+              </a:schemeClr>
+            </a:lnRef>
+            <a:fillRef idx="1">
+              <a:schemeClr val="accent1"/>
+            </a:fillRef>
+            <a:effectRef idx="0">
+              <a:schemeClr val="accent1"/>
+            </a:effectRef>
+            <a:fontRef idx="minor">
+              <a:schemeClr val="lt1"/>
+            </a:fontRef>
+          </p:style>
+          <p:txBody>
+            <a:bodyPr rtlCol="0" anchor="ctr"/>
+            <a:lstStyle/>
+            <a:p>
+              <a:pPr algn="ctr"/>
+              <a:endParaRPr kumimoji="1" lang="ja-JP" altLang="en-US" dirty="0"/>
+            </a:p>
+          </p:txBody>
+        </p:sp>
+        <p:sp>
+          <p:nvSpPr>
+            <p:cNvPr id="95" name="Rectangle 94">
+              <a:extLst>
+                <a:ext uri="{FF2B5EF4-FFF2-40B4-BE49-F238E27FC236}">
+                  <a16:creationId xmlns:a16="http://schemas.microsoft.com/office/drawing/2014/main" id="{0155FE36-60E9-2BBA-7E81-27F93FE83958}"/>
+                </a:ext>
+              </a:extLst>
+            </p:cNvPr>
+            <p:cNvSpPr/>
+            <p:nvPr/>
+          </p:nvSpPr>
+          <p:spPr>
+            <a:xfrm>
+              <a:off x="2531945" y="1290566"/>
+              <a:ext cx="2073634" cy="1166419"/>
+            </a:xfrm>
+            <a:prstGeom prst="rect">
+              <a:avLst/>
+            </a:prstGeom>
+            <a:solidFill>
+              <a:schemeClr val="bg1"/>
+            </a:solidFill>
+            <a:ln w="76200">
+              <a:solidFill>
+                <a:schemeClr val="tx1"/>
+              </a:solidFill>
+            </a:ln>
+          </p:spPr>
+          <p:style>
+            <a:lnRef idx="2">
+              <a:schemeClr val="accent1">
+                <a:shade val="50000"/>
+              </a:schemeClr>
+            </a:lnRef>
+            <a:fillRef idx="1">
+              <a:schemeClr val="accent1"/>
+            </a:fillRef>
+            <a:effectRef idx="0">
+              <a:schemeClr val="accent1"/>
+            </a:effectRef>
+            <a:fontRef idx="minor">
+              <a:schemeClr val="lt1"/>
+            </a:fontRef>
+          </p:style>
+          <p:txBody>
+            <a:bodyPr rtlCol="0" anchor="ctr"/>
+            <a:lstStyle/>
+            <a:p>
+              <a:pPr algn="ctr"/>
+              <a:endParaRPr kumimoji="1" lang="ja-JP" altLang="en-US"/>
+            </a:p>
+          </p:txBody>
+        </p:sp>
+        <p:sp>
+          <p:nvSpPr>
+            <p:cNvPr id="96" name="Oval 95">
+              <a:extLst>
+                <a:ext uri="{FF2B5EF4-FFF2-40B4-BE49-F238E27FC236}">
+                  <a16:creationId xmlns:a16="http://schemas.microsoft.com/office/drawing/2014/main" id="{509E04D2-A3B3-C714-7F4E-3062CA5501BB}"/>
+                </a:ext>
+              </a:extLst>
+            </p:cNvPr>
+            <p:cNvSpPr/>
+            <p:nvPr/>
+          </p:nvSpPr>
+          <p:spPr>
+            <a:xfrm>
+              <a:off x="3082753" y="2780990"/>
+              <a:ext cx="972015" cy="259204"/>
+            </a:xfrm>
+            <a:prstGeom prst="ellipse">
+              <a:avLst/>
+            </a:prstGeom>
+            <a:solidFill>
+              <a:schemeClr val="tx1">
+                <a:lumMod val="95000"/>
+                <a:lumOff val="5000"/>
+              </a:schemeClr>
+            </a:solidFill>
+            <a:ln>
+              <a:noFill/>
+            </a:ln>
+          </p:spPr>
+          <p:style>
+            <a:lnRef idx="2">
+              <a:schemeClr val="dk1">
+                <a:shade val="50000"/>
+              </a:schemeClr>
+            </a:lnRef>
+            <a:fillRef idx="1">
+              <a:schemeClr val="dk1"/>
+            </a:fillRef>
+            <a:effectRef idx="0">
+              <a:schemeClr val="dk1"/>
+            </a:effectRef>
+            <a:fontRef idx="minor">
+              <a:schemeClr val="lt1"/>
+            </a:fontRef>
+          </p:style>
+          <p:txBody>
+            <a:bodyPr rtlCol="0" anchor="ctr"/>
+            <a:lstStyle/>
+            <a:p>
+              <a:pPr algn="ctr"/>
+              <a:endParaRPr kumimoji="1" lang="ja-JP" altLang="en-US"/>
+            </a:p>
+          </p:txBody>
+        </p:sp>
+      </p:grpSp>
+      <p:pic>
+        <p:nvPicPr>
+          <p:cNvPr id="99" name="Picture 98">
+            <a:extLst>
+              <a:ext uri="{FF2B5EF4-FFF2-40B4-BE49-F238E27FC236}">
+                <a16:creationId xmlns:a16="http://schemas.microsoft.com/office/drawing/2014/main" id="{8FFD5A3B-EA78-9E0F-3203-D9F45DAC9B0E}"/>
+              </a:ext>
+            </a:extLst>
+          </p:cNvPr>
+          <p:cNvPicPr>
+            <a:picLocks noChangeAspect="1"/>
+          </p:cNvPicPr>
+          <p:nvPr/>
+        </p:nvPicPr>
+        <p:blipFill>
+          <a:blip r:embed="rId3">
+            <a:extLst>
+              <a:ext uri="{28A0092B-C50C-407E-A947-70E740481C1C}">
+                <a14:useLocalDpi xmlns:a14="http://schemas.microsoft.com/office/drawing/2010/main" val="0"/>
+              </a:ext>
+            </a:extLst>
+          </a:blip>
+          <a:stretch>
+            <a:fillRect/>
+          </a:stretch>
+        </p:blipFill>
+        <p:spPr>
+          <a:xfrm>
+            <a:off x="2208558" y="1978748"/>
+            <a:ext cx="623972" cy="623972"/>
+          </a:xfrm>
+          <a:prstGeom prst="rect">
+            <a:avLst/>
+          </a:prstGeom>
+        </p:spPr>
+      </p:pic>
+      <p:sp>
+        <p:nvSpPr>
+          <p:cNvPr id="101" name="Rectangle: Rounded Corners 100">
+            <a:extLst>
+              <a:ext uri="{FF2B5EF4-FFF2-40B4-BE49-F238E27FC236}">
+                <a16:creationId xmlns:a16="http://schemas.microsoft.com/office/drawing/2014/main" id="{36840331-E20B-4AED-BF30-DB16A6AE62D9}"/>
+              </a:ext>
+            </a:extLst>
+          </p:cNvPr>
+          <p:cNvSpPr/>
+          <p:nvPr/>
+        </p:nvSpPr>
+        <p:spPr>
+          <a:xfrm>
+            <a:off x="1872534" y="1678147"/>
+            <a:ext cx="1296020" cy="252000"/>
+          </a:xfrm>
+          <a:prstGeom prst="roundRect">
+            <a:avLst/>
+          </a:prstGeom>
+          <a:solidFill>
+            <a:schemeClr val="tx1">
+              <a:lumMod val="75000"/>
+              <a:lumOff val="25000"/>
+            </a:schemeClr>
+          </a:solidFill>
+          <a:ln>
+            <a:noFill/>
+          </a:ln>
+        </p:spPr>
+        <p:style>
+          <a:lnRef idx="2">
+            <a:schemeClr val="accent1">
+              <a:shade val="50000"/>
+            </a:schemeClr>
+          </a:lnRef>
+          <a:fillRef idx="1">
+            <a:schemeClr val="accent1"/>
+          </a:fillRef>
+          <a:effectRef idx="0">
+            <a:schemeClr val="accent1"/>
+          </a:effectRef>
+          <a:fontRef idx="minor">
+            <a:schemeClr val="lt1"/>
+          </a:fontRef>
+        </p:style>
+        <p:txBody>
+          <a:bodyPr rtlCol="0" anchor="ctr"/>
+          <a:lstStyle/>
+          <a:p>
+            <a:pPr algn="ctr"/>
+            <a:r>
+              <a:rPr lang="en-US" altLang="ja-JP" sz="1000" b="1" i="0" dirty="0">
+                <a:solidFill>
+                  <a:schemeClr val="bg1">
+                    <a:lumMod val="85000"/>
+                  </a:schemeClr>
+                </a:solidFill>
+                <a:effectLst/>
+                <a:latin typeface="游ゴシック Medium" panose="020B0500000000000000" pitchFamily="50" charset="-128"/>
+                <a:ea typeface="游ゴシック Medium" panose="020B0500000000000000" pitchFamily="50" charset="-128"/>
+              </a:rPr>
+              <a:t>Illuminant D65</a:t>
+            </a:r>
+            <a:endParaRPr kumimoji="1" lang="ja-JP" altLang="en-US" sz="1000" b="1" dirty="0">
+              <a:solidFill>
+                <a:schemeClr val="bg1">
+                  <a:lumMod val="85000"/>
+                </a:schemeClr>
+              </a:solidFill>
+              <a:latin typeface="游ゴシック Medium" panose="020B0500000000000000" pitchFamily="50" charset="-128"/>
+              <a:ea typeface="游ゴシック Medium" panose="020B0500000000000000" pitchFamily="50" charset="-128"/>
+            </a:endParaRPr>
+          </a:p>
+        </p:txBody>
+      </p:sp>
+      <p:grpSp>
+        <p:nvGrpSpPr>
+          <p:cNvPr id="108" name="Group 107">
+            <a:extLst>
+              <a:ext uri="{FF2B5EF4-FFF2-40B4-BE49-F238E27FC236}">
+                <a16:creationId xmlns:a16="http://schemas.microsoft.com/office/drawing/2014/main" id="{2F515B99-2D03-D773-8F63-2ECC78BFDB95}"/>
+              </a:ext>
+            </a:extLst>
+          </p:cNvPr>
+          <p:cNvGrpSpPr/>
+          <p:nvPr/>
+        </p:nvGrpSpPr>
+        <p:grpSpPr>
+          <a:xfrm>
+            <a:off x="2039458" y="2631385"/>
+            <a:ext cx="974456" cy="262236"/>
+            <a:chOff x="652716" y="2392184"/>
+            <a:chExt cx="518408" cy="486473"/>
+          </a:xfrm>
+        </p:grpSpPr>
+        <p:cxnSp>
+          <p:nvCxnSpPr>
+            <p:cNvPr id="103" name="Straight Arrow Connector 102">
+              <a:extLst>
+                <a:ext uri="{FF2B5EF4-FFF2-40B4-BE49-F238E27FC236}">
+                  <a16:creationId xmlns:a16="http://schemas.microsoft.com/office/drawing/2014/main" id="{B6C7393F-5CDB-4932-11C8-F65AA559BEFA}"/>
+                </a:ext>
+              </a:extLst>
+            </p:cNvPr>
+            <p:cNvCxnSpPr/>
+            <p:nvPr/>
+          </p:nvCxnSpPr>
+          <p:spPr>
+            <a:xfrm>
+              <a:off x="652716" y="2392184"/>
+              <a:ext cx="0" cy="486473"/>
+            </a:xfrm>
+            <a:prstGeom prst="straightConnector1">
+              <a:avLst/>
+            </a:prstGeom>
+            <a:ln w="12700">
+              <a:solidFill>
+                <a:schemeClr val="tx1">
+                  <a:lumMod val="75000"/>
+                  <a:lumOff val="25000"/>
+                </a:schemeClr>
+              </a:solidFill>
+              <a:tailEnd type="triangle"/>
+            </a:ln>
+          </p:spPr>
+          <p:style>
+            <a:lnRef idx="1">
+              <a:schemeClr val="accent1"/>
+            </a:lnRef>
+            <a:fillRef idx="0">
+              <a:schemeClr val="accent1"/>
+            </a:fillRef>
+            <a:effectRef idx="0">
+              <a:schemeClr val="accent1"/>
+            </a:effectRef>
+            <a:fontRef idx="minor">
+              <a:schemeClr val="tx1"/>
+            </a:fontRef>
+          </p:style>
+        </p:cxnSp>
+        <p:cxnSp>
+          <p:nvCxnSpPr>
+            <p:cNvPr id="104" name="Straight Arrow Connector 103">
+              <a:extLst>
+                <a:ext uri="{FF2B5EF4-FFF2-40B4-BE49-F238E27FC236}">
+                  <a16:creationId xmlns:a16="http://schemas.microsoft.com/office/drawing/2014/main" id="{F3805080-8D40-BEEE-318E-E2E81AF8B987}"/>
+                </a:ext>
+              </a:extLst>
+            </p:cNvPr>
+            <p:cNvCxnSpPr/>
+            <p:nvPr/>
+          </p:nvCxnSpPr>
+          <p:spPr>
+            <a:xfrm>
+              <a:off x="782318" y="2392184"/>
+              <a:ext cx="0" cy="486473"/>
+            </a:xfrm>
+            <a:prstGeom prst="straightConnector1">
+              <a:avLst/>
+            </a:prstGeom>
+            <a:ln w="12700">
+              <a:solidFill>
+                <a:schemeClr val="tx1">
+                  <a:lumMod val="75000"/>
+                  <a:lumOff val="25000"/>
+                </a:schemeClr>
+              </a:solidFill>
+              <a:tailEnd type="triangle"/>
+            </a:ln>
+          </p:spPr>
+          <p:style>
+            <a:lnRef idx="1">
+              <a:schemeClr val="accent1"/>
+            </a:lnRef>
+            <a:fillRef idx="0">
+              <a:schemeClr val="accent1"/>
+            </a:fillRef>
+            <a:effectRef idx="0">
+              <a:schemeClr val="accent1"/>
+            </a:effectRef>
+            <a:fontRef idx="minor">
+              <a:schemeClr val="tx1"/>
+            </a:fontRef>
+          </p:style>
+        </p:cxnSp>
+        <p:cxnSp>
+          <p:nvCxnSpPr>
+            <p:cNvPr id="105" name="Straight Arrow Connector 104">
+              <a:extLst>
+                <a:ext uri="{FF2B5EF4-FFF2-40B4-BE49-F238E27FC236}">
+                  <a16:creationId xmlns:a16="http://schemas.microsoft.com/office/drawing/2014/main" id="{87271C54-EF91-2A9E-4E3F-FD6BB3C026E2}"/>
+                </a:ext>
+              </a:extLst>
+            </p:cNvPr>
+            <p:cNvCxnSpPr/>
+            <p:nvPr/>
+          </p:nvCxnSpPr>
+          <p:spPr>
+            <a:xfrm>
+              <a:off x="911920" y="2392184"/>
+              <a:ext cx="0" cy="486473"/>
+            </a:xfrm>
+            <a:prstGeom prst="straightConnector1">
+              <a:avLst/>
+            </a:prstGeom>
+            <a:ln w="12700">
+              <a:solidFill>
+                <a:schemeClr val="tx1">
+                  <a:lumMod val="75000"/>
+                  <a:lumOff val="25000"/>
+                </a:schemeClr>
+              </a:solidFill>
+              <a:tailEnd type="triangle"/>
+            </a:ln>
+          </p:spPr>
+          <p:style>
+            <a:lnRef idx="1">
+              <a:schemeClr val="accent1"/>
+            </a:lnRef>
+            <a:fillRef idx="0">
+              <a:schemeClr val="accent1"/>
+            </a:fillRef>
+            <a:effectRef idx="0">
+              <a:schemeClr val="accent1"/>
+            </a:effectRef>
+            <a:fontRef idx="minor">
+              <a:schemeClr val="tx1"/>
+            </a:fontRef>
+          </p:style>
+        </p:cxnSp>
+        <p:cxnSp>
+          <p:nvCxnSpPr>
+            <p:cNvPr id="106" name="Straight Arrow Connector 105">
+              <a:extLst>
+                <a:ext uri="{FF2B5EF4-FFF2-40B4-BE49-F238E27FC236}">
+                  <a16:creationId xmlns:a16="http://schemas.microsoft.com/office/drawing/2014/main" id="{2BFDEDD7-4A4E-7E6E-6527-BD365C98F1BF}"/>
+                </a:ext>
+              </a:extLst>
+            </p:cNvPr>
+            <p:cNvCxnSpPr/>
+            <p:nvPr/>
+          </p:nvCxnSpPr>
+          <p:spPr>
+            <a:xfrm>
+              <a:off x="1041522" y="2392184"/>
+              <a:ext cx="0" cy="486473"/>
+            </a:xfrm>
+            <a:prstGeom prst="straightConnector1">
+              <a:avLst/>
+            </a:prstGeom>
+            <a:ln w="12700">
+              <a:solidFill>
+                <a:schemeClr val="tx1">
+                  <a:lumMod val="75000"/>
+                  <a:lumOff val="25000"/>
+                </a:schemeClr>
+              </a:solidFill>
+              <a:tailEnd type="triangle"/>
+            </a:ln>
+          </p:spPr>
+          <p:style>
+            <a:lnRef idx="1">
+              <a:schemeClr val="accent1"/>
+            </a:lnRef>
+            <a:fillRef idx="0">
+              <a:schemeClr val="accent1"/>
+            </a:fillRef>
+            <a:effectRef idx="0">
+              <a:schemeClr val="accent1"/>
+            </a:effectRef>
+            <a:fontRef idx="minor">
+              <a:schemeClr val="tx1"/>
+            </a:fontRef>
+          </p:style>
+        </p:cxnSp>
+        <p:cxnSp>
+          <p:nvCxnSpPr>
+            <p:cNvPr id="107" name="Straight Arrow Connector 106">
+              <a:extLst>
+                <a:ext uri="{FF2B5EF4-FFF2-40B4-BE49-F238E27FC236}">
+                  <a16:creationId xmlns:a16="http://schemas.microsoft.com/office/drawing/2014/main" id="{B21B4A3B-0953-C49B-AE07-3DDEE3E322B3}"/>
+                </a:ext>
+              </a:extLst>
+            </p:cNvPr>
+            <p:cNvCxnSpPr/>
+            <p:nvPr/>
+          </p:nvCxnSpPr>
+          <p:spPr>
+            <a:xfrm>
+              <a:off x="1171124" y="2392184"/>
+              <a:ext cx="0" cy="486473"/>
+            </a:xfrm>
+            <a:prstGeom prst="straightConnector1">
+              <a:avLst/>
+            </a:prstGeom>
+            <a:ln w="12700">
+              <a:solidFill>
+                <a:schemeClr val="tx1">
+                  <a:lumMod val="75000"/>
+                  <a:lumOff val="25000"/>
+                </a:schemeClr>
+              </a:solidFill>
+              <a:tailEnd type="triangle"/>
+            </a:ln>
+          </p:spPr>
+          <p:style>
+            <a:lnRef idx="1">
+              <a:schemeClr val="accent1"/>
+            </a:lnRef>
+            <a:fillRef idx="0">
+              <a:schemeClr val="accent1"/>
+            </a:fillRef>
+            <a:effectRef idx="0">
+              <a:schemeClr val="accent1"/>
+            </a:effectRef>
+            <a:fontRef idx="minor">
+              <a:schemeClr val="tx1"/>
+            </a:fontRef>
+          </p:style>
+        </p:cxnSp>
+      </p:grpSp>
+      <p:sp>
+        <p:nvSpPr>
+          <p:cNvPr id="109" name="Rectangle: Rounded Corners 108">
+            <a:extLst>
+              <a:ext uri="{FF2B5EF4-FFF2-40B4-BE49-F238E27FC236}">
+                <a16:creationId xmlns:a16="http://schemas.microsoft.com/office/drawing/2014/main" id="{35687C8A-60FE-D7E9-D13B-B92674EB51A6}"/>
+              </a:ext>
+            </a:extLst>
+          </p:cNvPr>
+          <p:cNvSpPr/>
+          <p:nvPr/>
+        </p:nvSpPr>
+        <p:spPr>
+          <a:xfrm>
+            <a:off x="1777062" y="4278983"/>
+            <a:ext cx="1391492" cy="252000"/>
+          </a:xfrm>
+          <a:prstGeom prst="roundRect">
+            <a:avLst/>
+          </a:prstGeom>
+          <a:solidFill>
+            <a:schemeClr val="tx1">
+              <a:lumMod val="75000"/>
+              <a:lumOff val="25000"/>
+            </a:schemeClr>
+          </a:solidFill>
+          <a:ln>
+            <a:noFill/>
+          </a:ln>
+        </p:spPr>
+        <p:style>
+          <a:lnRef idx="2">
+            <a:schemeClr val="accent1">
+              <a:shade val="50000"/>
+            </a:schemeClr>
+          </a:lnRef>
+          <a:fillRef idx="1">
+            <a:schemeClr val="accent1"/>
+          </a:fillRef>
+          <a:effectRef idx="0">
+            <a:schemeClr val="accent1"/>
+          </a:effectRef>
+          <a:fontRef idx="minor">
+            <a:schemeClr val="lt1"/>
+          </a:fontRef>
+        </p:style>
+        <p:txBody>
+          <a:bodyPr rtlCol="0" anchor="ctr"/>
+          <a:lstStyle/>
+          <a:p>
+            <a:pPr algn="ctr"/>
+            <a:r>
+              <a:rPr lang="en-US" altLang="ja-JP" sz="1000" b="1" dirty="0">
+                <a:solidFill>
+                  <a:schemeClr val="bg1">
+                    <a:lumMod val="85000"/>
+                  </a:schemeClr>
+                </a:solidFill>
+                <a:latin typeface="游ゴシック Medium" panose="020B0500000000000000" pitchFamily="50" charset="-128"/>
+                <a:ea typeface="游ゴシック Medium" panose="020B0500000000000000" pitchFamily="50" charset="-128"/>
+              </a:rPr>
+              <a:t>color</a:t>
+            </a:r>
+            <a:r>
+              <a:rPr lang="en-US" altLang="ja-JP" sz="1000" b="1" i="0" dirty="0">
+                <a:solidFill>
+                  <a:schemeClr val="bg1">
+                    <a:lumMod val="85000"/>
+                  </a:schemeClr>
+                </a:solidFill>
+                <a:effectLst/>
+                <a:latin typeface="游ゴシック Medium" panose="020B0500000000000000" pitchFamily="50" charset="-128"/>
+                <a:ea typeface="游ゴシック Medium" panose="020B0500000000000000" pitchFamily="50" charset="-128"/>
+              </a:rPr>
+              <a:t> patch (</a:t>
+            </a:r>
+            <a:r>
+              <a:rPr lang="en-US" altLang="ja-JP" sz="1000" b="1" i="0" dirty="0" err="1">
+                <a:solidFill>
+                  <a:schemeClr val="bg1">
+                    <a:lumMod val="85000"/>
+                  </a:schemeClr>
+                </a:solidFill>
+                <a:effectLst/>
+                <a:latin typeface="游ゴシック Medium" panose="020B0500000000000000" pitchFamily="50" charset="-128"/>
+                <a:ea typeface="游ゴシック Medium" panose="020B0500000000000000" pitchFamily="50" charset="-128"/>
+              </a:rPr>
+              <a:t>i</a:t>
+            </a:r>
+            <a:r>
+              <a:rPr lang="en-US" altLang="ja-JP" sz="1000" b="1" i="0" dirty="0">
+                <a:solidFill>
+                  <a:schemeClr val="bg1">
+                    <a:lumMod val="85000"/>
+                  </a:schemeClr>
+                </a:solidFill>
+                <a:effectLst/>
+                <a:latin typeface="游ゴシック Medium" panose="020B0500000000000000" pitchFamily="50" charset="-128"/>
+                <a:ea typeface="游ゴシック Medium" panose="020B0500000000000000" pitchFamily="50" charset="-128"/>
+              </a:rPr>
+              <a:t> = 16)</a:t>
+            </a:r>
+            <a:endParaRPr kumimoji="1" lang="ja-JP" altLang="en-US" sz="1000" b="1" dirty="0">
+              <a:solidFill>
+                <a:schemeClr val="bg1">
+                  <a:lumMod val="85000"/>
+                </a:schemeClr>
+              </a:solidFill>
+              <a:latin typeface="游ゴシック Medium" panose="020B0500000000000000" pitchFamily="50" charset="-128"/>
+              <a:ea typeface="游ゴシック Medium" panose="020B0500000000000000" pitchFamily="50" charset="-128"/>
+            </a:endParaRPr>
+          </a:p>
+        </p:txBody>
+      </p:sp>
+      <p:sp>
+        <p:nvSpPr>
+          <p:cNvPr id="110" name="Rectangle: Rounded Corners 109">
+            <a:extLst>
+              <a:ext uri="{FF2B5EF4-FFF2-40B4-BE49-F238E27FC236}">
+                <a16:creationId xmlns:a16="http://schemas.microsoft.com/office/drawing/2014/main" id="{3E17B8D4-20EC-5ECD-FAC5-7605704981DC}"/>
+              </a:ext>
+            </a:extLst>
+          </p:cNvPr>
+          <p:cNvSpPr/>
+          <p:nvPr/>
+        </p:nvSpPr>
+        <p:spPr>
+          <a:xfrm>
+            <a:off x="7289253" y="4602542"/>
+            <a:ext cx="1872314" cy="252000"/>
+          </a:xfrm>
+          <a:prstGeom prst="roundRect">
+            <a:avLst/>
+          </a:prstGeom>
+          <a:solidFill>
+            <a:schemeClr val="tx1">
+              <a:lumMod val="75000"/>
+              <a:lumOff val="25000"/>
+            </a:schemeClr>
+          </a:solidFill>
+          <a:ln>
+            <a:noFill/>
+          </a:ln>
+        </p:spPr>
+        <p:style>
+          <a:lnRef idx="2">
+            <a:schemeClr val="accent1">
+              <a:shade val="50000"/>
+            </a:schemeClr>
+          </a:lnRef>
+          <a:fillRef idx="1">
+            <a:schemeClr val="accent1"/>
+          </a:fillRef>
+          <a:effectRef idx="0">
+            <a:schemeClr val="accent1"/>
+          </a:effectRef>
+          <a:fontRef idx="minor">
+            <a:schemeClr val="lt1"/>
+          </a:fontRef>
+        </p:style>
+        <p:txBody>
+          <a:bodyPr rtlCol="0" anchor="ctr"/>
+          <a:lstStyle/>
+          <a:p>
+            <a:pPr algn="ctr"/>
+            <a:r>
+              <a:rPr lang="en-US" altLang="ja-JP" sz="1000" b="1" i="0" dirty="0">
+                <a:solidFill>
+                  <a:schemeClr val="bg1">
+                    <a:lumMod val="85000"/>
+                  </a:schemeClr>
+                </a:solidFill>
+                <a:effectLst/>
+                <a:latin typeface="游ゴシック Medium" panose="020B0500000000000000" pitchFamily="50" charset="-128"/>
+                <a:ea typeface="游ゴシック Medium" panose="020B0500000000000000" pitchFamily="50" charset="-128"/>
+              </a:rPr>
+              <a:t>Display (</a:t>
+            </a:r>
+            <a:r>
+              <a:rPr lang="en-US" altLang="ja-JP" sz="1000" b="1" dirty="0">
+                <a:solidFill>
+                  <a:schemeClr val="bg1">
+                    <a:lumMod val="85000"/>
+                  </a:schemeClr>
+                </a:solidFill>
+                <a:latin typeface="游ゴシック Medium" panose="020B0500000000000000" pitchFamily="50" charset="-128"/>
+                <a:ea typeface="游ゴシック Medium" panose="020B0500000000000000" pitchFamily="50" charset="-128"/>
+              </a:rPr>
+              <a:t>n = 1)</a:t>
+            </a:r>
+            <a:endParaRPr kumimoji="1" lang="ja-JP" altLang="en-US" sz="1000" b="1" dirty="0">
+              <a:solidFill>
+                <a:schemeClr val="bg1">
+                  <a:lumMod val="85000"/>
+                </a:schemeClr>
+              </a:solidFill>
+              <a:latin typeface="游ゴシック Medium" panose="020B0500000000000000" pitchFamily="50" charset="-128"/>
+              <a:ea typeface="游ゴシック Medium" panose="020B0500000000000000" pitchFamily="50" charset="-128"/>
+            </a:endParaRPr>
+          </a:p>
+        </p:txBody>
+      </p:sp>
+      <p:sp>
+        <p:nvSpPr>
+          <p:cNvPr id="137" name="Callout: Bent Line 136">
+            <a:extLst>
+              <a:ext uri="{FF2B5EF4-FFF2-40B4-BE49-F238E27FC236}">
+                <a16:creationId xmlns:a16="http://schemas.microsoft.com/office/drawing/2014/main" id="{F51C38F5-78E0-04E7-97F2-1E1B6561BAF2}"/>
+              </a:ext>
+            </a:extLst>
+          </p:cNvPr>
+          <p:cNvSpPr/>
+          <p:nvPr/>
+        </p:nvSpPr>
+        <p:spPr>
+          <a:xfrm>
+            <a:off x="1733477" y="1203302"/>
+            <a:ext cx="2465345" cy="252000"/>
+          </a:xfrm>
+          <a:prstGeom prst="borderCallout2">
+            <a:avLst>
+              <a:gd name="adj1" fmla="val 49740"/>
+              <a:gd name="adj2" fmla="val 99610"/>
+              <a:gd name="adj3" fmla="val 48853"/>
+              <a:gd name="adj4" fmla="val 112421"/>
+              <a:gd name="adj5" fmla="val 629707"/>
+              <a:gd name="adj6" fmla="val 118895"/>
+            </a:avLst>
+          </a:prstGeom>
+          <a:solidFill>
+            <a:schemeClr val="accent6">
+              <a:lumMod val="75000"/>
+            </a:schemeClr>
+          </a:solidFill>
+          <a:ln>
+            <a:solidFill>
+              <a:schemeClr val="accent6">
+                <a:lumMod val="75000"/>
+              </a:schemeClr>
+            </a:solidFill>
+            <a:tailEnd type="oval"/>
+          </a:ln>
+        </p:spPr>
+        <p:style>
+          <a:lnRef idx="2">
+            <a:schemeClr val="accent1">
+              <a:shade val="50000"/>
+            </a:schemeClr>
+          </a:lnRef>
+          <a:fillRef idx="1">
+            <a:schemeClr val="accent1"/>
+          </a:fillRef>
+          <a:effectRef idx="0">
+            <a:schemeClr val="accent1"/>
+          </a:effectRef>
+          <a:fontRef idx="minor">
+            <a:schemeClr val="lt1"/>
+          </a:fontRef>
+        </p:style>
+        <p:txBody>
+          <a:bodyPr rtlCol="0" anchor="ctr"/>
+          <a:lstStyle/>
+          <a:p>
+            <a:pPr algn="ctr"/>
+            <a:r>
+              <a:rPr lang="en-US" altLang="ja-JP" sz="1200" b="1" dirty="0">
+                <a:solidFill>
+                  <a:schemeClr val="bg1">
+                    <a:lumMod val="95000"/>
+                  </a:schemeClr>
+                </a:solidFill>
+                <a:latin typeface="游ゴシック Medium" panose="020B0500000000000000" pitchFamily="50" charset="-128"/>
+                <a:ea typeface="游ゴシック Medium" panose="020B0500000000000000" pitchFamily="50" charset="-128"/>
+              </a:rPr>
+              <a:t>(x</a:t>
+            </a:r>
+            <a:r>
+              <a:rPr lang="en-US" altLang="ja-JP" sz="1200" b="1" baseline="-25000" dirty="0">
+                <a:solidFill>
+                  <a:schemeClr val="bg1">
+                    <a:lumMod val="95000"/>
+                  </a:schemeClr>
+                </a:solidFill>
+                <a:latin typeface="游ゴシック Medium" panose="020B0500000000000000" pitchFamily="50" charset="-128"/>
+                <a:ea typeface="游ゴシック Medium" panose="020B0500000000000000" pitchFamily="50" charset="-128"/>
+              </a:rPr>
+              <a:t>CIE1931</a:t>
+            </a:r>
+            <a:r>
+              <a:rPr lang="en-US" altLang="ja-JP" sz="1200" b="1" dirty="0">
+                <a:solidFill>
+                  <a:schemeClr val="bg1">
+                    <a:lumMod val="95000"/>
+                  </a:schemeClr>
+                </a:solidFill>
+                <a:latin typeface="游ゴシック Medium" panose="020B0500000000000000" pitchFamily="50" charset="-128"/>
+                <a:ea typeface="游ゴシック Medium" panose="020B0500000000000000" pitchFamily="50" charset="-128"/>
+              </a:rPr>
+              <a:t>, y</a:t>
+            </a:r>
+            <a:r>
+              <a:rPr lang="en-US" altLang="ja-JP" sz="1200" b="1" baseline="-25000" dirty="0">
+                <a:solidFill>
+                  <a:schemeClr val="bg1">
+                    <a:lumMod val="95000"/>
+                  </a:schemeClr>
+                </a:solidFill>
+                <a:latin typeface="游ゴシック Medium" panose="020B0500000000000000" pitchFamily="50" charset="-128"/>
+                <a:ea typeface="游ゴシック Medium" panose="020B0500000000000000" pitchFamily="50" charset="-128"/>
+              </a:rPr>
+              <a:t>CIE1931</a:t>
+            </a:r>
+            <a:r>
+              <a:rPr lang="en-US" altLang="ja-JP" sz="1200" b="1" dirty="0">
+                <a:solidFill>
+                  <a:schemeClr val="bg1">
+                    <a:lumMod val="95000"/>
+                  </a:schemeClr>
+                </a:solidFill>
+                <a:latin typeface="游ゴシック Medium" panose="020B0500000000000000" pitchFamily="50" charset="-128"/>
+                <a:ea typeface="游ゴシック Medium" panose="020B0500000000000000" pitchFamily="50" charset="-128"/>
+              </a:rPr>
+              <a:t>) = (0.313, 0.329)</a:t>
+            </a:r>
+            <a:endParaRPr lang="ja-JP" altLang="en-US" sz="1200" b="1" dirty="0">
+              <a:solidFill>
+                <a:schemeClr val="bg1">
+                  <a:lumMod val="95000"/>
+                </a:schemeClr>
+              </a:solidFill>
+              <a:latin typeface="游ゴシック Medium" panose="020B0500000000000000" pitchFamily="50" charset="-128"/>
+              <a:ea typeface="游ゴシック Medium" panose="020B0500000000000000" pitchFamily="50" charset="-128"/>
+            </a:endParaRPr>
+          </a:p>
+        </p:txBody>
+      </p:sp>
+      <p:sp>
+        <p:nvSpPr>
+          <p:cNvPr id="138" name="Callout: Bent Line 137">
+            <a:extLst>
+              <a:ext uri="{FF2B5EF4-FFF2-40B4-BE49-F238E27FC236}">
+                <a16:creationId xmlns:a16="http://schemas.microsoft.com/office/drawing/2014/main" id="{20A6B817-A5BA-4BBA-AB7D-132FA112E409}"/>
+              </a:ext>
+            </a:extLst>
+          </p:cNvPr>
+          <p:cNvSpPr/>
+          <p:nvPr/>
+        </p:nvSpPr>
+        <p:spPr>
+          <a:xfrm>
+            <a:off x="7203317" y="5348630"/>
+            <a:ext cx="1833738" cy="252000"/>
+          </a:xfrm>
+          <a:prstGeom prst="borderCallout2">
+            <a:avLst>
+              <a:gd name="adj1" fmla="val 55036"/>
+              <a:gd name="adj2" fmla="val 2637"/>
+              <a:gd name="adj3" fmla="val 56548"/>
+              <a:gd name="adj4" fmla="val -21654"/>
+              <a:gd name="adj5" fmla="val -413038"/>
+              <a:gd name="adj6" fmla="val -62375"/>
+            </a:avLst>
+          </a:prstGeom>
+          <a:solidFill>
+            <a:srgbClr val="C00000"/>
+          </a:solidFill>
+          <a:ln>
+            <a:solidFill>
+              <a:srgbClr val="C00000"/>
+            </a:solidFill>
+            <a:tailEnd type="oval"/>
+          </a:ln>
+        </p:spPr>
+        <p:style>
+          <a:lnRef idx="2">
+            <a:schemeClr val="accent1">
+              <a:shade val="50000"/>
+            </a:schemeClr>
+          </a:lnRef>
+          <a:fillRef idx="1">
+            <a:schemeClr val="accent1"/>
+          </a:fillRef>
+          <a:effectRef idx="0">
+            <a:schemeClr val="accent1"/>
+          </a:effectRef>
+          <a:fontRef idx="minor">
+            <a:schemeClr val="lt1"/>
+          </a:fontRef>
+        </p:style>
+        <p:txBody>
+          <a:bodyPr rtlCol="0" anchor="ctr"/>
+          <a:lstStyle/>
+          <a:p>
+            <a:pPr algn="ctr"/>
+            <a:r>
+              <a:rPr lang="en-US" altLang="ja-JP" sz="1200" b="1" dirty="0">
+                <a:solidFill>
+                  <a:schemeClr val="bg1">
+                    <a:lumMod val="95000"/>
+                  </a:schemeClr>
+                </a:solidFill>
+                <a:latin typeface="游ゴシック Medium" panose="020B0500000000000000" pitchFamily="50" charset="-128"/>
+                <a:ea typeface="游ゴシック Medium" panose="020B0500000000000000" pitchFamily="50" charset="-128"/>
+              </a:rPr>
+              <a:t>(x</a:t>
+            </a:r>
+            <a:r>
+              <a:rPr lang="en-US" altLang="ja-JP" sz="1200" b="1" baseline="-25000" dirty="0">
+                <a:solidFill>
+                  <a:schemeClr val="bg1">
+                    <a:lumMod val="95000"/>
+                  </a:schemeClr>
+                </a:solidFill>
+                <a:latin typeface="游ゴシック Medium" panose="020B0500000000000000" pitchFamily="50" charset="-128"/>
+                <a:ea typeface="游ゴシック Medium" panose="020B0500000000000000" pitchFamily="50" charset="-128"/>
+              </a:rPr>
+              <a:t>p</a:t>
+            </a:r>
+            <a:r>
+              <a:rPr lang="en-US" altLang="ja-JP" sz="1200" b="1" dirty="0">
+                <a:solidFill>
+                  <a:schemeClr val="bg1">
+                    <a:lumMod val="95000"/>
+                  </a:schemeClr>
+                </a:solidFill>
+                <a:latin typeface="游ゴシック Medium" panose="020B0500000000000000" pitchFamily="50" charset="-128"/>
+                <a:ea typeface="游ゴシック Medium" panose="020B0500000000000000" pitchFamily="50" charset="-128"/>
+              </a:rPr>
+              <a:t>, </a:t>
+            </a:r>
+            <a:r>
+              <a:rPr lang="en-US" altLang="ja-JP" sz="1200" b="1" dirty="0" err="1">
+                <a:solidFill>
+                  <a:schemeClr val="bg1">
+                    <a:lumMod val="95000"/>
+                  </a:schemeClr>
+                </a:solidFill>
+                <a:latin typeface="游ゴシック Medium" panose="020B0500000000000000" pitchFamily="50" charset="-128"/>
+                <a:ea typeface="游ゴシック Medium" panose="020B0500000000000000" pitchFamily="50" charset="-128"/>
+              </a:rPr>
+              <a:t>y</a:t>
+            </a:r>
+            <a:r>
+              <a:rPr lang="en-US" altLang="ja-JP" sz="1200" b="1" baseline="-25000" dirty="0" err="1">
+                <a:solidFill>
+                  <a:schemeClr val="bg1">
+                    <a:lumMod val="95000"/>
+                  </a:schemeClr>
+                </a:solidFill>
+                <a:latin typeface="游ゴシック Medium" panose="020B0500000000000000" pitchFamily="50" charset="-128"/>
+                <a:ea typeface="游ゴシック Medium" panose="020B0500000000000000" pitchFamily="50" charset="-128"/>
+              </a:rPr>
+              <a:t>p</a:t>
+            </a:r>
+            <a:r>
+              <a:rPr lang="en-US" altLang="ja-JP" sz="1200" b="1" dirty="0">
+                <a:solidFill>
+                  <a:schemeClr val="bg1">
+                    <a:lumMod val="95000"/>
+                  </a:schemeClr>
+                </a:solidFill>
+                <a:latin typeface="游ゴシック Medium" panose="020B0500000000000000" pitchFamily="50" charset="-128"/>
+                <a:ea typeface="游ゴシック Medium" panose="020B0500000000000000" pitchFamily="50" charset="-128"/>
+              </a:rPr>
+              <a:t>) = (0.317, 0.338)</a:t>
+            </a:r>
+          </a:p>
+        </p:txBody>
+      </p:sp>
+      <p:sp>
+        <p:nvSpPr>
+          <p:cNvPr id="139" name="Callout: Bent Line 138">
+            <a:extLst>
+              <a:ext uri="{FF2B5EF4-FFF2-40B4-BE49-F238E27FC236}">
+                <a16:creationId xmlns:a16="http://schemas.microsoft.com/office/drawing/2014/main" id="{1330ED02-29E4-6EFE-F680-1E4DE4C5DDB8}"/>
+              </a:ext>
+            </a:extLst>
+          </p:cNvPr>
+          <p:cNvSpPr/>
+          <p:nvPr/>
+        </p:nvSpPr>
+        <p:spPr>
+          <a:xfrm>
+            <a:off x="1737332" y="5340592"/>
+            <a:ext cx="1795720" cy="252000"/>
+          </a:xfrm>
+          <a:prstGeom prst="borderCallout2">
+            <a:avLst>
+              <a:gd name="adj1" fmla="val 38102"/>
+              <a:gd name="adj2" fmla="val 99280"/>
+              <a:gd name="adj3" fmla="val 36288"/>
+              <a:gd name="adj4" fmla="val 119801"/>
+              <a:gd name="adj5" fmla="val -414852"/>
+              <a:gd name="adj6" fmla="val 165503"/>
+            </a:avLst>
+          </a:prstGeom>
+          <a:solidFill>
+            <a:srgbClr val="C00000"/>
+          </a:solidFill>
+          <a:ln>
+            <a:solidFill>
+              <a:srgbClr val="C00000"/>
+            </a:solidFill>
+            <a:tailEnd type="oval"/>
+          </a:ln>
+        </p:spPr>
+        <p:style>
+          <a:lnRef idx="2">
+            <a:schemeClr val="accent1">
+              <a:shade val="50000"/>
+            </a:schemeClr>
+          </a:lnRef>
+          <a:fillRef idx="1">
+            <a:schemeClr val="accent1"/>
+          </a:fillRef>
+          <a:effectRef idx="0">
+            <a:schemeClr val="accent1"/>
+          </a:effectRef>
+          <a:fontRef idx="minor">
+            <a:schemeClr val="lt1"/>
+          </a:fontRef>
+        </p:style>
+        <p:txBody>
+          <a:bodyPr rtlCol="0" anchor="ctr"/>
+          <a:lstStyle/>
+          <a:p>
+            <a:pPr algn="ctr"/>
+            <a:r>
+              <a:rPr lang="en-US" altLang="ja-JP" sz="1200" b="1" dirty="0">
+                <a:solidFill>
+                  <a:schemeClr val="bg1">
+                    <a:lumMod val="95000"/>
+                  </a:schemeClr>
+                </a:solidFill>
+                <a:latin typeface="游ゴシック Medium" panose="020B0500000000000000" pitchFamily="50" charset="-128"/>
+                <a:ea typeface="游ゴシック Medium" panose="020B0500000000000000" pitchFamily="50" charset="-128"/>
+              </a:rPr>
+              <a:t>(x</a:t>
+            </a:r>
+            <a:r>
+              <a:rPr lang="en-US" altLang="ja-JP" sz="1200" b="1" baseline="-25000" dirty="0">
+                <a:solidFill>
+                  <a:schemeClr val="bg1">
+                    <a:lumMod val="95000"/>
+                  </a:schemeClr>
+                </a:solidFill>
+                <a:latin typeface="游ゴシック Medium" panose="020B0500000000000000" pitchFamily="50" charset="-128"/>
+                <a:ea typeface="游ゴシック Medium" panose="020B0500000000000000" pitchFamily="50" charset="-128"/>
+              </a:rPr>
+              <a:t>p</a:t>
+            </a:r>
+            <a:r>
+              <a:rPr lang="en-US" altLang="ja-JP" sz="1200" b="1" dirty="0">
+                <a:solidFill>
+                  <a:schemeClr val="bg1">
+                    <a:lumMod val="95000"/>
+                  </a:schemeClr>
+                </a:solidFill>
+                <a:latin typeface="游ゴシック Medium" panose="020B0500000000000000" pitchFamily="50" charset="-128"/>
+                <a:ea typeface="游ゴシック Medium" panose="020B0500000000000000" pitchFamily="50" charset="-128"/>
+              </a:rPr>
+              <a:t>, </a:t>
+            </a:r>
+            <a:r>
+              <a:rPr lang="en-US" altLang="ja-JP" sz="1200" b="1" dirty="0" err="1">
+                <a:solidFill>
+                  <a:schemeClr val="bg1">
+                    <a:lumMod val="95000"/>
+                  </a:schemeClr>
+                </a:solidFill>
+                <a:latin typeface="游ゴシック Medium" panose="020B0500000000000000" pitchFamily="50" charset="-128"/>
+                <a:ea typeface="游ゴシック Medium" panose="020B0500000000000000" pitchFamily="50" charset="-128"/>
+              </a:rPr>
+              <a:t>y</a:t>
+            </a:r>
+            <a:r>
+              <a:rPr lang="en-US" altLang="ja-JP" sz="1200" b="1" baseline="-25000" dirty="0" err="1">
+                <a:solidFill>
+                  <a:schemeClr val="bg1">
+                    <a:lumMod val="95000"/>
+                  </a:schemeClr>
+                </a:solidFill>
+                <a:latin typeface="游ゴシック Medium" panose="020B0500000000000000" pitchFamily="50" charset="-128"/>
+                <a:ea typeface="游ゴシック Medium" panose="020B0500000000000000" pitchFamily="50" charset="-128"/>
+              </a:rPr>
+              <a:t>p</a:t>
+            </a:r>
+            <a:r>
+              <a:rPr lang="en-US" altLang="ja-JP" sz="1200" b="1" dirty="0">
+                <a:solidFill>
+                  <a:schemeClr val="bg1">
+                    <a:lumMod val="95000"/>
+                  </a:schemeClr>
+                </a:solidFill>
+                <a:latin typeface="游ゴシック Medium" panose="020B0500000000000000" pitchFamily="50" charset="-128"/>
+                <a:ea typeface="游ゴシック Medium" panose="020B0500000000000000" pitchFamily="50" charset="-128"/>
+              </a:rPr>
+              <a:t>) = (0.313, 0.330)</a:t>
+            </a:r>
+          </a:p>
+        </p:txBody>
+      </p:sp>
+      <p:cxnSp>
+        <p:nvCxnSpPr>
+          <p:cNvPr id="141" name="Straight Connector 140">
+            <a:extLst>
+              <a:ext uri="{FF2B5EF4-FFF2-40B4-BE49-F238E27FC236}">
+                <a16:creationId xmlns:a16="http://schemas.microsoft.com/office/drawing/2014/main" id="{0D86B48F-EE58-1728-B0F6-1689CBD881A1}"/>
+              </a:ext>
+            </a:extLst>
+          </p:cNvPr>
+          <p:cNvCxnSpPr/>
+          <p:nvPr/>
+        </p:nvCxnSpPr>
+        <p:spPr>
+          <a:xfrm flipH="1">
+            <a:off x="5206057" y="5287542"/>
+            <a:ext cx="172803" cy="259204"/>
+          </a:xfrm>
+          <a:prstGeom prst="line">
+            <a:avLst/>
+          </a:prstGeom>
+          <a:ln w="28575">
+            <a:solidFill>
+              <a:schemeClr val="tx1">
+                <a:lumMod val="75000"/>
+                <a:lumOff val="25000"/>
+              </a:schemeClr>
+            </a:solidFill>
+          </a:ln>
+        </p:spPr>
+        <p:style>
+          <a:lnRef idx="1">
+            <a:schemeClr val="accent1"/>
+          </a:lnRef>
+          <a:fillRef idx="0">
+            <a:schemeClr val="accent1"/>
+          </a:fillRef>
+          <a:effectRef idx="0">
+            <a:schemeClr val="accent1"/>
+          </a:effectRef>
+          <a:fontRef idx="minor">
+            <a:schemeClr val="tx1"/>
+          </a:fontRef>
+        </p:style>
+      </p:cxnSp>
+      <p:cxnSp>
+        <p:nvCxnSpPr>
+          <p:cNvPr id="142" name="Straight Connector 141">
+            <a:extLst>
+              <a:ext uri="{FF2B5EF4-FFF2-40B4-BE49-F238E27FC236}">
+                <a16:creationId xmlns:a16="http://schemas.microsoft.com/office/drawing/2014/main" id="{369DCB97-F3D4-4455-598A-18CAC50295CB}"/>
+              </a:ext>
+            </a:extLst>
+          </p:cNvPr>
+          <p:cNvCxnSpPr/>
+          <p:nvPr/>
+        </p:nvCxnSpPr>
+        <p:spPr>
+          <a:xfrm>
+            <a:off x="5378860" y="5287542"/>
+            <a:ext cx="172803" cy="259204"/>
+          </a:xfrm>
+          <a:prstGeom prst="line">
+            <a:avLst/>
+          </a:prstGeom>
+          <a:ln w="28575">
+            <a:solidFill>
+              <a:schemeClr val="tx1">
+                <a:lumMod val="75000"/>
+                <a:lumOff val="25000"/>
+              </a:schemeClr>
+            </a:solidFill>
+          </a:ln>
+        </p:spPr>
+        <p:style>
+          <a:lnRef idx="1">
+            <a:schemeClr val="accent1"/>
+          </a:lnRef>
+          <a:fillRef idx="0">
+            <a:schemeClr val="accent1"/>
+          </a:fillRef>
+          <a:effectRef idx="0">
+            <a:schemeClr val="accent1"/>
+          </a:effectRef>
+          <a:fontRef idx="minor">
+            <a:schemeClr val="tx1"/>
+          </a:fontRef>
+        </p:style>
+      </p:cxnSp>
+      <mc:AlternateContent xmlns:mc="http://schemas.openxmlformats.org/markup-compatibility/2006">
+        <mc:Choice xmlns:a14="http://schemas.microsoft.com/office/drawing/2010/main" Requires="a14">
+          <p:sp>
+            <p:nvSpPr>
+              <p:cNvPr id="144" name="TextBox 143">
+                <a:extLst>
+                  <a:ext uri="{FF2B5EF4-FFF2-40B4-BE49-F238E27FC236}">
+                    <a16:creationId xmlns:a16="http://schemas.microsoft.com/office/drawing/2014/main" id="{AB7D3304-0AEC-DEB2-F64F-F3AA678340E0}"/>
+                  </a:ext>
+                </a:extLst>
+              </p:cNvPr>
+              <p:cNvSpPr txBox="1"/>
+              <p:nvPr/>
+            </p:nvSpPr>
+            <p:spPr>
+              <a:xfrm>
+                <a:off x="5001033" y="4476832"/>
+                <a:ext cx="777612" cy="369332"/>
+              </a:xfrm>
+              <a:prstGeom prst="rect">
+                <a:avLst/>
+              </a:prstGeom>
+              <a:noFill/>
+            </p:spPr>
+            <p:txBody>
+              <a:bodyPr wrap="square" rtlCol="0">
+                <a:spAutoFit/>
+              </a:bodyPr>
+              <a:lstStyle/>
+              <a:p>
+                <a:pPr/>
+                <a14:m>
+                  <m:oMathPara xmlns:m="http://schemas.openxmlformats.org/officeDocument/2006/math">
+                    <m:oMathParaPr>
+                      <m:jc m:val="centerGroup"/>
+                    </m:oMathParaPr>
+                    <m:oMath xmlns:m="http://schemas.openxmlformats.org/officeDocument/2006/math">
+                      <m:r>
+                        <a:rPr kumimoji="1" lang="en-US" altLang="ja-JP" b="1" i="1" smtClean="0">
+                          <a:solidFill>
+                            <a:schemeClr val="accent2">
+                              <a:lumMod val="60000"/>
+                              <a:lumOff val="40000"/>
+                            </a:schemeClr>
+                          </a:solidFill>
+                          <a:latin typeface="Cambria Math" panose="02040503050406030204" pitchFamily="18" charset="0"/>
+                        </a:rPr>
+                        <m:t>𝒑</m:t>
+                      </m:r>
+                    </m:oMath>
+                  </m:oMathPara>
+                </a14:m>
+                <a:endParaRPr kumimoji="1" lang="ja-JP" altLang="en-US" b="1" i="1" dirty="0">
+                  <a:solidFill>
+                    <a:schemeClr val="accent2">
+                      <a:lumMod val="60000"/>
+                      <a:lumOff val="40000"/>
+                    </a:schemeClr>
+                  </a:solidFill>
+                </a:endParaRPr>
+              </a:p>
+            </p:txBody>
+          </p:sp>
+        </mc:Choice>
+        <mc:Fallback>
+          <p:sp>
+            <p:nvSpPr>
+              <p:cNvPr id="144" name="TextBox 143">
+                <a:extLst>
+                  <a:ext uri="{FF2B5EF4-FFF2-40B4-BE49-F238E27FC236}">
+                    <a16:creationId xmlns:a16="http://schemas.microsoft.com/office/drawing/2014/main" id="{AB7D3304-0AEC-DEB2-F64F-F3AA678340E0}"/>
+                  </a:ext>
+                </a:extLst>
+              </p:cNvPr>
+              <p:cNvSpPr txBox="1">
+                <a:spLocks noRot="1" noChangeAspect="1" noMove="1" noResize="1" noEditPoints="1" noAdjustHandles="1" noChangeArrowheads="1" noChangeShapeType="1" noTextEdit="1"/>
+              </p:cNvSpPr>
+              <p:nvPr/>
+            </p:nvSpPr>
+            <p:spPr>
+              <a:xfrm>
+                <a:off x="5001033" y="4476832"/>
+                <a:ext cx="777612" cy="369332"/>
+              </a:xfrm>
+              <a:prstGeom prst="rect">
+                <a:avLst/>
+              </a:prstGeom>
+              <a:blipFill>
+                <a:blip r:embed="rId4"/>
+                <a:stretch>
+                  <a:fillRect b="-6557"/>
+                </a:stretch>
+              </a:blipFill>
+            </p:spPr>
+            <p:txBody>
+              <a:bodyPr/>
+              <a:lstStyle/>
+              <a:p>
+                <a:r>
+                  <a:rPr lang="ja-JP" altLang="en-US">
+                    <a:noFill/>
+                  </a:rPr>
+                  <a:t> </a:t>
+                </a:r>
+              </a:p>
+            </p:txBody>
+          </p:sp>
+        </mc:Fallback>
+      </mc:AlternateContent>
+      <p:pic>
+        <p:nvPicPr>
+          <p:cNvPr id="21" name="Picture 20">
+            <a:extLst>
+              <a:ext uri="{FF2B5EF4-FFF2-40B4-BE49-F238E27FC236}">
+                <a16:creationId xmlns:a16="http://schemas.microsoft.com/office/drawing/2014/main" id="{29972315-C653-D94A-4886-330E15557CAD}"/>
+              </a:ext>
+            </a:extLst>
+          </p:cNvPr>
+          <p:cNvPicPr>
+            <a:picLocks noChangeAspect="1"/>
+          </p:cNvPicPr>
+          <p:nvPr/>
+        </p:nvPicPr>
+        <p:blipFill>
+          <a:blip r:embed="rId5">
+            <a:extLst>
+              <a:ext uri="{28A0092B-C50C-407E-A947-70E740481C1C}">
+                <a14:useLocalDpi xmlns:a14="http://schemas.microsoft.com/office/drawing/2010/main" val="0"/>
+              </a:ext>
+            </a:extLst>
+          </a:blip>
+          <a:stretch>
+            <a:fillRect/>
+          </a:stretch>
+        </p:blipFill>
+        <p:spPr>
+          <a:xfrm>
+            <a:off x="7359421" y="3025495"/>
+            <a:ext cx="1728000" cy="960982"/>
+          </a:xfrm>
+          <a:prstGeom prst="rect">
+            <a:avLst/>
+          </a:prstGeom>
+        </p:spPr>
+      </p:pic>
+      <p:pic>
+        <p:nvPicPr>
+          <p:cNvPr id="71" name="Picture 70">
+            <a:extLst>
+              <a:ext uri="{FF2B5EF4-FFF2-40B4-BE49-F238E27FC236}">
+                <a16:creationId xmlns:a16="http://schemas.microsoft.com/office/drawing/2014/main" id="{CAFB9DC3-59C9-9588-BE3C-881E5318937D}"/>
+              </a:ext>
+            </a:extLst>
+          </p:cNvPr>
+          <p:cNvPicPr>
+            <a:picLocks noChangeAspect="1"/>
+          </p:cNvPicPr>
+          <p:nvPr/>
+        </p:nvPicPr>
+        <p:blipFill>
+          <a:blip r:embed="rId6">
+            <a:extLst>
+              <a:ext uri="{28A0092B-C50C-407E-A947-70E740481C1C}">
+                <a14:useLocalDpi xmlns:a14="http://schemas.microsoft.com/office/drawing/2010/main" val="0"/>
+              </a:ext>
+            </a:extLst>
+          </a:blip>
+          <a:stretch>
+            <a:fillRect/>
+          </a:stretch>
+        </p:blipFill>
+        <p:spPr>
+          <a:xfrm>
+            <a:off x="1784888" y="3107088"/>
+            <a:ext cx="1466694" cy="941974"/>
+          </a:xfrm>
+          <a:prstGeom prst="rect">
+            <a:avLst/>
+          </a:prstGeom>
+        </p:spPr>
+      </p:pic>
+      <p:cxnSp>
+        <p:nvCxnSpPr>
+          <p:cNvPr id="112" name="Straight Arrow Connector 111">
+            <a:extLst>
+              <a:ext uri="{FF2B5EF4-FFF2-40B4-BE49-F238E27FC236}">
+                <a16:creationId xmlns:a16="http://schemas.microsoft.com/office/drawing/2014/main" id="{13DE633F-09FF-AAAB-9395-01AF0906C077}"/>
+              </a:ext>
+            </a:extLst>
+          </p:cNvPr>
+          <p:cNvCxnSpPr>
+            <a:cxnSpLocks/>
+            <a:stCxn id="5" idx="2"/>
+          </p:cNvCxnSpPr>
+          <p:nvPr/>
+        </p:nvCxnSpPr>
+        <p:spPr>
+          <a:xfrm flipH="1">
+            <a:off x="2503281" y="2585832"/>
+            <a:ext cx="2879908" cy="718108"/>
+          </a:xfrm>
+          <a:prstGeom prst="straightConnector1">
+            <a:avLst/>
+          </a:prstGeom>
+          <a:ln w="28575">
+            <a:solidFill>
+              <a:schemeClr val="accent6">
+                <a:lumMod val="75000"/>
+              </a:schemeClr>
+            </a:solidFill>
+            <a:tailEnd type="triangle"/>
+          </a:ln>
+        </p:spPr>
+        <p:style>
+          <a:lnRef idx="1">
+            <a:schemeClr val="accent1"/>
+          </a:lnRef>
+          <a:fillRef idx="0">
+            <a:schemeClr val="accent1"/>
+          </a:fillRef>
+          <a:effectRef idx="0">
+            <a:schemeClr val="accent1"/>
+          </a:effectRef>
+          <a:fontRef idx="minor">
+            <a:schemeClr val="tx1"/>
+          </a:fontRef>
+        </p:style>
+      </p:cxnSp>
+      <p:cxnSp>
+        <p:nvCxnSpPr>
+          <p:cNvPr id="123" name="Straight Arrow Connector 122">
+            <a:extLst>
+              <a:ext uri="{FF2B5EF4-FFF2-40B4-BE49-F238E27FC236}">
+                <a16:creationId xmlns:a16="http://schemas.microsoft.com/office/drawing/2014/main" id="{8BA7B16C-56BD-C184-E528-1A25BCF26D7B}"/>
+              </a:ext>
+            </a:extLst>
+          </p:cNvPr>
+          <p:cNvCxnSpPr>
+            <a:cxnSpLocks/>
+            <a:stCxn id="75" idx="0"/>
+          </p:cNvCxnSpPr>
+          <p:nvPr/>
+        </p:nvCxnSpPr>
+        <p:spPr>
+          <a:xfrm flipH="1" flipV="1">
+            <a:off x="2498952" y="3710300"/>
+            <a:ext cx="2879908" cy="791279"/>
+          </a:xfrm>
+          <a:prstGeom prst="straightConnector1">
+            <a:avLst/>
+          </a:prstGeom>
+          <a:ln w="28575">
+            <a:solidFill>
+              <a:srgbClr val="C00000"/>
+            </a:solidFill>
+            <a:tailEnd type="triangle"/>
+          </a:ln>
+        </p:spPr>
+        <p:style>
+          <a:lnRef idx="1">
+            <a:schemeClr val="accent1"/>
+          </a:lnRef>
+          <a:fillRef idx="0">
+            <a:schemeClr val="accent1"/>
+          </a:fillRef>
+          <a:effectRef idx="0">
+            <a:schemeClr val="accent1"/>
+          </a:effectRef>
+          <a:fontRef idx="minor">
+            <a:schemeClr val="tx1"/>
+          </a:fontRef>
+        </p:style>
+      </p:cxnSp>
+      <p:cxnSp>
+        <p:nvCxnSpPr>
+          <p:cNvPr id="114" name="Straight Arrow Connector 113">
+            <a:extLst>
+              <a:ext uri="{FF2B5EF4-FFF2-40B4-BE49-F238E27FC236}">
+                <a16:creationId xmlns:a16="http://schemas.microsoft.com/office/drawing/2014/main" id="{3432F9A8-730B-66E0-104D-A354291B6514}"/>
+              </a:ext>
+            </a:extLst>
+          </p:cNvPr>
+          <p:cNvCxnSpPr>
+            <a:cxnSpLocks/>
+            <a:stCxn id="5" idx="2"/>
+          </p:cNvCxnSpPr>
+          <p:nvPr/>
+        </p:nvCxnSpPr>
+        <p:spPr>
+          <a:xfrm>
+            <a:off x="5383189" y="2585832"/>
+            <a:ext cx="2842220" cy="662696"/>
+          </a:xfrm>
+          <a:prstGeom prst="straightConnector1">
+            <a:avLst/>
+          </a:prstGeom>
+          <a:ln w="28575">
+            <a:solidFill>
+              <a:schemeClr val="accent6">
+                <a:lumMod val="75000"/>
+              </a:schemeClr>
+            </a:solidFill>
+            <a:tailEnd type="triangle"/>
+          </a:ln>
+        </p:spPr>
+        <p:style>
+          <a:lnRef idx="1">
+            <a:schemeClr val="accent1"/>
+          </a:lnRef>
+          <a:fillRef idx="0">
+            <a:schemeClr val="accent1"/>
+          </a:fillRef>
+          <a:effectRef idx="0">
+            <a:schemeClr val="accent1"/>
+          </a:effectRef>
+          <a:fontRef idx="minor">
+            <a:schemeClr val="tx1"/>
+          </a:fontRef>
+        </p:style>
+      </p:cxnSp>
+      <p:cxnSp>
+        <p:nvCxnSpPr>
+          <p:cNvPr id="117" name="Straight Arrow Connector 116">
+            <a:extLst>
+              <a:ext uri="{FF2B5EF4-FFF2-40B4-BE49-F238E27FC236}">
+                <a16:creationId xmlns:a16="http://schemas.microsoft.com/office/drawing/2014/main" id="{831A53CA-F686-335D-CEB5-889E4EEE60FD}"/>
+              </a:ext>
+            </a:extLst>
+          </p:cNvPr>
+          <p:cNvCxnSpPr>
+            <a:cxnSpLocks/>
+            <a:stCxn id="75" idx="0"/>
+          </p:cNvCxnSpPr>
+          <p:nvPr/>
+        </p:nvCxnSpPr>
+        <p:spPr>
+          <a:xfrm flipV="1">
+            <a:off x="5378860" y="3507120"/>
+            <a:ext cx="2879908" cy="994459"/>
+          </a:xfrm>
+          <a:prstGeom prst="straightConnector1">
+            <a:avLst/>
+          </a:prstGeom>
+          <a:ln w="28575">
+            <a:solidFill>
+              <a:srgbClr val="C00000"/>
+            </a:solidFill>
+            <a:tailEnd type="triangle"/>
+          </a:ln>
+        </p:spPr>
+        <p:style>
+          <a:lnRef idx="1">
+            <a:schemeClr val="accent1"/>
+          </a:lnRef>
+          <a:fillRef idx="0">
+            <a:schemeClr val="accent1"/>
+          </a:fillRef>
+          <a:effectRef idx="0">
+            <a:schemeClr val="accent1"/>
+          </a:effectRef>
+          <a:fontRef idx="minor">
+            <a:schemeClr val="tx1"/>
+          </a:fontRef>
+        </p:style>
+      </p:cxnSp>
+    </p:spTree>
+    <p:extLst>
+      <p:ext uri="{BB962C8B-B14F-4D97-AF65-F5344CB8AC3E}">
+        <p14:creationId xmlns:p14="http://schemas.microsoft.com/office/powerpoint/2010/main" val="2738588739"/>
       </p:ext>
     </p:extLst>
   </p:cSld>
@@ -11216,8 +16380,8 @@
         </p:nvSpPr>
         <p:spPr>
           <a:xfrm>
-            <a:off x="1389591" y="126875"/>
-            <a:ext cx="7933793" cy="6604249"/>
+            <a:off x="1365528" y="932761"/>
+            <a:ext cx="7991208" cy="5037891"/>
           </a:xfrm>
           <a:prstGeom prst="rect">
             <a:avLst/>
@@ -11257,7 +16421,7 @@
           <a:lstStyle/>
           <a:p>
             <a:pPr algn="ctr"/>
-            <a:endParaRPr kumimoji="1" lang="ja-JP" altLang="en-US" sz="1000" b="1">
+            <a:endParaRPr kumimoji="1" lang="ja-JP" altLang="en-US" sz="1000" b="1" dirty="0">
               <a:solidFill>
                 <a:schemeClr val="bg1">
                   <a:lumMod val="85000"/>
@@ -11271,7 +16435,7 @@
       </p:sp>
       <p:sp>
         <p:nvSpPr>
-          <p:cNvPr id="136" name="Speech Bubble: Rectangle 135">
+          <p:cNvPr id="136" name="Callout: Bent Line 135">
             <a:extLst>
               <a:ext uri="{FF2B5EF4-FFF2-40B4-BE49-F238E27FC236}">
                 <a16:creationId xmlns:a16="http://schemas.microsoft.com/office/drawing/2014/main" id="{2A012027-C814-1ABC-DF60-77871371A222}"/>
@@ -11283,13 +16447,17 @@
         </p:nvSpPr>
         <p:spPr>
           <a:xfrm>
-            <a:off x="6359193" y="1971891"/>
+            <a:off x="6571710" y="1199821"/>
             <a:ext cx="2465345" cy="252000"/>
           </a:xfrm>
-          <a:prstGeom prst="wedgeRectCallout">
+          <a:prstGeom prst="borderCallout2">
             <a:avLst>
-              <a:gd name="adj1" fmla="val -55370"/>
-              <a:gd name="adj2" fmla="val 54668"/>
+              <a:gd name="adj1" fmla="val 49996"/>
+              <a:gd name="adj2" fmla="val -194"/>
+              <a:gd name="adj3" fmla="val 51004"/>
+              <a:gd name="adj4" fmla="val -8837"/>
+              <a:gd name="adj5" fmla="val 640457"/>
+              <a:gd name="adj6" fmla="val -19715"/>
             </a:avLst>
           </a:prstGeom>
           <a:solidFill>
@@ -11298,7 +16466,12 @@
             </a:schemeClr>
           </a:solidFill>
           <a:ln>
-            <a:noFill/>
+            <a:solidFill>
+              <a:schemeClr val="accent6">
+                <a:lumMod val="75000"/>
+              </a:schemeClr>
+            </a:solidFill>
+            <a:tailEnd type="oval"/>
           </a:ln>
         </p:spPr>
         <p:style>
@@ -11394,137 +16567,124 @@
           </a:p>
         </p:txBody>
       </p:sp>
-      <p:grpSp>
-        <p:nvGrpSpPr>
-          <p:cNvPr id="74" name="Group 73">
+      <p:sp>
+        <p:nvSpPr>
+          <p:cNvPr id="4" name="Rectangle 3">
             <a:extLst>
               <a:ext uri="{FF2B5EF4-FFF2-40B4-BE49-F238E27FC236}">
-                <a16:creationId xmlns:a16="http://schemas.microsoft.com/office/drawing/2014/main" id="{5762D956-C9BA-8F9C-76DD-D664D44FBB9B}"/>
+                <a16:creationId xmlns:a16="http://schemas.microsoft.com/office/drawing/2014/main" id="{A887141A-C174-7C95-5733-330565D1B548}"/>
               </a:ext>
             </a:extLst>
           </p:cNvPr>
-          <p:cNvGrpSpPr/>
+          <p:cNvSpPr/>
           <p:nvPr/>
-        </p:nvGrpSpPr>
-        <p:grpSpPr>
+        </p:nvSpPr>
+        <p:spPr>
           <a:xfrm>
-            <a:off x="4994383" y="571204"/>
-            <a:ext cx="777612" cy="1166418"/>
-            <a:chOff x="4411174" y="836960"/>
-            <a:chExt cx="518408" cy="777612"/>
+            <a:off x="4994383" y="1419414"/>
+            <a:ext cx="777612" cy="972015"/>
           </a:xfrm>
-        </p:grpSpPr>
-        <p:sp>
-          <p:nvSpPr>
-            <p:cNvPr id="4" name="Rectangle 3">
-              <a:extLst>
-                <a:ext uri="{FF2B5EF4-FFF2-40B4-BE49-F238E27FC236}">
-                  <a16:creationId xmlns:a16="http://schemas.microsoft.com/office/drawing/2014/main" id="{A887141A-C174-7C95-5733-330565D1B548}"/>
-                </a:ext>
-              </a:extLst>
-            </p:cNvPr>
-            <p:cNvSpPr/>
-            <p:nvPr/>
-          </p:nvSpPr>
-          <p:spPr>
-            <a:xfrm>
-              <a:off x="4411174" y="836960"/>
-              <a:ext cx="518408" cy="648010"/>
-            </a:xfrm>
-            <a:prstGeom prst="rect">
-              <a:avLst/>
-            </a:prstGeom>
+          <a:prstGeom prst="rect">
+            <a:avLst/>
+          </a:prstGeom>
+          <a:solidFill>
+            <a:schemeClr val="tx1">
+              <a:lumMod val="95000"/>
+              <a:lumOff val="5000"/>
+            </a:schemeClr>
+          </a:solidFill>
+          <a:ln>
             <a:solidFill>
-              <a:schemeClr val="tx1">
-                <a:lumMod val="75000"/>
-                <a:lumOff val="25000"/>
+              <a:schemeClr val="bg1">
+                <a:lumMod val="65000"/>
               </a:schemeClr>
             </a:solidFill>
-            <a:ln>
-              <a:noFill/>
-            </a:ln>
-          </p:spPr>
-          <p:style>
-            <a:lnRef idx="2">
-              <a:schemeClr val="accent1">
-                <a:shade val="50000"/>
-              </a:schemeClr>
-            </a:lnRef>
-            <a:fillRef idx="1">
-              <a:schemeClr val="accent1"/>
-            </a:fillRef>
-            <a:effectRef idx="0">
-              <a:schemeClr val="accent1"/>
-            </a:effectRef>
-            <a:fontRef idx="minor">
-              <a:schemeClr val="lt1"/>
-            </a:fontRef>
-          </p:style>
-          <p:txBody>
-            <a:bodyPr rtlCol="0" anchor="ctr"/>
-            <a:lstStyle/>
-            <a:p>
-              <a:pPr algn="ctr"/>
-              <a:endParaRPr kumimoji="1" lang="ja-JP" altLang="en-US"/>
-            </a:p>
-          </p:txBody>
-        </p:sp>
-        <p:sp>
-          <p:nvSpPr>
-            <p:cNvPr id="5" name="Rectangle 4">
-              <a:extLst>
-                <a:ext uri="{FF2B5EF4-FFF2-40B4-BE49-F238E27FC236}">
-                  <a16:creationId xmlns:a16="http://schemas.microsoft.com/office/drawing/2014/main" id="{40EA5001-EAB5-2D2C-D19E-74C1296B59F8}"/>
-                </a:ext>
-              </a:extLst>
-            </p:cNvPr>
-            <p:cNvSpPr/>
-            <p:nvPr/>
-          </p:nvSpPr>
-          <p:spPr>
-            <a:xfrm>
-              <a:off x="4562378" y="1484970"/>
-              <a:ext cx="216000" cy="129602"/>
-            </a:xfrm>
-            <a:prstGeom prst="rect">
-              <a:avLst/>
-            </a:prstGeom>
+          </a:ln>
+        </p:spPr>
+        <p:style>
+          <a:lnRef idx="2">
+            <a:schemeClr val="accent1">
+              <a:shade val="50000"/>
+            </a:schemeClr>
+          </a:lnRef>
+          <a:fillRef idx="1">
+            <a:schemeClr val="accent1"/>
+          </a:fillRef>
+          <a:effectRef idx="0">
+            <a:schemeClr val="accent1"/>
+          </a:effectRef>
+          <a:fontRef idx="minor">
+            <a:schemeClr val="lt1"/>
+          </a:fontRef>
+        </p:style>
+        <p:txBody>
+          <a:bodyPr rtlCol="0" anchor="ctr"/>
+          <a:lstStyle/>
+          <a:p>
+            <a:pPr algn="ctr"/>
+            <a:endParaRPr kumimoji="1" lang="ja-JP" altLang="en-US"/>
+          </a:p>
+        </p:txBody>
+      </p:sp>
+      <p:sp>
+        <p:nvSpPr>
+          <p:cNvPr id="5" name="Rectangle 4">
+            <a:extLst>
+              <a:ext uri="{FF2B5EF4-FFF2-40B4-BE49-F238E27FC236}">
+                <a16:creationId xmlns:a16="http://schemas.microsoft.com/office/drawing/2014/main" id="{40EA5001-EAB5-2D2C-D19E-74C1296B59F8}"/>
+              </a:ext>
+            </a:extLst>
+          </p:cNvPr>
+          <p:cNvSpPr/>
+          <p:nvPr/>
+        </p:nvSpPr>
+        <p:spPr>
+          <a:xfrm>
+            <a:off x="5221189" y="2391429"/>
+            <a:ext cx="324000" cy="194403"/>
+          </a:xfrm>
+          <a:prstGeom prst="rect">
+            <a:avLst/>
+          </a:prstGeom>
+          <a:solidFill>
+            <a:schemeClr val="tx1">
+              <a:lumMod val="95000"/>
+              <a:lumOff val="5000"/>
+            </a:schemeClr>
+          </a:solidFill>
+          <a:ln>
             <a:solidFill>
-              <a:schemeClr val="tx1">
-                <a:lumMod val="75000"/>
-                <a:lumOff val="25000"/>
+              <a:schemeClr val="bg1">
+                <a:lumMod val="65000"/>
               </a:schemeClr>
             </a:solidFill>
-            <a:ln>
-              <a:noFill/>
-            </a:ln>
-          </p:spPr>
-          <p:style>
-            <a:lnRef idx="2">
-              <a:schemeClr val="accent1">
-                <a:shade val="50000"/>
-              </a:schemeClr>
-            </a:lnRef>
-            <a:fillRef idx="1">
-              <a:schemeClr val="accent1"/>
-            </a:fillRef>
-            <a:effectRef idx="0">
-              <a:schemeClr val="accent1"/>
-            </a:effectRef>
-            <a:fontRef idx="minor">
-              <a:schemeClr val="lt1"/>
-            </a:fontRef>
-          </p:style>
-          <p:txBody>
-            <a:bodyPr rtlCol="0" anchor="ctr"/>
-            <a:lstStyle/>
-            <a:p>
-              <a:pPr algn="ctr"/>
-              <a:endParaRPr kumimoji="1" lang="ja-JP" altLang="en-US"/>
-            </a:p>
-          </p:txBody>
-        </p:sp>
-      </p:grpSp>
+          </a:ln>
+        </p:spPr>
+        <p:style>
+          <a:lnRef idx="2">
+            <a:schemeClr val="accent1">
+              <a:shade val="50000"/>
+            </a:schemeClr>
+          </a:lnRef>
+          <a:fillRef idx="1">
+            <a:schemeClr val="accent1"/>
+          </a:fillRef>
+          <a:effectRef idx="0">
+            <a:schemeClr val="accent1"/>
+          </a:effectRef>
+          <a:fontRef idx="minor">
+            <a:schemeClr val="lt1"/>
+          </a:fontRef>
+        </p:style>
+        <p:txBody>
+          <a:bodyPr rtlCol="0" anchor="ctr"/>
+          <a:lstStyle/>
+          <a:p>
+            <a:pPr algn="ctr"/>
+            <a:endParaRPr kumimoji="1" lang="ja-JP" altLang="en-US"/>
+          </a:p>
+        </p:txBody>
+      </p:sp>
       <p:sp>
         <p:nvSpPr>
           <p:cNvPr id="6" name="Rectangle: Rounded Corners 5">
@@ -11539,7 +16699,7 @@
         </p:nvSpPr>
         <p:spPr>
           <a:xfrm>
-            <a:off x="4735179" y="250801"/>
+            <a:off x="4730850" y="1039232"/>
             <a:ext cx="1296020" cy="252000"/>
           </a:xfrm>
           <a:prstGeom prst="roundRect">
@@ -14261,7 +19421,7 @@
         </p:nvSpPr>
         <p:spPr>
           <a:xfrm>
-            <a:off x="5186860" y="5236876"/>
+            <a:off x="5186860" y="4501579"/>
             <a:ext cx="384000" cy="384000"/>
           </a:xfrm>
           <a:prstGeom prst="ellipse">
@@ -14318,7 +19478,7 @@
         </p:nvCxnSpPr>
         <p:spPr>
           <a:xfrm>
-            <a:off x="5369944" y="5610369"/>
+            <a:off x="5369944" y="4875072"/>
             <a:ext cx="8916" cy="417492"/>
           </a:xfrm>
           <a:prstGeom prst="line">
@@ -14362,7 +19522,7 @@
         </p:nvCxnSpPr>
         <p:spPr>
           <a:xfrm>
-            <a:off x="5378860" y="5809264"/>
+            <a:off x="5378860" y="5073967"/>
             <a:ext cx="259204" cy="0"/>
           </a:xfrm>
           <a:prstGeom prst="line">
@@ -14406,7 +19566,7 @@
         </p:nvCxnSpPr>
         <p:spPr>
           <a:xfrm>
-            <a:off x="5122267" y="5809264"/>
+            <a:off x="5122267" y="5073967"/>
             <a:ext cx="259204" cy="0"/>
           </a:xfrm>
           <a:prstGeom prst="line">
@@ -14436,8 +19596,8 @@
           </a:fontRef>
         </p:style>
       </p:cxnSp>
-      <mc:AlternateContent xmlns:mc="http://schemas.openxmlformats.org/markup-compatibility/2006" xmlns:a14="http://schemas.microsoft.com/office/drawing/2010/main">
-        <mc:Choice Requires="a14">
+      <mc:AlternateContent xmlns:mc="http://schemas.openxmlformats.org/markup-compatibility/2006">
+        <mc:Choice xmlns:a14="http://schemas.microsoft.com/office/drawing/2010/main" Requires="a14">
           <p:sp>
             <p:nvSpPr>
               <p:cNvPr id="90" name="Rectangle: Rounded Corners 89">
@@ -14452,7 +19612,7 @@
             </p:nvSpPr>
             <p:spPr>
               <a:xfrm>
-                <a:off x="4735179" y="6338692"/>
+                <a:off x="4735179" y="5603395"/>
                 <a:ext cx="1296020" cy="252000"/>
               </a:xfrm>
               <a:prstGeom prst="roundRect">
@@ -14507,21 +19667,9 @@
                     <m:r>
                       <a:rPr lang="en-US" altLang="ja-JP" sz="1000" b="1" i="1" smtClean="0">
                         <a:solidFill>
-                          <a:schemeClr val="bg1">
-                            <a:lumMod val="85000"/>
-                          </a:schemeClr>
-                        </a:solidFill>
-                        <a:effectLst/>
-                        <a:latin typeface="Cambria Math" panose="02040503050406030204" pitchFamily="18" charset="0"/>
-                        <a:ea typeface="游ゴシック Medium" panose="020B0500000000000000" pitchFamily="50" charset="-128"/>
-                      </a:rPr>
-                      <m:t>(</m:t>
-                    </m:r>
-                    <m:r>
-                      <a:rPr lang="en-US" altLang="ja-JP" sz="1000" b="1" i="1" smtClean="0">
-                        <a:solidFill>
-                          <a:schemeClr val="bg1">
-                            <a:lumMod val="85000"/>
+                          <a:schemeClr val="accent2">
+                            <a:lumMod val="60000"/>
+                            <a:lumOff val="40000"/>
                           </a:schemeClr>
                         </a:solidFill>
                         <a:effectLst/>
@@ -14529,19 +19677,6 @@
                         <a:ea typeface="游ゴシック Medium" panose="020B0500000000000000" pitchFamily="50" charset="-128"/>
                       </a:rPr>
                       <m:t>𝒑</m:t>
-                    </m:r>
-                    <m:r>
-                      <a:rPr lang="en-US" altLang="ja-JP" sz="1000" b="1" i="1" smtClean="0">
-                        <a:solidFill>
-                          <a:schemeClr val="bg1">
-                            <a:lumMod val="85000"/>
-                          </a:schemeClr>
-                        </a:solidFill>
-                        <a:effectLst/>
-                        <a:latin typeface="Cambria Math" panose="02040503050406030204" pitchFamily="18" charset="0"/>
-                        <a:ea typeface="游ゴシック Medium" panose="020B0500000000000000" pitchFamily="50" charset="-128"/>
-                      </a:rPr>
-                      <m:t>)</m:t>
                     </m:r>
                   </m:oMath>
                 </a14:m>
@@ -14558,7 +19693,7 @@
             </p:txBody>
           </p:sp>
         </mc:Choice>
-        <mc:Fallback xmlns="">
+        <mc:Fallback>
           <p:sp>
             <p:nvSpPr>
               <p:cNvPr id="90" name="Rectangle: Rounded Corners 89">
@@ -14575,7 +19710,7 @@
             </p:nvSpPr>
             <p:spPr>
               <a:xfrm>
-                <a:off x="4735179" y="6338692"/>
+                <a:off x="4735179" y="5603395"/>
                 <a:ext cx="1296020" cy="252000"/>
               </a:xfrm>
               <a:prstGeom prst="roundRect">
@@ -14584,7 +19719,7 @@
               <a:blipFill>
                 <a:blip r:embed="rId2"/>
                 <a:stretch>
-                  <a:fillRect b="-12195"/>
+                  <a:fillRect b="-9524"/>
                 </a:stretch>
               </a:blipFill>
               <a:ln>
@@ -14821,7 +19956,7 @@
         </p:blipFill>
         <p:spPr>
           <a:xfrm>
-            <a:off x="2208558" y="1923029"/>
+            <a:off x="2208558" y="1978748"/>
             <a:ext cx="623972" cy="623972"/>
           </a:xfrm>
           <a:prstGeom prst="rect">
@@ -14843,7 +19978,7 @@
         </p:nvSpPr>
         <p:spPr>
           <a:xfrm>
-            <a:off x="1872534" y="1620085"/>
+            <a:off x="1872534" y="1678147"/>
             <a:ext cx="1296020" cy="252000"/>
           </a:xfrm>
           <a:prstGeom prst="roundRect">
@@ -14919,7 +20054,7 @@
         </p:nvGrpSpPr>
         <p:grpSpPr>
           <a:xfrm>
-            <a:off x="2039458" y="2619608"/>
+            <a:off x="2039458" y="2631385"/>
             <a:ext cx="974456" cy="262236"/>
             <a:chOff x="652716" y="2392184"/>
             <a:chExt cx="518408" cy="486473"/>
@@ -15165,8 +20300,8 @@
         </p:nvSpPr>
         <p:spPr>
           <a:xfrm>
-            <a:off x="1824798" y="4278983"/>
-            <a:ext cx="1296020" cy="252000"/>
+            <a:off x="1931702" y="4278983"/>
+            <a:ext cx="1082212" cy="252000"/>
           </a:xfrm>
           <a:prstGeom prst="roundRect">
             <a:avLst/>
@@ -15314,13 +20449,14 @@
           </p:cNvPr>
           <p:cNvCxnSpPr>
             <a:cxnSpLocks/>
+            <a:stCxn id="5" idx="2"/>
           </p:cNvCxnSpPr>
           <p:nvPr/>
         </p:nvCxnSpPr>
         <p:spPr>
           <a:xfrm flipH="1">
-            <a:off x="2520544" y="1752501"/>
-            <a:ext cx="2862509" cy="1676499"/>
+            <a:off x="2509879" y="2585832"/>
+            <a:ext cx="2873310" cy="888279"/>
           </a:xfrm>
           <a:prstGeom prst="straightConnector1">
             <a:avLst/>
@@ -15366,8 +20502,8 @@
         </p:nvCxnSpPr>
         <p:spPr>
           <a:xfrm>
-            <a:off x="5383189" y="1737622"/>
-            <a:ext cx="2837743" cy="1706257"/>
+            <a:off x="5383189" y="2585832"/>
+            <a:ext cx="2842221" cy="857181"/>
           </a:xfrm>
           <a:prstGeom prst="straightConnector1">
             <a:avLst/>
@@ -15413,8 +20549,8 @@
         </p:nvCxnSpPr>
         <p:spPr>
           <a:xfrm flipV="1">
-            <a:off x="5378860" y="3675101"/>
-            <a:ext cx="2842072" cy="1561775"/>
+            <a:off x="5378860" y="3587672"/>
+            <a:ext cx="2858079" cy="913907"/>
           </a:xfrm>
           <a:prstGeom prst="straightConnector1">
             <a:avLst/>
@@ -15458,8 +20594,8 @@
         </p:nvCxnSpPr>
         <p:spPr>
           <a:xfrm flipH="1" flipV="1">
-            <a:off x="2531843" y="3675101"/>
-            <a:ext cx="2847017" cy="1561775"/>
+            <a:off x="2516418" y="3625535"/>
+            <a:ext cx="2862442" cy="876044"/>
           </a:xfrm>
           <a:prstGeom prst="straightConnector1">
             <a:avLst/>
@@ -15488,7 +20624,7 @@
       </p:cxnSp>
       <p:sp>
         <p:nvSpPr>
-          <p:cNvPr id="137" name="Speech Bubble: Rectangle 136">
+          <p:cNvPr id="137" name="Callout: Bent Line 136">
             <a:extLst>
               <a:ext uri="{FF2B5EF4-FFF2-40B4-BE49-F238E27FC236}">
                 <a16:creationId xmlns:a16="http://schemas.microsoft.com/office/drawing/2014/main" id="{F51C38F5-78E0-04E7-97F2-1E1B6561BAF2}"/>
@@ -15500,13 +20636,17 @@
         </p:nvSpPr>
         <p:spPr>
           <a:xfrm>
-            <a:off x="4019460" y="2652040"/>
+            <a:off x="1733477" y="1203302"/>
             <a:ext cx="2465345" cy="252000"/>
           </a:xfrm>
-          <a:prstGeom prst="wedgeRectCallout">
+          <a:prstGeom prst="borderCallout2">
             <a:avLst>
-              <a:gd name="adj1" fmla="val -56415"/>
-              <a:gd name="adj2" fmla="val -52496"/>
+              <a:gd name="adj1" fmla="val 49740"/>
+              <a:gd name="adj2" fmla="val 99610"/>
+              <a:gd name="adj3" fmla="val 48853"/>
+              <a:gd name="adj4" fmla="val 112421"/>
+              <a:gd name="adj5" fmla="val 629707"/>
+              <a:gd name="adj6" fmla="val 118895"/>
             </a:avLst>
           </a:prstGeom>
           <a:solidFill>
@@ -15515,7 +20655,12 @@
             </a:schemeClr>
           </a:solidFill>
           <a:ln>
-            <a:noFill/>
+            <a:solidFill>
+              <a:schemeClr val="accent6">
+                <a:lumMod val="75000"/>
+              </a:schemeClr>
+            </a:solidFill>
+            <a:tailEnd type="oval"/>
           </a:ln>
         </p:spPr>
         <p:style>
@@ -15613,7 +20758,7 @@
       </p:sp>
       <p:sp>
         <p:nvSpPr>
-          <p:cNvPr id="138" name="Speech Bubble: Rectangle 137">
+          <p:cNvPr id="138" name="Callout: Bent Line 137">
             <a:extLst>
               <a:ext uri="{FF2B5EF4-FFF2-40B4-BE49-F238E27FC236}">
                 <a16:creationId xmlns:a16="http://schemas.microsoft.com/office/drawing/2014/main" id="{20A6B817-A5BA-4BBA-AB7D-132FA112E409}"/>
@@ -15625,20 +20770,27 @@
         </p:nvSpPr>
         <p:spPr>
           <a:xfrm>
-            <a:off x="5970645" y="5028917"/>
+            <a:off x="7203317" y="5348630"/>
             <a:ext cx="1833738" cy="252000"/>
           </a:xfrm>
-          <a:prstGeom prst="wedgeRectCallout">
+          <a:prstGeom prst="borderCallout2">
             <a:avLst>
-              <a:gd name="adj1" fmla="val -59926"/>
-              <a:gd name="adj2" fmla="val -49959"/>
+              <a:gd name="adj1" fmla="val 55036"/>
+              <a:gd name="adj2" fmla="val 2637"/>
+              <a:gd name="adj3" fmla="val 56548"/>
+              <a:gd name="adj4" fmla="val -21654"/>
+              <a:gd name="adj5" fmla="val -413038"/>
+              <a:gd name="adj6" fmla="val -62375"/>
             </a:avLst>
           </a:prstGeom>
           <a:solidFill>
             <a:srgbClr val="C00000"/>
           </a:solidFill>
           <a:ln>
-            <a:noFill/>
+            <a:solidFill>
+              <a:srgbClr val="C00000"/>
+            </a:solidFill>
+            <a:tailEnd type="oval"/>
           </a:ln>
         </p:spPr>
         <p:style>
@@ -15739,7 +20891,7 @@
       </p:sp>
       <p:sp>
         <p:nvSpPr>
-          <p:cNvPr id="139" name="Speech Bubble: Rectangle 138">
+          <p:cNvPr id="139" name="Callout: Bent Line 138">
             <a:extLst>
               <a:ext uri="{FF2B5EF4-FFF2-40B4-BE49-F238E27FC236}">
                 <a16:creationId xmlns:a16="http://schemas.microsoft.com/office/drawing/2014/main" id="{1330ED02-29E4-6EFE-F680-1E4DE4C5DDB8}"/>
@@ -15751,20 +20903,27 @@
         </p:nvSpPr>
         <p:spPr>
           <a:xfrm>
-            <a:off x="3235709" y="5059894"/>
+            <a:off x="1737332" y="5340592"/>
             <a:ext cx="1795720" cy="252000"/>
           </a:xfrm>
-          <a:prstGeom prst="wedgeRectCallout">
+          <a:prstGeom prst="borderCallout2">
             <a:avLst>
-              <a:gd name="adj1" fmla="val 61473"/>
-              <a:gd name="adj2" fmla="val -54412"/>
+              <a:gd name="adj1" fmla="val 38102"/>
+              <a:gd name="adj2" fmla="val 99280"/>
+              <a:gd name="adj3" fmla="val 36288"/>
+              <a:gd name="adj4" fmla="val 119801"/>
+              <a:gd name="adj5" fmla="val -414852"/>
+              <a:gd name="adj6" fmla="val 165503"/>
             </a:avLst>
           </a:prstGeom>
           <a:solidFill>
             <a:srgbClr val="C00000"/>
           </a:solidFill>
           <a:ln>
-            <a:noFill/>
+            <a:solidFill>
+              <a:srgbClr val="C00000"/>
+            </a:solidFill>
+            <a:tailEnd type="oval"/>
           </a:ln>
         </p:spPr>
         <p:style>
@@ -15877,7 +21036,7 @@
         </p:nvCxnSpPr>
         <p:spPr>
           <a:xfrm flipH="1">
-            <a:off x="5206057" y="6022839"/>
+            <a:off x="5206057" y="5287542"/>
             <a:ext cx="172803" cy="259204"/>
           </a:xfrm>
           <a:prstGeom prst="line">
@@ -15921,7 +21080,7 @@
         </p:nvCxnSpPr>
         <p:spPr>
           <a:xfrm>
-            <a:off x="5378860" y="6022839"/>
+            <a:off x="5378860" y="5287542"/>
             <a:ext cx="172803" cy="259204"/>
           </a:xfrm>
           <a:prstGeom prst="line">
@@ -15951,8 +21110,8 @@
           </a:fontRef>
         </p:style>
       </p:cxnSp>
-      <mc:AlternateContent xmlns:mc="http://schemas.openxmlformats.org/markup-compatibility/2006" xmlns:a14="http://schemas.microsoft.com/office/drawing/2010/main">
-        <mc:Choice Requires="a14">
+      <mc:AlternateContent xmlns:mc="http://schemas.openxmlformats.org/markup-compatibility/2006">
+        <mc:Choice xmlns:a14="http://schemas.microsoft.com/office/drawing/2010/main" Requires="a14">
           <p:sp>
             <p:nvSpPr>
               <p:cNvPr id="144" name="TextBox 143">
@@ -15967,7 +21126,7 @@
             </p:nvSpPr>
             <p:spPr>
               <a:xfrm>
-                <a:off x="5001033" y="5212129"/>
+                <a:off x="5001033" y="4476832"/>
                 <a:ext cx="777612" cy="369332"/>
               </a:xfrm>
               <a:prstGeom prst="rect">
@@ -16003,7 +21162,7 @@
                     </m:oMath>
                   </m:oMathPara>
                 </a14:m>
-                <a:endParaRPr kumimoji="1" lang="ja-JP" altLang="en-US" b="1" dirty="0">
+                <a:endParaRPr kumimoji="1" lang="ja-JP" altLang="en-US" b="1" i="1" dirty="0">
                   <a:solidFill>
                     <a:schemeClr val="accent2">
                       <a:lumMod val="60000"/>
@@ -16015,7 +21174,7 @@
             </p:txBody>
           </p:sp>
         </mc:Choice>
-        <mc:Fallback xmlns="">
+        <mc:Fallback>
           <p:sp>
             <p:nvSpPr>
               <p:cNvPr id="144" name="TextBox 143">
@@ -16032,7 +21191,7 @@
             </p:nvSpPr>
             <p:spPr>
               <a:xfrm>
-                <a:off x="5001033" y="5212129"/>
+                <a:off x="5001033" y="4476832"/>
                 <a:ext cx="777612" cy="369332"/>
               </a:xfrm>
               <a:prstGeom prst="rect">
@@ -16104,8 +21263,8 @@
         </p:nvSpPr>
         <p:spPr>
           <a:xfrm>
-            <a:off x="1458399" y="3825"/>
-            <a:ext cx="7840921" cy="6604249"/>
+            <a:off x="1365528" y="932761"/>
+            <a:ext cx="7991208" cy="5037891"/>
           </a:xfrm>
           <a:prstGeom prst="rect">
             <a:avLst/>
@@ -16145,7 +21304,7 @@
           <a:lstStyle/>
           <a:p>
             <a:pPr algn="ctr"/>
-            <a:endParaRPr kumimoji="1" lang="ja-JP" altLang="en-US" sz="1000" b="1">
+            <a:endParaRPr kumimoji="1" lang="ja-JP" altLang="en-US" sz="1000" b="1" dirty="0">
               <a:solidFill>
                 <a:schemeClr val="bg1">
                   <a:lumMod val="85000"/>
@@ -16159,7 +21318,7 @@
       </p:sp>
       <p:sp>
         <p:nvSpPr>
-          <p:cNvPr id="136" name="Speech Bubble: Rectangle 135">
+          <p:cNvPr id="136" name="Callout: Bent Line 135">
             <a:extLst>
               <a:ext uri="{FF2B5EF4-FFF2-40B4-BE49-F238E27FC236}">
                 <a16:creationId xmlns:a16="http://schemas.microsoft.com/office/drawing/2014/main" id="{2A012027-C814-1ABC-DF60-77871371A222}"/>
@@ -16171,13 +21330,17 @@
         </p:nvSpPr>
         <p:spPr>
           <a:xfrm>
-            <a:off x="6359194" y="1848841"/>
-            <a:ext cx="2148082" cy="252000"/>
+            <a:off x="6571710" y="1199821"/>
+            <a:ext cx="2465345" cy="252000"/>
           </a:xfrm>
-          <a:prstGeom prst="wedgeRectCallout">
+          <a:prstGeom prst="borderCallout2">
             <a:avLst>
-              <a:gd name="adj1" fmla="val -55370"/>
-              <a:gd name="adj2" fmla="val 54668"/>
+              <a:gd name="adj1" fmla="val 49996"/>
+              <a:gd name="adj2" fmla="val -194"/>
+              <a:gd name="adj3" fmla="val 51004"/>
+              <a:gd name="adj4" fmla="val -8837"/>
+              <a:gd name="adj5" fmla="val 640457"/>
+              <a:gd name="adj6" fmla="val -19715"/>
             </a:avLst>
           </a:prstGeom>
           <a:solidFill>
@@ -16186,7 +21349,12 @@
             </a:schemeClr>
           </a:solidFill>
           <a:ln>
-            <a:noFill/>
+            <a:solidFill>
+              <a:schemeClr val="accent6">
+                <a:lumMod val="75000"/>
+              </a:schemeClr>
+            </a:solidFill>
+            <a:tailEnd type="oval"/>
           </a:ln>
         </p:spPr>
         <p:style>
@@ -16211,7 +21379,7 @@
           <a:p>
             <a:pPr algn="ctr"/>
             <a:r>
-              <a:rPr lang="en-US" altLang="ja-JP" sz="1000" b="1" dirty="0">
+              <a:rPr lang="en-US" altLang="ja-JP" sz="1200" b="1" dirty="0">
                 <a:solidFill>
                   <a:schemeClr val="bg1">
                     <a:lumMod val="95000"/>
@@ -16223,7 +21391,7 @@
               <a:t>(x</a:t>
             </a:r>
             <a:r>
-              <a:rPr lang="en-US" altLang="ja-JP" sz="1000" b="1" baseline="-25000" dirty="0">
+              <a:rPr lang="en-US" altLang="ja-JP" sz="1200" b="1" baseline="-25000" dirty="0">
                 <a:solidFill>
                   <a:schemeClr val="bg1">
                     <a:lumMod val="95000"/>
@@ -16235,7 +21403,7 @@
               <a:t>CIE1931</a:t>
             </a:r>
             <a:r>
-              <a:rPr lang="en-US" altLang="ja-JP" sz="1000" b="1" dirty="0">
+              <a:rPr lang="en-US" altLang="ja-JP" sz="1200" b="1" dirty="0">
                 <a:solidFill>
                   <a:schemeClr val="bg1">
                     <a:lumMod val="95000"/>
@@ -16247,7 +21415,7 @@
               <a:t>, y</a:t>
             </a:r>
             <a:r>
-              <a:rPr lang="en-US" altLang="ja-JP" sz="1000" b="1" baseline="-25000" dirty="0">
+              <a:rPr lang="en-US" altLang="ja-JP" sz="1200" b="1" baseline="-25000" dirty="0">
                 <a:solidFill>
                   <a:schemeClr val="bg1">
                     <a:lumMod val="95000"/>
@@ -16259,7 +21427,7 @@
               <a:t>CIE1931</a:t>
             </a:r>
             <a:r>
-              <a:rPr lang="en-US" altLang="ja-JP" sz="1000" b="1" dirty="0">
+              <a:rPr lang="en-US" altLang="ja-JP" sz="1200" b="1" dirty="0">
                 <a:solidFill>
                   <a:schemeClr val="bg1">
                     <a:lumMod val="95000"/>
@@ -16270,7 +21438,7 @@
               </a:rPr>
               <a:t>) = (0.313, 0.329)</a:t>
             </a:r>
-            <a:endParaRPr lang="ja-JP" altLang="en-US" sz="1000" b="1" dirty="0">
+            <a:endParaRPr lang="ja-JP" altLang="en-US" sz="1200" b="1" dirty="0">
               <a:solidFill>
                 <a:schemeClr val="bg1">
                   <a:lumMod val="95000"/>
@@ -16282,137 +21450,124 @@
           </a:p>
         </p:txBody>
       </p:sp>
-      <p:grpSp>
-        <p:nvGrpSpPr>
-          <p:cNvPr id="74" name="Group 73">
+      <p:sp>
+        <p:nvSpPr>
+          <p:cNvPr id="4" name="Rectangle 3">
             <a:extLst>
               <a:ext uri="{FF2B5EF4-FFF2-40B4-BE49-F238E27FC236}">
-                <a16:creationId xmlns:a16="http://schemas.microsoft.com/office/drawing/2014/main" id="{5762D956-C9BA-8F9C-76DD-D664D44FBB9B}"/>
+                <a16:creationId xmlns:a16="http://schemas.microsoft.com/office/drawing/2014/main" id="{A887141A-C174-7C95-5733-330565D1B548}"/>
               </a:ext>
             </a:extLst>
           </p:cNvPr>
-          <p:cNvGrpSpPr/>
+          <p:cNvSpPr/>
           <p:nvPr/>
-        </p:nvGrpSpPr>
-        <p:grpSpPr>
+        </p:nvSpPr>
+        <p:spPr>
           <a:xfrm>
-            <a:off x="4994383" y="448154"/>
-            <a:ext cx="777612" cy="1166418"/>
-            <a:chOff x="4411174" y="836960"/>
-            <a:chExt cx="518408" cy="777612"/>
+            <a:off x="4994383" y="1419414"/>
+            <a:ext cx="777612" cy="972015"/>
           </a:xfrm>
-        </p:grpSpPr>
-        <p:sp>
-          <p:nvSpPr>
-            <p:cNvPr id="4" name="Rectangle 3">
-              <a:extLst>
-                <a:ext uri="{FF2B5EF4-FFF2-40B4-BE49-F238E27FC236}">
-                  <a16:creationId xmlns:a16="http://schemas.microsoft.com/office/drawing/2014/main" id="{A887141A-C174-7C95-5733-330565D1B548}"/>
-                </a:ext>
-              </a:extLst>
-            </p:cNvPr>
-            <p:cNvSpPr/>
-            <p:nvPr/>
-          </p:nvSpPr>
-          <p:spPr>
-            <a:xfrm>
-              <a:off x="4411174" y="836960"/>
-              <a:ext cx="518408" cy="648010"/>
-            </a:xfrm>
-            <a:prstGeom prst="rect">
-              <a:avLst/>
-            </a:prstGeom>
+          <a:prstGeom prst="rect">
+            <a:avLst/>
+          </a:prstGeom>
+          <a:solidFill>
+            <a:schemeClr val="tx1">
+              <a:lumMod val="95000"/>
+              <a:lumOff val="5000"/>
+            </a:schemeClr>
+          </a:solidFill>
+          <a:ln>
             <a:solidFill>
-              <a:schemeClr val="tx1">
-                <a:lumMod val="75000"/>
-                <a:lumOff val="25000"/>
+              <a:schemeClr val="bg1">
+                <a:lumMod val="65000"/>
               </a:schemeClr>
             </a:solidFill>
-            <a:ln>
-              <a:noFill/>
-            </a:ln>
-          </p:spPr>
-          <p:style>
-            <a:lnRef idx="2">
-              <a:schemeClr val="accent1">
-                <a:shade val="50000"/>
-              </a:schemeClr>
-            </a:lnRef>
-            <a:fillRef idx="1">
-              <a:schemeClr val="accent1"/>
-            </a:fillRef>
-            <a:effectRef idx="0">
-              <a:schemeClr val="accent1"/>
-            </a:effectRef>
-            <a:fontRef idx="minor">
-              <a:schemeClr val="lt1"/>
-            </a:fontRef>
-          </p:style>
-          <p:txBody>
-            <a:bodyPr rtlCol="0" anchor="ctr"/>
-            <a:lstStyle/>
-            <a:p>
-              <a:pPr algn="ctr"/>
-              <a:endParaRPr kumimoji="1" lang="ja-JP" altLang="en-US"/>
-            </a:p>
-          </p:txBody>
-        </p:sp>
-        <p:sp>
-          <p:nvSpPr>
-            <p:cNvPr id="5" name="Rectangle 4">
-              <a:extLst>
-                <a:ext uri="{FF2B5EF4-FFF2-40B4-BE49-F238E27FC236}">
-                  <a16:creationId xmlns:a16="http://schemas.microsoft.com/office/drawing/2014/main" id="{40EA5001-EAB5-2D2C-D19E-74C1296B59F8}"/>
-                </a:ext>
-              </a:extLst>
-            </p:cNvPr>
-            <p:cNvSpPr/>
-            <p:nvPr/>
-          </p:nvSpPr>
-          <p:spPr>
-            <a:xfrm>
-              <a:off x="4562378" y="1484970"/>
-              <a:ext cx="216000" cy="129602"/>
-            </a:xfrm>
-            <a:prstGeom prst="rect">
-              <a:avLst/>
-            </a:prstGeom>
+          </a:ln>
+        </p:spPr>
+        <p:style>
+          <a:lnRef idx="2">
+            <a:schemeClr val="accent1">
+              <a:shade val="50000"/>
+            </a:schemeClr>
+          </a:lnRef>
+          <a:fillRef idx="1">
+            <a:schemeClr val="accent1"/>
+          </a:fillRef>
+          <a:effectRef idx="0">
+            <a:schemeClr val="accent1"/>
+          </a:effectRef>
+          <a:fontRef idx="minor">
+            <a:schemeClr val="lt1"/>
+          </a:fontRef>
+        </p:style>
+        <p:txBody>
+          <a:bodyPr rtlCol="0" anchor="ctr"/>
+          <a:lstStyle/>
+          <a:p>
+            <a:pPr algn="ctr"/>
+            <a:endParaRPr kumimoji="1" lang="ja-JP" altLang="en-US"/>
+          </a:p>
+        </p:txBody>
+      </p:sp>
+      <p:sp>
+        <p:nvSpPr>
+          <p:cNvPr id="5" name="Rectangle 4">
+            <a:extLst>
+              <a:ext uri="{FF2B5EF4-FFF2-40B4-BE49-F238E27FC236}">
+                <a16:creationId xmlns:a16="http://schemas.microsoft.com/office/drawing/2014/main" id="{40EA5001-EAB5-2D2C-D19E-74C1296B59F8}"/>
+              </a:ext>
+            </a:extLst>
+          </p:cNvPr>
+          <p:cNvSpPr/>
+          <p:nvPr/>
+        </p:nvSpPr>
+        <p:spPr>
+          <a:xfrm>
+            <a:off x="5221189" y="2391429"/>
+            <a:ext cx="324000" cy="194403"/>
+          </a:xfrm>
+          <a:prstGeom prst="rect">
+            <a:avLst/>
+          </a:prstGeom>
+          <a:solidFill>
+            <a:schemeClr val="tx1">
+              <a:lumMod val="95000"/>
+              <a:lumOff val="5000"/>
+            </a:schemeClr>
+          </a:solidFill>
+          <a:ln>
             <a:solidFill>
-              <a:schemeClr val="tx1">
-                <a:lumMod val="75000"/>
-                <a:lumOff val="25000"/>
+              <a:schemeClr val="bg1">
+                <a:lumMod val="65000"/>
               </a:schemeClr>
             </a:solidFill>
-            <a:ln>
-              <a:noFill/>
-            </a:ln>
-          </p:spPr>
-          <p:style>
-            <a:lnRef idx="2">
-              <a:schemeClr val="accent1">
-                <a:shade val="50000"/>
-              </a:schemeClr>
-            </a:lnRef>
-            <a:fillRef idx="1">
-              <a:schemeClr val="accent1"/>
-            </a:fillRef>
-            <a:effectRef idx="0">
-              <a:schemeClr val="accent1"/>
-            </a:effectRef>
-            <a:fontRef idx="minor">
-              <a:schemeClr val="lt1"/>
-            </a:fontRef>
-          </p:style>
-          <p:txBody>
-            <a:bodyPr rtlCol="0" anchor="ctr"/>
-            <a:lstStyle/>
-            <a:p>
-              <a:pPr algn="ctr"/>
-              <a:endParaRPr kumimoji="1" lang="ja-JP" altLang="en-US"/>
-            </a:p>
-          </p:txBody>
-        </p:sp>
-      </p:grpSp>
+          </a:ln>
+        </p:spPr>
+        <p:style>
+          <a:lnRef idx="2">
+            <a:schemeClr val="accent1">
+              <a:shade val="50000"/>
+            </a:schemeClr>
+          </a:lnRef>
+          <a:fillRef idx="1">
+            <a:schemeClr val="accent1"/>
+          </a:fillRef>
+          <a:effectRef idx="0">
+            <a:schemeClr val="accent1"/>
+          </a:effectRef>
+          <a:fontRef idx="minor">
+            <a:schemeClr val="lt1"/>
+          </a:fontRef>
+        </p:style>
+        <p:txBody>
+          <a:bodyPr rtlCol="0" anchor="ctr"/>
+          <a:lstStyle/>
+          <a:p>
+            <a:pPr algn="ctr"/>
+            <a:endParaRPr kumimoji="1" lang="ja-JP" altLang="en-US"/>
+          </a:p>
+        </p:txBody>
+      </p:sp>
       <p:sp>
         <p:nvSpPr>
           <p:cNvPr id="6" name="Rectangle: Rounded Corners 5">
@@ -16427,7 +21582,7 @@
         </p:nvSpPr>
         <p:spPr>
           <a:xfrm>
-            <a:off x="4735179" y="127751"/>
+            <a:off x="4730850" y="1039232"/>
             <a:ext cx="1296020" cy="252000"/>
           </a:xfrm>
           <a:prstGeom prst="roundRect">
@@ -16503,7 +21658,7 @@
         </p:nvGrpSpPr>
         <p:grpSpPr>
           <a:xfrm rot="5400000">
-            <a:off x="1883935" y="2488983"/>
+            <a:off x="1883935" y="2612033"/>
             <a:ext cx="1264966" cy="1944030"/>
             <a:chOff x="1781070" y="2547528"/>
             <a:chExt cx="1264966" cy="1944030"/>
@@ -19149,7 +24304,7 @@
         </p:nvSpPr>
         <p:spPr>
           <a:xfrm>
-            <a:off x="5186860" y="5113826"/>
+            <a:off x="5186860" y="4501579"/>
             <a:ext cx="384000" cy="384000"/>
           </a:xfrm>
           <a:prstGeom prst="ellipse">
@@ -19206,7 +24361,7 @@
         </p:nvCxnSpPr>
         <p:spPr>
           <a:xfrm>
-            <a:off x="5369944" y="5487319"/>
+            <a:off x="5369944" y="4875072"/>
             <a:ext cx="8916" cy="417492"/>
           </a:xfrm>
           <a:prstGeom prst="line">
@@ -19250,7 +24405,7 @@
         </p:nvCxnSpPr>
         <p:spPr>
           <a:xfrm>
-            <a:off x="5378860" y="5686214"/>
+            <a:off x="5378860" y="5073967"/>
             <a:ext cx="259204" cy="0"/>
           </a:xfrm>
           <a:prstGeom prst="line">
@@ -19294,7 +24449,7 @@
         </p:nvCxnSpPr>
         <p:spPr>
           <a:xfrm>
-            <a:off x="5122267" y="5686214"/>
+            <a:off x="5122267" y="5073967"/>
             <a:ext cx="259204" cy="0"/>
           </a:xfrm>
           <a:prstGeom prst="line">
@@ -19324,8 +24479,8 @@
           </a:fontRef>
         </p:style>
       </p:cxnSp>
-      <mc:AlternateContent xmlns:mc="http://schemas.openxmlformats.org/markup-compatibility/2006" xmlns:a14="http://schemas.microsoft.com/office/drawing/2010/main">
-        <mc:Choice Requires="a14">
+      <mc:AlternateContent xmlns:mc="http://schemas.openxmlformats.org/markup-compatibility/2006">
+        <mc:Choice xmlns:a14="http://schemas.microsoft.com/office/drawing/2010/main" Requires="a14">
           <p:sp>
             <p:nvSpPr>
               <p:cNvPr id="90" name="Rectangle: Rounded Corners 89">
@@ -19340,7 +24495,7 @@
             </p:nvSpPr>
             <p:spPr>
               <a:xfrm>
-                <a:off x="4735179" y="6215642"/>
+                <a:off x="4735179" y="5603395"/>
                 <a:ext cx="1296020" cy="252000"/>
               </a:xfrm>
               <a:prstGeom prst="roundRect">
@@ -19395,21 +24550,9 @@
                     <m:r>
                       <a:rPr lang="en-US" altLang="ja-JP" sz="1000" b="1" i="1" smtClean="0">
                         <a:solidFill>
-                          <a:schemeClr val="bg1">
-                            <a:lumMod val="85000"/>
-                          </a:schemeClr>
-                        </a:solidFill>
-                        <a:effectLst/>
-                        <a:latin typeface="Cambria Math" panose="02040503050406030204" pitchFamily="18" charset="0"/>
-                        <a:ea typeface="游ゴシック Medium" panose="020B0500000000000000" pitchFamily="50" charset="-128"/>
-                      </a:rPr>
-                      <m:t>(</m:t>
-                    </m:r>
-                    <m:r>
-                      <a:rPr lang="en-US" altLang="ja-JP" sz="1000" b="1" i="1" smtClean="0">
-                        <a:solidFill>
-                          <a:schemeClr val="bg1">
-                            <a:lumMod val="85000"/>
+                          <a:schemeClr val="accent2">
+                            <a:lumMod val="60000"/>
+                            <a:lumOff val="40000"/>
                           </a:schemeClr>
                         </a:solidFill>
                         <a:effectLst/>
@@ -19417,19 +24560,6 @@
                         <a:ea typeface="游ゴシック Medium" panose="020B0500000000000000" pitchFamily="50" charset="-128"/>
                       </a:rPr>
                       <m:t>𝒑</m:t>
-                    </m:r>
-                    <m:r>
-                      <a:rPr lang="en-US" altLang="ja-JP" sz="1000" b="1" i="1" smtClean="0">
-                        <a:solidFill>
-                          <a:schemeClr val="bg1">
-                            <a:lumMod val="85000"/>
-                          </a:schemeClr>
-                        </a:solidFill>
-                        <a:effectLst/>
-                        <a:latin typeface="Cambria Math" panose="02040503050406030204" pitchFamily="18" charset="0"/>
-                        <a:ea typeface="游ゴシック Medium" panose="020B0500000000000000" pitchFamily="50" charset="-128"/>
-                      </a:rPr>
-                      <m:t>)</m:t>
                     </m:r>
                   </m:oMath>
                 </a14:m>
@@ -19446,7 +24576,7 @@
             </p:txBody>
           </p:sp>
         </mc:Choice>
-        <mc:Fallback xmlns="">
+        <mc:Fallback>
           <p:sp>
             <p:nvSpPr>
               <p:cNvPr id="90" name="Rectangle: Rounded Corners 89">
@@ -19463,7 +24593,7 @@
             </p:nvSpPr>
             <p:spPr>
               <a:xfrm>
-                <a:off x="4735179" y="6215642"/>
+                <a:off x="4735179" y="5603395"/>
                 <a:ext cx="1296020" cy="252000"/>
               </a:xfrm>
               <a:prstGeom prst="roundRect">
@@ -19472,7 +24602,7 @@
               <a:blipFill>
                 <a:blip r:embed="rId2"/>
                 <a:stretch>
-                  <a:fillRect b="-12195"/>
+                  <a:fillRect b="-9524"/>
                 </a:stretch>
               </a:blipFill>
               <a:ln>
@@ -19508,7 +24638,7 @@
         </p:nvGrpSpPr>
         <p:grpSpPr>
           <a:xfrm>
-            <a:off x="7327219" y="2878657"/>
+            <a:off x="7327219" y="3001707"/>
             <a:ext cx="1796386" cy="1515700"/>
             <a:chOff x="2531945" y="1290566"/>
             <a:chExt cx="2073634" cy="1749628"/>
@@ -19709,7 +24839,7 @@
         </p:blipFill>
         <p:spPr>
           <a:xfrm>
-            <a:off x="2208558" y="1799979"/>
+            <a:off x="2208558" y="1978748"/>
             <a:ext cx="623972" cy="623972"/>
           </a:xfrm>
           <a:prstGeom prst="rect">
@@ -19731,7 +24861,7 @@
         </p:nvSpPr>
         <p:spPr>
           <a:xfrm>
-            <a:off x="1872534" y="1497035"/>
+            <a:off x="1872534" y="1678147"/>
             <a:ext cx="1296020" cy="252000"/>
           </a:xfrm>
           <a:prstGeom prst="roundRect">
@@ -19807,7 +24937,7 @@
         </p:nvGrpSpPr>
         <p:grpSpPr>
           <a:xfrm>
-            <a:off x="2039458" y="2496558"/>
+            <a:off x="2039458" y="2631385"/>
             <a:ext cx="974456" cy="262236"/>
             <a:chOff x="652716" y="2392184"/>
             <a:chExt cx="518408" cy="486473"/>
@@ -20053,8 +25183,8 @@
         </p:nvSpPr>
         <p:spPr>
           <a:xfrm>
-            <a:off x="1824798" y="4155933"/>
-            <a:ext cx="1296020" cy="252000"/>
+            <a:off x="1931702" y="4278983"/>
+            <a:ext cx="1082212" cy="252000"/>
           </a:xfrm>
           <a:prstGeom prst="roundRect">
             <a:avLst/>
@@ -20129,7 +25259,7 @@
         </p:nvSpPr>
         <p:spPr>
           <a:xfrm>
-            <a:off x="7289253" y="4479492"/>
+            <a:off x="7289253" y="4602542"/>
             <a:ext cx="1872314" cy="252000"/>
           </a:xfrm>
           <a:prstGeom prst="roundRect">
@@ -20202,13 +25332,14 @@
           </p:cNvPr>
           <p:cNvCxnSpPr>
             <a:cxnSpLocks/>
+            <a:stCxn id="5" idx="2"/>
           </p:cNvCxnSpPr>
           <p:nvPr/>
         </p:nvCxnSpPr>
         <p:spPr>
           <a:xfrm flipH="1">
-            <a:off x="2520544" y="1629451"/>
-            <a:ext cx="2862509" cy="1676499"/>
+            <a:off x="2509879" y="2585832"/>
+            <a:ext cx="2873310" cy="888279"/>
           </a:xfrm>
           <a:prstGeom prst="straightConnector1">
             <a:avLst/>
@@ -20254,8 +25385,8 @@
         </p:nvCxnSpPr>
         <p:spPr>
           <a:xfrm>
-            <a:off x="5383189" y="1614572"/>
-            <a:ext cx="2837743" cy="1706257"/>
+            <a:off x="5383189" y="2585832"/>
+            <a:ext cx="2842221" cy="857181"/>
           </a:xfrm>
           <a:prstGeom prst="straightConnector1">
             <a:avLst/>
@@ -20301,8 +25432,8 @@
         </p:nvCxnSpPr>
         <p:spPr>
           <a:xfrm flipV="1">
-            <a:off x="5378860" y="3552051"/>
-            <a:ext cx="2842072" cy="1561775"/>
+            <a:off x="5378860" y="3587672"/>
+            <a:ext cx="2858079" cy="913907"/>
           </a:xfrm>
           <a:prstGeom prst="straightConnector1">
             <a:avLst/>
@@ -20346,8 +25477,8 @@
         </p:nvCxnSpPr>
         <p:spPr>
           <a:xfrm flipH="1" flipV="1">
-            <a:off x="2531843" y="3552051"/>
-            <a:ext cx="2847017" cy="1561775"/>
+            <a:off x="2516418" y="3625535"/>
+            <a:ext cx="2862442" cy="876044"/>
           </a:xfrm>
           <a:prstGeom prst="straightConnector1">
             <a:avLst/>
@@ -20376,7 +25507,7 @@
       </p:cxnSp>
       <p:sp>
         <p:nvSpPr>
-          <p:cNvPr id="137" name="Speech Bubble: Rectangle 136">
+          <p:cNvPr id="137" name="Callout: Bent Line 136">
             <a:extLst>
               <a:ext uri="{FF2B5EF4-FFF2-40B4-BE49-F238E27FC236}">
                 <a16:creationId xmlns:a16="http://schemas.microsoft.com/office/drawing/2014/main" id="{F51C38F5-78E0-04E7-97F2-1E1B6561BAF2}"/>
@@ -20388,13 +25519,17 @@
         </p:nvSpPr>
         <p:spPr>
           <a:xfrm>
-            <a:off x="4019461" y="2528990"/>
-            <a:ext cx="2148082" cy="252000"/>
+            <a:off x="1733477" y="1203302"/>
+            <a:ext cx="2465345" cy="252000"/>
           </a:xfrm>
-          <a:prstGeom prst="wedgeRectCallout">
+          <a:prstGeom prst="borderCallout2">
             <a:avLst>
-              <a:gd name="adj1" fmla="val -56415"/>
-              <a:gd name="adj2" fmla="val -52496"/>
+              <a:gd name="adj1" fmla="val 49740"/>
+              <a:gd name="adj2" fmla="val 99610"/>
+              <a:gd name="adj3" fmla="val 48853"/>
+              <a:gd name="adj4" fmla="val 112421"/>
+              <a:gd name="adj5" fmla="val 629707"/>
+              <a:gd name="adj6" fmla="val 118895"/>
             </a:avLst>
           </a:prstGeom>
           <a:solidFill>
@@ -20403,7 +25538,12 @@
             </a:schemeClr>
           </a:solidFill>
           <a:ln>
-            <a:noFill/>
+            <a:solidFill>
+              <a:schemeClr val="accent6">
+                <a:lumMod val="75000"/>
+              </a:schemeClr>
+            </a:solidFill>
+            <a:tailEnd type="oval"/>
           </a:ln>
         </p:spPr>
         <p:style>
@@ -20428,7 +25568,7 @@
           <a:p>
             <a:pPr algn="ctr"/>
             <a:r>
-              <a:rPr lang="en-US" altLang="ja-JP" sz="1000" b="1" dirty="0">
+              <a:rPr lang="en-US" altLang="ja-JP" sz="1200" b="1" dirty="0">
                 <a:solidFill>
                   <a:schemeClr val="bg1">
                     <a:lumMod val="95000"/>
@@ -20440,7 +25580,7 @@
               <a:t>(x</a:t>
             </a:r>
             <a:r>
-              <a:rPr lang="en-US" altLang="ja-JP" sz="1000" b="1" baseline="-25000" dirty="0">
+              <a:rPr lang="en-US" altLang="ja-JP" sz="1200" b="1" baseline="-25000" dirty="0">
                 <a:solidFill>
                   <a:schemeClr val="bg1">
                     <a:lumMod val="95000"/>
@@ -20452,7 +25592,7 @@
               <a:t>CIE1931</a:t>
             </a:r>
             <a:r>
-              <a:rPr lang="en-US" altLang="ja-JP" sz="1000" b="1" dirty="0">
+              <a:rPr lang="en-US" altLang="ja-JP" sz="1200" b="1" dirty="0">
                 <a:solidFill>
                   <a:schemeClr val="bg1">
                     <a:lumMod val="95000"/>
@@ -20464,7 +25604,7 @@
               <a:t>, y</a:t>
             </a:r>
             <a:r>
-              <a:rPr lang="en-US" altLang="ja-JP" sz="1000" b="1" baseline="-25000" dirty="0">
+              <a:rPr lang="en-US" altLang="ja-JP" sz="1200" b="1" baseline="-25000" dirty="0">
                 <a:solidFill>
                   <a:schemeClr val="bg1">
                     <a:lumMod val="95000"/>
@@ -20476,7 +25616,7 @@
               <a:t>CIE1931</a:t>
             </a:r>
             <a:r>
-              <a:rPr lang="en-US" altLang="ja-JP" sz="1000" b="1" dirty="0">
+              <a:rPr lang="en-US" altLang="ja-JP" sz="1200" b="1" dirty="0">
                 <a:solidFill>
                   <a:schemeClr val="bg1">
                     <a:lumMod val="95000"/>
@@ -20487,7 +25627,7 @@
               </a:rPr>
               <a:t>) = (0.313, 0.329)</a:t>
             </a:r>
-            <a:endParaRPr lang="ja-JP" altLang="en-US" sz="1000" b="1" dirty="0">
+            <a:endParaRPr lang="ja-JP" altLang="en-US" sz="1200" b="1" dirty="0">
               <a:solidFill>
                 <a:schemeClr val="bg1">
                   <a:lumMod val="95000"/>
@@ -20501,7 +25641,7 @@
       </p:sp>
       <p:sp>
         <p:nvSpPr>
-          <p:cNvPr id="138" name="Speech Bubble: Rectangle 137">
+          <p:cNvPr id="138" name="Callout: Bent Line 137">
             <a:extLst>
               <a:ext uri="{FF2B5EF4-FFF2-40B4-BE49-F238E27FC236}">
                 <a16:creationId xmlns:a16="http://schemas.microsoft.com/office/drawing/2014/main" id="{20A6B817-A5BA-4BBA-AB7D-132FA112E409}"/>
@@ -20513,20 +25653,27 @@
         </p:nvSpPr>
         <p:spPr>
           <a:xfrm>
-            <a:off x="5970645" y="4905867"/>
-            <a:ext cx="1600690" cy="252000"/>
+            <a:off x="7203317" y="5348630"/>
+            <a:ext cx="1833738" cy="252000"/>
           </a:xfrm>
-          <a:prstGeom prst="wedgeRectCallout">
+          <a:prstGeom prst="borderCallout2">
             <a:avLst>
-              <a:gd name="adj1" fmla="val -59926"/>
-              <a:gd name="adj2" fmla="val -49959"/>
+              <a:gd name="adj1" fmla="val 55036"/>
+              <a:gd name="adj2" fmla="val 2637"/>
+              <a:gd name="adj3" fmla="val 56548"/>
+              <a:gd name="adj4" fmla="val -21654"/>
+              <a:gd name="adj5" fmla="val -413038"/>
+              <a:gd name="adj6" fmla="val -62375"/>
             </a:avLst>
           </a:prstGeom>
           <a:solidFill>
             <a:srgbClr val="C00000"/>
           </a:solidFill>
           <a:ln>
-            <a:noFill/>
+            <a:solidFill>
+              <a:srgbClr val="C00000"/>
+            </a:solidFill>
+            <a:tailEnd type="oval"/>
           </a:ln>
         </p:spPr>
         <p:style>
@@ -20551,7 +25698,7 @@
           <a:p>
             <a:pPr algn="ctr"/>
             <a:r>
-              <a:rPr lang="en-US" altLang="ja-JP" sz="1000" b="1" dirty="0">
+              <a:rPr lang="en-US" altLang="ja-JP" sz="1200" b="1" dirty="0">
                 <a:solidFill>
                   <a:schemeClr val="bg1">
                     <a:lumMod val="95000"/>
@@ -20563,7 +25710,7 @@
               <a:t>(x</a:t>
             </a:r>
             <a:r>
-              <a:rPr lang="en-US" altLang="ja-JP" sz="1000" b="1" baseline="-25000" dirty="0">
+              <a:rPr lang="en-US" altLang="ja-JP" sz="1200" b="1" baseline="-25000" dirty="0">
                 <a:solidFill>
                   <a:schemeClr val="bg1">
                     <a:lumMod val="95000"/>
@@ -20575,7 +25722,7 @@
               <a:t>p</a:t>
             </a:r>
             <a:r>
-              <a:rPr lang="en-US" altLang="ja-JP" sz="1000" b="1" dirty="0">
+              <a:rPr lang="en-US" altLang="ja-JP" sz="1200" b="1" dirty="0">
                 <a:solidFill>
                   <a:schemeClr val="bg1">
                     <a:lumMod val="95000"/>
@@ -20587,7 +25734,7 @@
               <a:t>, </a:t>
             </a:r>
             <a:r>
-              <a:rPr lang="en-US" altLang="ja-JP" sz="1000" b="1" dirty="0" err="1">
+              <a:rPr lang="en-US" altLang="ja-JP" sz="1200" b="1" dirty="0" err="1">
                 <a:solidFill>
                   <a:schemeClr val="bg1">
                     <a:lumMod val="95000"/>
@@ -20599,7 +25746,7 @@
               <a:t>y</a:t>
             </a:r>
             <a:r>
-              <a:rPr lang="en-US" altLang="ja-JP" sz="1000" b="1" baseline="-25000" dirty="0" err="1">
+              <a:rPr lang="en-US" altLang="ja-JP" sz="1200" b="1" baseline="-25000" dirty="0" err="1">
                 <a:solidFill>
                   <a:schemeClr val="bg1">
                     <a:lumMod val="95000"/>
@@ -20611,7 +25758,7 @@
               <a:t>p</a:t>
             </a:r>
             <a:r>
-              <a:rPr lang="en-US" altLang="ja-JP" sz="1000" b="1" dirty="0">
+              <a:rPr lang="en-US" altLang="ja-JP" sz="1200" b="1" dirty="0">
                 <a:solidFill>
                   <a:schemeClr val="bg1">
                     <a:lumMod val="95000"/>
@@ -20627,7 +25774,7 @@
       </p:sp>
       <p:sp>
         <p:nvSpPr>
-          <p:cNvPr id="139" name="Speech Bubble: Rectangle 138">
+          <p:cNvPr id="139" name="Callout: Bent Line 138">
             <a:extLst>
               <a:ext uri="{FF2B5EF4-FFF2-40B4-BE49-F238E27FC236}">
                 <a16:creationId xmlns:a16="http://schemas.microsoft.com/office/drawing/2014/main" id="{1330ED02-29E4-6EFE-F680-1E4DE4C5DDB8}"/>
@@ -20639,20 +25786,27 @@
         </p:nvSpPr>
         <p:spPr>
           <a:xfrm>
-            <a:off x="3235709" y="4936844"/>
-            <a:ext cx="1567504" cy="252000"/>
+            <a:off x="1737332" y="5340592"/>
+            <a:ext cx="1795720" cy="252000"/>
           </a:xfrm>
-          <a:prstGeom prst="wedgeRectCallout">
+          <a:prstGeom prst="borderCallout2">
             <a:avLst>
-              <a:gd name="adj1" fmla="val 61473"/>
-              <a:gd name="adj2" fmla="val -54412"/>
+              <a:gd name="adj1" fmla="val 38102"/>
+              <a:gd name="adj2" fmla="val 99280"/>
+              <a:gd name="adj3" fmla="val 36288"/>
+              <a:gd name="adj4" fmla="val 119801"/>
+              <a:gd name="adj5" fmla="val -414852"/>
+              <a:gd name="adj6" fmla="val 165503"/>
             </a:avLst>
           </a:prstGeom>
           <a:solidFill>
             <a:srgbClr val="C00000"/>
           </a:solidFill>
           <a:ln>
-            <a:noFill/>
+            <a:solidFill>
+              <a:srgbClr val="C00000"/>
+            </a:solidFill>
+            <a:tailEnd type="oval"/>
           </a:ln>
         </p:spPr>
         <p:style>
@@ -20677,7 +25831,7 @@
           <a:p>
             <a:pPr algn="ctr"/>
             <a:r>
-              <a:rPr lang="en-US" altLang="ja-JP" sz="1000" b="1" dirty="0">
+              <a:rPr lang="en-US" altLang="ja-JP" sz="1200" b="1" dirty="0">
                 <a:solidFill>
                   <a:schemeClr val="bg1">
                     <a:lumMod val="95000"/>
@@ -20689,7 +25843,7 @@
               <a:t>(x</a:t>
             </a:r>
             <a:r>
-              <a:rPr lang="en-US" altLang="ja-JP" sz="1000" b="1" baseline="-25000" dirty="0">
+              <a:rPr lang="en-US" altLang="ja-JP" sz="1200" b="1" baseline="-25000" dirty="0">
                 <a:solidFill>
                   <a:schemeClr val="bg1">
                     <a:lumMod val="95000"/>
@@ -20701,7 +25855,7 @@
               <a:t>p</a:t>
             </a:r>
             <a:r>
-              <a:rPr lang="en-US" altLang="ja-JP" sz="1000" b="1" dirty="0">
+              <a:rPr lang="en-US" altLang="ja-JP" sz="1200" b="1" dirty="0">
                 <a:solidFill>
                   <a:schemeClr val="bg1">
                     <a:lumMod val="95000"/>
@@ -20713,7 +25867,7 @@
               <a:t>, </a:t>
             </a:r>
             <a:r>
-              <a:rPr lang="en-US" altLang="ja-JP" sz="1000" b="1" dirty="0" err="1">
+              <a:rPr lang="en-US" altLang="ja-JP" sz="1200" b="1" dirty="0" err="1">
                 <a:solidFill>
                   <a:schemeClr val="bg1">
                     <a:lumMod val="95000"/>
@@ -20725,7 +25879,7 @@
               <a:t>y</a:t>
             </a:r>
             <a:r>
-              <a:rPr lang="en-US" altLang="ja-JP" sz="1000" b="1" baseline="-25000" dirty="0" err="1">
+              <a:rPr lang="en-US" altLang="ja-JP" sz="1200" b="1" baseline="-25000" dirty="0" err="1">
                 <a:solidFill>
                   <a:schemeClr val="bg1">
                     <a:lumMod val="95000"/>
@@ -20737,7 +25891,7 @@
               <a:t>p</a:t>
             </a:r>
             <a:r>
-              <a:rPr lang="en-US" altLang="ja-JP" sz="1000" b="1" dirty="0">
+              <a:rPr lang="en-US" altLang="ja-JP" sz="1200" b="1" dirty="0">
                 <a:solidFill>
                   <a:schemeClr val="bg1">
                     <a:lumMod val="95000"/>
@@ -20765,7 +25919,7 @@
         </p:nvCxnSpPr>
         <p:spPr>
           <a:xfrm flipH="1">
-            <a:off x="5206057" y="5899789"/>
+            <a:off x="5206057" y="5287542"/>
             <a:ext cx="172803" cy="259204"/>
           </a:xfrm>
           <a:prstGeom prst="line">
@@ -20809,7 +25963,7 @@
         </p:nvCxnSpPr>
         <p:spPr>
           <a:xfrm>
-            <a:off x="5378860" y="5899789"/>
+            <a:off x="5378860" y="5287542"/>
             <a:ext cx="172803" cy="259204"/>
           </a:xfrm>
           <a:prstGeom prst="line">
@@ -20839,12 +25993,121 @@
           </a:fontRef>
         </p:style>
       </p:cxnSp>
+      <mc:AlternateContent xmlns:mc="http://schemas.openxmlformats.org/markup-compatibility/2006">
+        <mc:Choice xmlns:a14="http://schemas.microsoft.com/office/drawing/2010/main" Requires="a14">
+          <p:sp>
+            <p:nvSpPr>
+              <p:cNvPr id="144" name="TextBox 143">
+                <a:extLst>
+                  <a:ext uri="{FF2B5EF4-FFF2-40B4-BE49-F238E27FC236}">
+                    <a16:creationId xmlns:a16="http://schemas.microsoft.com/office/drawing/2014/main" id="{AB7D3304-0AEC-DEB2-F64F-F3AA678340E0}"/>
+                  </a:ext>
+                </a:extLst>
+              </p:cNvPr>
+              <p:cNvSpPr txBox="1"/>
+              <p:nvPr/>
+            </p:nvSpPr>
+            <p:spPr>
+              <a:xfrm>
+                <a:off x="5001033" y="4476832"/>
+                <a:ext cx="777612" cy="369332"/>
+              </a:xfrm>
+              <a:prstGeom prst="rect">
+                <a:avLst/>
+              </a:prstGeom>
+              <a:noFill/>
+            </p:spPr>
+            <p:txBody>
+              <a:bodyPr wrap="square" rtlCol="0">
+                <a:spAutoFit/>
+              </a:bodyPr>
+              <a:lstStyle/>
+              <a:p>
+                <a:pPr/>
+                <a14:m>
+                  <m:oMathPara xmlns:m="http://schemas.openxmlformats.org/officeDocument/2006/math">
+                    <m:oMathParaPr>
+                      <m:jc m:val="centerGroup"/>
+                    </m:oMathParaPr>
+                    <m:oMath xmlns:m="http://schemas.openxmlformats.org/officeDocument/2006/math">
+                      <m:r>
+                        <a:rPr kumimoji="1" lang="en-US" altLang="ja-JP" b="1" i="1" smtClean="0">
+                          <a:solidFill>
+                            <a:schemeClr val="accent2">
+                              <a:lumMod val="60000"/>
+                              <a:lumOff val="40000"/>
+                            </a:schemeClr>
+                          </a:solidFill>
+                          <a:latin typeface="Cambria Math" panose="02040503050406030204" pitchFamily="18" charset="0"/>
+                        </a:rPr>
+                        <m:t>𝒑</m:t>
+                      </m:r>
+                    </m:oMath>
+                  </m:oMathPara>
+                </a14:m>
+                <a:endParaRPr kumimoji="1" lang="ja-JP" altLang="en-US" b="1" i="1" dirty="0">
+                  <a:solidFill>
+                    <a:schemeClr val="accent2">
+                      <a:lumMod val="60000"/>
+                      <a:lumOff val="40000"/>
+                    </a:schemeClr>
+                  </a:solidFill>
+                </a:endParaRPr>
+              </a:p>
+            </p:txBody>
+          </p:sp>
+        </mc:Choice>
+        <mc:Fallback>
+          <p:sp>
+            <p:nvSpPr>
+              <p:cNvPr id="144" name="TextBox 143">
+                <a:extLst>
+                  <a:ext uri="{FF2B5EF4-FFF2-40B4-BE49-F238E27FC236}">
+                    <a16:creationId xmlns:a16="http://schemas.microsoft.com/office/drawing/2014/main" id="{AB7D3304-0AEC-DEB2-F64F-F3AA678340E0}"/>
+                  </a:ext>
+                </a:extLst>
+              </p:cNvPr>
+              <p:cNvSpPr txBox="1">
+                <a:spLocks noRot="1" noChangeAspect="1" noMove="1" noResize="1" noEditPoints="1" noAdjustHandles="1" noChangeArrowheads="1" noChangeShapeType="1" noTextEdit="1"/>
+              </p:cNvSpPr>
+              <p:nvPr/>
+            </p:nvSpPr>
+            <p:spPr>
+              <a:xfrm>
+                <a:off x="5001033" y="4476832"/>
+                <a:ext cx="777612" cy="369332"/>
+              </a:xfrm>
+              <a:prstGeom prst="rect">
+                <a:avLst/>
+              </a:prstGeom>
+              <a:blipFill>
+                <a:blip r:embed="rId4"/>
+                <a:stretch>
+                  <a:fillRect b="-6557"/>
+                </a:stretch>
+              </a:blipFill>
+            </p:spPr>
+            <p:txBody>
+              <a:bodyPr/>
+              <a:lstStyle/>
+              <a:p>
+                <a:r>
+                  <a:rPr lang="ja-JP" altLang="en-US">
+                    <a:noFill/>
+                  </a:rPr>
+                  <a:t> </a:t>
+                </a:r>
+              </a:p>
+            </p:txBody>
+          </p:sp>
+        </mc:Fallback>
+      </mc:AlternateContent>
       <p:sp>
         <p:nvSpPr>
           <p:cNvPr id="2" name="Rectangle 1">
             <a:extLst>
               <a:ext uri="{FF2B5EF4-FFF2-40B4-BE49-F238E27FC236}">
-                <a16:creationId xmlns:a16="http://schemas.microsoft.com/office/drawing/2014/main" id="{E7AB9CB3-51E1-FC02-C67C-9716C972DD3A}"/>
+                <a16:creationId xmlns:a16="http://schemas.microsoft.com/office/drawing/2014/main" id="{58CF323D-5FCD-E9C8-CA3D-2E147502544A}"/>
               </a:ext>
             </a:extLst>
           </p:cNvPr>
@@ -20902,119 +26165,10 @@
           </a:p>
         </p:txBody>
       </p:sp>
-      <mc:AlternateContent xmlns:mc="http://schemas.openxmlformats.org/markup-compatibility/2006" xmlns:a14="http://schemas.microsoft.com/office/drawing/2010/main">
-        <mc:Choice Requires="a14">
-          <p:sp>
-            <p:nvSpPr>
-              <p:cNvPr id="3" name="TextBox 2">
-                <a:extLst>
-                  <a:ext uri="{FF2B5EF4-FFF2-40B4-BE49-F238E27FC236}">
-                    <a16:creationId xmlns:a16="http://schemas.microsoft.com/office/drawing/2014/main" id="{A4E2DEE5-8B76-B5E2-47C2-7E039581308E}"/>
-                  </a:ext>
-                </a:extLst>
-              </p:cNvPr>
-              <p:cNvSpPr txBox="1"/>
-              <p:nvPr/>
-            </p:nvSpPr>
-            <p:spPr>
-              <a:xfrm>
-                <a:off x="5001033" y="5089079"/>
-                <a:ext cx="777612" cy="369332"/>
-              </a:xfrm>
-              <a:prstGeom prst="rect">
-                <a:avLst/>
-              </a:prstGeom>
-              <a:noFill/>
-            </p:spPr>
-            <p:txBody>
-              <a:bodyPr wrap="square" rtlCol="0">
-                <a:spAutoFit/>
-              </a:bodyPr>
-              <a:lstStyle/>
-              <a:p>
-                <a:pPr/>
-                <a14:m>
-                  <m:oMathPara xmlns:m="http://schemas.openxmlformats.org/officeDocument/2006/math">
-                    <m:oMathParaPr>
-                      <m:jc m:val="centerGroup"/>
-                    </m:oMathParaPr>
-                    <m:oMath xmlns:m="http://schemas.openxmlformats.org/officeDocument/2006/math">
-                      <m:r>
-                        <a:rPr kumimoji="1" lang="en-US" altLang="ja-JP" b="1" i="1" smtClean="0">
-                          <a:solidFill>
-                            <a:schemeClr val="accent2">
-                              <a:lumMod val="60000"/>
-                              <a:lumOff val="40000"/>
-                            </a:schemeClr>
-                          </a:solidFill>
-                          <a:latin typeface="Cambria Math" panose="02040503050406030204" pitchFamily="18" charset="0"/>
-                        </a:rPr>
-                        <m:t>𝒑</m:t>
-                      </m:r>
-                    </m:oMath>
-                  </m:oMathPara>
-                </a14:m>
-                <a:endParaRPr kumimoji="1" lang="ja-JP" altLang="en-US" b="1" dirty="0">
-                  <a:solidFill>
-                    <a:schemeClr val="accent2">
-                      <a:lumMod val="60000"/>
-                      <a:lumOff val="40000"/>
-                    </a:schemeClr>
-                  </a:solidFill>
-                </a:endParaRPr>
-              </a:p>
-            </p:txBody>
-          </p:sp>
-        </mc:Choice>
-        <mc:Fallback xmlns="">
-          <p:sp>
-            <p:nvSpPr>
-              <p:cNvPr id="3" name="TextBox 2">
-                <a:extLst>
-                  <a:ext uri="{FF2B5EF4-FFF2-40B4-BE49-F238E27FC236}">
-                    <a16:creationId xmlns:a16="http://schemas.microsoft.com/office/drawing/2014/main" id="{A4E2DEE5-8B76-B5E2-47C2-7E039581308E}"/>
-                  </a:ext>
-                </a:extLst>
-              </p:cNvPr>
-              <p:cNvSpPr txBox="1">
-                <a:spLocks noRot="1" noChangeAspect="1" noMove="1" noResize="1" noEditPoints="1" noAdjustHandles="1" noChangeArrowheads="1" noChangeShapeType="1" noTextEdit="1"/>
-              </p:cNvSpPr>
-              <p:nvPr/>
-            </p:nvSpPr>
-            <p:spPr>
-              <a:xfrm>
-                <a:off x="5001033" y="5089079"/>
-                <a:ext cx="777612" cy="369332"/>
-              </a:xfrm>
-              <a:prstGeom prst="rect">
-                <a:avLst/>
-              </a:prstGeom>
-              <a:blipFill>
-                <a:blip r:embed="rId4"/>
-                <a:stretch>
-                  <a:fillRect b="-6667"/>
-                </a:stretch>
-              </a:blipFill>
-            </p:spPr>
-            <p:txBody>
-              <a:bodyPr/>
-              <a:lstStyle/>
-              <a:p>
-                <a:r>
-                  <a:rPr lang="ja-JP" altLang="en-US">
-                    <a:noFill/>
-                  </a:rPr>
-                  <a:t> </a:t>
-                </a:r>
-              </a:p>
-            </p:txBody>
-          </p:sp>
-        </mc:Fallback>
-      </mc:AlternateContent>
     </p:spTree>
     <p:extLst>
       <p:ext uri="{BB962C8B-B14F-4D97-AF65-F5344CB8AC3E}">
-        <p14:creationId xmlns:p14="http://schemas.microsoft.com/office/powerpoint/2010/main" val="2018598220"/>
+        <p14:creationId xmlns:p14="http://schemas.microsoft.com/office/powerpoint/2010/main" val="4086330578"/>
       </p:ext>
     </p:extLst>
   </p:cSld>
@@ -21055,8 +26209,8 @@
         </p:nvSpPr>
         <p:spPr>
           <a:xfrm>
-            <a:off x="134308" y="124149"/>
-            <a:ext cx="10764000" cy="6504647"/>
+            <a:off x="112157" y="116642"/>
+            <a:ext cx="10267190" cy="6504647"/>
           </a:xfrm>
           <a:prstGeom prst="rect">
             <a:avLst/>
@@ -21096,7 +26250,7 @@
           <a:lstStyle/>
           <a:p>
             <a:pPr algn="ctr"/>
-            <a:endParaRPr kumimoji="1" lang="ja-JP" altLang="en-US" sz="1000" b="1">
+            <a:endParaRPr kumimoji="1" lang="ja-JP" altLang="en-US" sz="1000" b="1" dirty="0">
               <a:solidFill>
                 <a:schemeClr val="bg1">
                   <a:lumMod val="85000"/>
@@ -21744,7 +26898,7 @@
       </p:sp>
       <p:sp>
         <p:nvSpPr>
-          <p:cNvPr id="138" name="Speech Bubble: Rectangle 137">
+          <p:cNvPr id="138" name="Callout: Line 137">
             <a:extLst>
               <a:ext uri="{FF2B5EF4-FFF2-40B4-BE49-F238E27FC236}">
                 <a16:creationId xmlns:a16="http://schemas.microsoft.com/office/drawing/2014/main" id="{20A6B817-A5BA-4BBA-AB7D-132FA112E409}"/>
@@ -21759,17 +26913,23 @@
             <a:off x="4197794" y="318552"/>
             <a:ext cx="1831144" cy="252000"/>
           </a:xfrm>
-          <a:prstGeom prst="wedgeRectCallout">
+          <a:prstGeom prst="borderCallout1">
             <a:avLst>
-              <a:gd name="adj1" fmla="val -44620"/>
-              <a:gd name="adj2" fmla="val 83592"/>
+              <a:gd name="adj1" fmla="val 79226"/>
+              <a:gd name="adj2" fmla="val 35500"/>
+              <a:gd name="adj3" fmla="val 206965"/>
+              <a:gd name="adj4" fmla="val 24364"/>
             </a:avLst>
           </a:prstGeom>
           <a:solidFill>
             <a:srgbClr val="C00000"/>
           </a:solidFill>
           <a:ln>
-            <a:noFill/>
+            <a:solidFill>
+              <a:srgbClr val="C00000"/>
+            </a:solidFill>
+            <a:headEnd type="oval" w="med" len="med"/>
+            <a:tailEnd type="oval" w="med" len="med"/>
           </a:ln>
         </p:spPr>
         <p:style>
@@ -21858,7 +27018,7 @@
       </p:sp>
       <p:sp>
         <p:nvSpPr>
-          <p:cNvPr id="139" name="Speech Bubble: Rectangle 138">
+          <p:cNvPr id="139" name="Callout: Line 138">
             <a:extLst>
               <a:ext uri="{FF2B5EF4-FFF2-40B4-BE49-F238E27FC236}">
                 <a16:creationId xmlns:a16="http://schemas.microsoft.com/office/drawing/2014/main" id="{1330ED02-29E4-6EFE-F680-1E4DE4C5DDB8}"/>
@@ -21873,17 +27033,23 @@
             <a:off x="2013537" y="318552"/>
             <a:ext cx="1831145" cy="252000"/>
           </a:xfrm>
-          <a:prstGeom prst="wedgeRectCallout">
+          <a:prstGeom prst="borderCallout1">
             <a:avLst>
-              <a:gd name="adj1" fmla="val 38364"/>
-              <a:gd name="adj2" fmla="val 79140"/>
+              <a:gd name="adj1" fmla="val 80757"/>
+              <a:gd name="adj2" fmla="val 66571"/>
+              <a:gd name="adj3" fmla="val 211252"/>
+              <a:gd name="adj4" fmla="val 78922"/>
             </a:avLst>
           </a:prstGeom>
           <a:solidFill>
             <a:srgbClr val="C00000"/>
           </a:solidFill>
           <a:ln>
-            <a:noFill/>
+            <a:solidFill>
+              <a:srgbClr val="C00000"/>
+            </a:solidFill>
+            <a:headEnd type="oval" w="med" len="med"/>
+            <a:tailEnd type="oval" w="med" len="med"/>
           </a:ln>
         </p:spPr>
         <p:style>
@@ -25742,7 +30908,7 @@
       </p:sp>
       <p:sp>
         <p:nvSpPr>
-          <p:cNvPr id="291" name="Speech Bubble: Rectangle 290">
+          <p:cNvPr id="291" name="Callout: Line 290">
             <a:extLst>
               <a:ext uri="{FF2B5EF4-FFF2-40B4-BE49-F238E27FC236}">
                 <a16:creationId xmlns:a16="http://schemas.microsoft.com/office/drawing/2014/main" id="{C71D70EA-59DA-FE36-E40D-FFA53DBC8065}"/>
@@ -25757,17 +30923,23 @@
             <a:off x="4197794" y="2215314"/>
             <a:ext cx="1831144" cy="252000"/>
           </a:xfrm>
-          <a:prstGeom prst="wedgeRectCallout">
+          <a:prstGeom prst="borderCallout1">
             <a:avLst>
-              <a:gd name="adj1" fmla="val -44620"/>
-              <a:gd name="adj2" fmla="val 83592"/>
+              <a:gd name="adj1" fmla="val 83054"/>
+              <a:gd name="adj2" fmla="val 33386"/>
+              <a:gd name="adj3" fmla="val 206660"/>
+              <a:gd name="adj4" fmla="val 21084"/>
             </a:avLst>
           </a:prstGeom>
           <a:solidFill>
             <a:srgbClr val="C00000"/>
           </a:solidFill>
           <a:ln>
-            <a:noFill/>
+            <a:solidFill>
+              <a:srgbClr val="C00000"/>
+            </a:solidFill>
+            <a:headEnd type="oval" w="med" len="med"/>
+            <a:tailEnd type="oval" w="med" len="med"/>
           </a:ln>
         </p:spPr>
         <p:style>
@@ -25856,7 +31028,7 @@
       </p:sp>
       <p:sp>
         <p:nvSpPr>
-          <p:cNvPr id="292" name="Speech Bubble: Rectangle 291">
+          <p:cNvPr id="292" name="Callout: Line 291">
             <a:extLst>
               <a:ext uri="{FF2B5EF4-FFF2-40B4-BE49-F238E27FC236}">
                 <a16:creationId xmlns:a16="http://schemas.microsoft.com/office/drawing/2014/main" id="{23E7DF81-2033-1472-7FEE-082CF9A58B18}"/>
@@ -25871,17 +31043,23 @@
             <a:off x="2013537" y="2215314"/>
             <a:ext cx="1831145" cy="252000"/>
           </a:xfrm>
-          <a:prstGeom prst="wedgeRectCallout">
+          <a:prstGeom prst="borderCallout1">
             <a:avLst>
-              <a:gd name="adj1" fmla="val 38364"/>
-              <a:gd name="adj2" fmla="val 79140"/>
+              <a:gd name="adj1" fmla="val 78461"/>
+              <a:gd name="adj2" fmla="val 67203"/>
+              <a:gd name="adj3" fmla="val 211252"/>
+              <a:gd name="adj4" fmla="val 82398"/>
             </a:avLst>
           </a:prstGeom>
           <a:solidFill>
             <a:srgbClr val="C00000"/>
           </a:solidFill>
           <a:ln>
-            <a:noFill/>
+            <a:solidFill>
+              <a:srgbClr val="C00000"/>
+            </a:solidFill>
+            <a:headEnd type="oval" w="med" len="med"/>
+            <a:tailEnd type="oval" w="med" len="med"/>
           </a:ln>
         </p:spPr>
         <p:style>
@@ -29635,112 +34813,166 @@
           </a:p>
         </p:txBody>
       </p:sp>
+      <mc:AlternateContent xmlns:mc="http://schemas.openxmlformats.org/markup-compatibility/2006">
+        <mc:Choice xmlns:a14="http://schemas.microsoft.com/office/drawing/2010/main" Requires="a14">
+          <p:sp>
+            <p:nvSpPr>
+              <p:cNvPr id="377" name="Rectangle: Rounded Corners 376">
+                <a:extLst>
+                  <a:ext uri="{FF2B5EF4-FFF2-40B4-BE49-F238E27FC236}">
+                    <a16:creationId xmlns:a16="http://schemas.microsoft.com/office/drawing/2014/main" id="{5E60A666-0765-7FE1-D5F4-DE1B81C89B47}"/>
+                  </a:ext>
+                </a:extLst>
+              </p:cNvPr>
+              <p:cNvSpPr/>
+              <p:nvPr/>
+            </p:nvSpPr>
+            <p:spPr>
+              <a:xfrm>
+                <a:off x="4475975" y="6178837"/>
+                <a:ext cx="2200973" cy="252000"/>
+              </a:xfrm>
+              <a:prstGeom prst="roundRect">
+                <a:avLst/>
+              </a:prstGeom>
+              <a:solidFill>
+                <a:schemeClr val="tx1">
+                  <a:lumMod val="75000"/>
+                  <a:lumOff val="25000"/>
+                </a:schemeClr>
+              </a:solidFill>
+              <a:ln>
+                <a:noFill/>
+              </a:ln>
+            </p:spPr>
+            <p:style>
+              <a:lnRef idx="2">
+                <a:schemeClr val="accent1">
+                  <a:shade val="50000"/>
+                </a:schemeClr>
+              </a:lnRef>
+              <a:fillRef idx="1">
+                <a:schemeClr val="accent1"/>
+              </a:fillRef>
+              <a:effectRef idx="0">
+                <a:schemeClr val="accent1"/>
+              </a:effectRef>
+              <a:fontRef idx="minor">
+                <a:schemeClr val="lt1"/>
+              </a:fontRef>
+            </p:style>
+            <p:txBody>
+              <a:bodyPr rtlCol="0" anchor="ctr"/>
+              <a:lstStyle/>
+              <a:p>
+                <a:pPr algn="ctr"/>
+                <a:r>
+                  <a:rPr lang="en-US" altLang="ja-JP" sz="1000" b="1" i="0" dirty="0">
+                    <a:solidFill>
+                      <a:schemeClr val="bg1">
+                        <a:lumMod val="85000"/>
+                      </a:schemeClr>
+                    </a:solidFill>
+                    <a:effectLst/>
+                    <a:latin typeface="游ゴシック Medium" panose="020B0500000000000000" pitchFamily="50" charset="-128"/>
+                    <a:ea typeface="游ゴシック Medium" panose="020B0500000000000000" pitchFamily="50" charset="-128"/>
+                  </a:rPr>
+                  <a:t>Display (adjusted by Observer </a:t>
+                </a:r>
+                <a14:m>
+                  <m:oMath xmlns:m="http://schemas.openxmlformats.org/officeDocument/2006/math">
+                    <m:r>
+                      <a:rPr lang="en-US" altLang="ja-JP" sz="1000" b="1" i="1" dirty="0" smtClean="0">
+                        <a:solidFill>
+                          <a:schemeClr val="accent2">
+                            <a:lumMod val="60000"/>
+                            <a:lumOff val="40000"/>
+                          </a:schemeClr>
+                        </a:solidFill>
+                        <a:latin typeface="Cambria Math" panose="02040503050406030204" pitchFamily="18" charset="0"/>
+                        <a:ea typeface="游ゴシック Medium" panose="020B0500000000000000" pitchFamily="50" charset="-128"/>
+                      </a:rPr>
+                      <m:t>𝐏</m:t>
+                    </m:r>
+                  </m:oMath>
+                </a14:m>
+                <a:r>
+                  <a:rPr lang="en-US" altLang="ja-JP" sz="1000" b="1" i="0" dirty="0">
+                    <a:solidFill>
+                      <a:schemeClr val="bg1">
+                        <a:lumMod val="85000"/>
+                      </a:schemeClr>
+                    </a:solidFill>
+                    <a:effectLst/>
+                    <a:latin typeface="游ゴシック Medium" panose="020B0500000000000000" pitchFamily="50" charset="-128"/>
+                    <a:ea typeface="游ゴシック Medium" panose="020B0500000000000000" pitchFamily="50" charset="-128"/>
+                  </a:rPr>
+                  <a:t>)</a:t>
+                </a:r>
+                <a:endParaRPr kumimoji="1" lang="ja-JP" altLang="en-US" sz="1000" b="1" dirty="0">
+                  <a:solidFill>
+                    <a:schemeClr val="bg1">
+                      <a:lumMod val="85000"/>
+                    </a:schemeClr>
+                  </a:solidFill>
+                  <a:latin typeface="游ゴシック Medium" panose="020B0500000000000000" pitchFamily="50" charset="-128"/>
+                  <a:ea typeface="游ゴシック Medium" panose="020B0500000000000000" pitchFamily="50" charset="-128"/>
+                </a:endParaRPr>
+              </a:p>
+            </p:txBody>
+          </p:sp>
+        </mc:Choice>
+        <mc:Fallback>
+          <p:sp>
+            <p:nvSpPr>
+              <p:cNvPr id="377" name="Rectangle: Rounded Corners 376">
+                <a:extLst>
+                  <a:ext uri="{FF2B5EF4-FFF2-40B4-BE49-F238E27FC236}">
+                    <a16:creationId xmlns:a16="http://schemas.microsoft.com/office/drawing/2014/main" id="{5E60A666-0765-7FE1-D5F4-DE1B81C89B47}"/>
+                  </a:ext>
+                </a:extLst>
+              </p:cNvPr>
+              <p:cNvSpPr>
+                <a:spLocks noRot="1" noChangeAspect="1" noMove="1" noResize="1" noEditPoints="1" noAdjustHandles="1" noChangeArrowheads="1" noChangeShapeType="1" noTextEdit="1"/>
+              </p:cNvSpPr>
+              <p:nvPr/>
+            </p:nvSpPr>
+            <p:spPr>
+              <a:xfrm>
+                <a:off x="4475975" y="6178837"/>
+                <a:ext cx="2200973" cy="252000"/>
+              </a:xfrm>
+              <a:prstGeom prst="roundRect">
+                <a:avLst/>
+              </a:prstGeom>
+              <a:blipFill>
+                <a:blip r:embed="rId3"/>
+                <a:stretch>
+                  <a:fillRect b="-12195"/>
+                </a:stretch>
+              </a:blipFill>
+              <a:ln>
+                <a:noFill/>
+              </a:ln>
+            </p:spPr>
+            <p:txBody>
+              <a:bodyPr/>
+              <a:lstStyle/>
+              <a:p>
+                <a:r>
+                  <a:rPr lang="ja-JP" altLang="en-US">
+                    <a:noFill/>
+                  </a:rPr>
+                  <a:t> </a:t>
+                </a:r>
+              </a:p>
+            </p:txBody>
+          </p:sp>
+        </mc:Fallback>
+      </mc:AlternateContent>
       <p:sp>
         <p:nvSpPr>
-          <p:cNvPr id="377" name="Rectangle: Rounded Corners 376">
-            <a:extLst>
-              <a:ext uri="{FF2B5EF4-FFF2-40B4-BE49-F238E27FC236}">
-                <a16:creationId xmlns:a16="http://schemas.microsoft.com/office/drawing/2014/main" id="{5E60A666-0765-7FE1-D5F4-DE1B81C89B47}"/>
-              </a:ext>
-            </a:extLst>
-          </p:cNvPr>
-          <p:cNvSpPr/>
-          <p:nvPr/>
-        </p:nvSpPr>
-        <p:spPr>
-          <a:xfrm>
-            <a:off x="4475975" y="6178837"/>
-            <a:ext cx="2200973" cy="252000"/>
-          </a:xfrm>
-          <a:prstGeom prst="roundRect">
-            <a:avLst/>
-          </a:prstGeom>
-          <a:solidFill>
-            <a:schemeClr val="tx1">
-              <a:lumMod val="75000"/>
-              <a:lumOff val="25000"/>
-            </a:schemeClr>
-          </a:solidFill>
-          <a:ln>
-            <a:noFill/>
-          </a:ln>
-        </p:spPr>
-        <p:style>
-          <a:lnRef idx="2">
-            <a:schemeClr val="accent1">
-              <a:shade val="50000"/>
-            </a:schemeClr>
-          </a:lnRef>
-          <a:fillRef idx="1">
-            <a:schemeClr val="accent1"/>
-          </a:fillRef>
-          <a:effectRef idx="0">
-            <a:schemeClr val="accent1"/>
-          </a:effectRef>
-          <a:fontRef idx="minor">
-            <a:schemeClr val="lt1"/>
-          </a:fontRef>
-        </p:style>
-        <p:txBody>
-          <a:bodyPr rtlCol="0" anchor="ctr"/>
-          <a:lstStyle/>
-          <a:p>
-            <a:pPr algn="ctr"/>
-            <a:r>
-              <a:rPr lang="en-US" altLang="ja-JP" sz="1000" b="1" i="0" dirty="0">
-                <a:solidFill>
-                  <a:schemeClr val="bg1">
-                    <a:lumMod val="85000"/>
-                  </a:schemeClr>
-                </a:solidFill>
-                <a:effectLst/>
-                <a:latin typeface="游ゴシック Medium" panose="020B0500000000000000" pitchFamily="50" charset="-128"/>
-                <a:ea typeface="游ゴシック Medium" panose="020B0500000000000000" pitchFamily="50" charset="-128"/>
-              </a:rPr>
-              <a:t>Display (adjusted by Observer </a:t>
-            </a:r>
-            <a:r>
-              <a:rPr lang="en-US" altLang="ja-JP" sz="1000" b="1" i="0" dirty="0">
-                <a:solidFill>
-                  <a:schemeClr val="accent2">
-                    <a:lumMod val="60000"/>
-                    <a:lumOff val="40000"/>
-                  </a:schemeClr>
-                </a:solidFill>
-                <a:effectLst/>
-                <a:latin typeface="游ゴシック Medium" panose="020B0500000000000000" pitchFamily="50" charset="-128"/>
-                <a:ea typeface="游ゴシック Medium" panose="020B0500000000000000" pitchFamily="50" charset="-128"/>
-              </a:rPr>
-              <a:t>10</a:t>
-            </a:r>
-            <a:r>
-              <a:rPr lang="en-US" altLang="ja-JP" sz="1000" b="1" i="0" dirty="0">
-                <a:solidFill>
-                  <a:schemeClr val="bg1">
-                    <a:lumMod val="85000"/>
-                  </a:schemeClr>
-                </a:solidFill>
-                <a:effectLst/>
-                <a:latin typeface="游ゴシック Medium" panose="020B0500000000000000" pitchFamily="50" charset="-128"/>
-                <a:ea typeface="游ゴシック Medium" panose="020B0500000000000000" pitchFamily="50" charset="-128"/>
-              </a:rPr>
-              <a:t>)</a:t>
-            </a:r>
-            <a:endParaRPr kumimoji="1" lang="ja-JP" altLang="en-US" sz="1000" b="1" dirty="0">
-              <a:solidFill>
-                <a:schemeClr val="bg1">
-                  <a:lumMod val="85000"/>
-                </a:schemeClr>
-              </a:solidFill>
-              <a:latin typeface="游ゴシック Medium" panose="020B0500000000000000" pitchFamily="50" charset="-128"/>
-              <a:ea typeface="游ゴシック Medium" panose="020B0500000000000000" pitchFamily="50" charset="-128"/>
-            </a:endParaRPr>
-          </a:p>
-        </p:txBody>
-      </p:sp>
-      <p:sp>
-        <p:nvSpPr>
-          <p:cNvPr id="378" name="Speech Bubble: Rectangle 377">
+          <p:cNvPr id="378" name="Callout: Line 377">
             <a:extLst>
               <a:ext uri="{FF2B5EF4-FFF2-40B4-BE49-F238E27FC236}">
                 <a16:creationId xmlns:a16="http://schemas.microsoft.com/office/drawing/2014/main" id="{0A0D694C-1ECD-C43F-90B2-F9B7BAFAB85A}"/>
@@ -29755,17 +34987,23 @@
             <a:off x="4197794" y="4848018"/>
             <a:ext cx="1895946" cy="252000"/>
           </a:xfrm>
-          <a:prstGeom prst="wedgeRectCallout">
+          <a:prstGeom prst="borderCallout1">
             <a:avLst>
-              <a:gd name="adj1" fmla="val -44620"/>
-              <a:gd name="adj2" fmla="val 83592"/>
+              <a:gd name="adj1" fmla="val 87647"/>
+              <a:gd name="adj2" fmla="val 37454"/>
+              <a:gd name="adj3" fmla="val 208956"/>
+              <a:gd name="adj4" fmla="val 26074"/>
             </a:avLst>
           </a:prstGeom>
           <a:solidFill>
             <a:srgbClr val="C00000"/>
           </a:solidFill>
           <a:ln>
-            <a:noFill/>
+            <a:solidFill>
+              <a:srgbClr val="C00000"/>
+            </a:solidFill>
+            <a:headEnd type="oval" w="med" len="med"/>
+            <a:tailEnd type="oval" w="med" len="med"/>
           </a:ln>
         </p:spPr>
         <p:style>
@@ -29799,10 +35037,10 @@
                 <a:latin typeface="游ゴシック Medium" panose="020B0500000000000000" pitchFamily="50" charset="-128"/>
                 <a:ea typeface="游ゴシック Medium" panose="020B0500000000000000" pitchFamily="50" charset="-128"/>
               </a:rPr>
-              <a:t>(x</a:t>
+              <a:t>(</a:t>
             </a:r>
             <a:r>
-              <a:rPr lang="en-US" altLang="ja-JP" sz="1200" b="1" baseline="-25000" dirty="0">
+              <a:rPr lang="en-US" altLang="ja-JP" sz="1200" b="1" dirty="0" err="1">
                 <a:solidFill>
                   <a:schemeClr val="bg1">
                     <a:lumMod val="95000"/>
@@ -29811,7 +35049,19 @@
                 <a:latin typeface="游ゴシック Medium" panose="020B0500000000000000" pitchFamily="50" charset="-128"/>
                 <a:ea typeface="游ゴシック Medium" panose="020B0500000000000000" pitchFamily="50" charset="-128"/>
               </a:rPr>
-              <a:t>10</a:t>
+              <a:t>x</a:t>
+            </a:r>
+            <a:r>
+              <a:rPr lang="en-US" altLang="ja-JP" sz="1200" b="1" baseline="-25000" dirty="0" err="1">
+                <a:solidFill>
+                  <a:schemeClr val="bg1">
+                    <a:lumMod val="95000"/>
+                  </a:schemeClr>
+                </a:solidFill>
+                <a:latin typeface="游ゴシック Medium" panose="020B0500000000000000" pitchFamily="50" charset="-128"/>
+                <a:ea typeface="游ゴシック Medium" panose="020B0500000000000000" pitchFamily="50" charset="-128"/>
+              </a:rPr>
+              <a:t>P</a:t>
             </a:r>
             <a:r>
               <a:rPr lang="en-US" altLang="ja-JP" sz="1200" b="1" dirty="0">
@@ -29823,10 +35073,10 @@
                 <a:latin typeface="游ゴシック Medium" panose="020B0500000000000000" pitchFamily="50" charset="-128"/>
                 <a:ea typeface="游ゴシック Medium" panose="020B0500000000000000" pitchFamily="50" charset="-128"/>
               </a:rPr>
-              <a:t>, y</a:t>
+              <a:t>, </a:t>
             </a:r>
             <a:r>
-              <a:rPr lang="en-US" altLang="ja-JP" sz="1200" b="1" baseline="-25000" dirty="0">
+              <a:rPr lang="en-US" altLang="ja-JP" sz="1200" b="1" dirty="0" err="1">
                 <a:solidFill>
                   <a:schemeClr val="bg1">
                     <a:lumMod val="95000"/>
@@ -29835,7 +35085,19 @@
                 <a:latin typeface="游ゴシック Medium" panose="020B0500000000000000" pitchFamily="50" charset="-128"/>
                 <a:ea typeface="游ゴシック Medium" panose="020B0500000000000000" pitchFamily="50" charset="-128"/>
               </a:rPr>
-              <a:t>10</a:t>
+              <a:t>y</a:t>
+            </a:r>
+            <a:r>
+              <a:rPr lang="en-US" altLang="ja-JP" sz="1200" b="1" baseline="-25000" dirty="0" err="1">
+                <a:solidFill>
+                  <a:schemeClr val="bg1">
+                    <a:lumMod val="95000"/>
+                  </a:schemeClr>
+                </a:solidFill>
+                <a:latin typeface="游ゴシック Medium" panose="020B0500000000000000" pitchFamily="50" charset="-128"/>
+                <a:ea typeface="游ゴシック Medium" panose="020B0500000000000000" pitchFamily="50" charset="-128"/>
+              </a:rPr>
+              <a:t>P</a:t>
             </a:r>
             <a:r>
               <a:rPr lang="en-US" altLang="ja-JP" sz="1200" b="1" dirty="0">
@@ -29854,7 +35116,7 @@
       </p:sp>
       <p:sp>
         <p:nvSpPr>
-          <p:cNvPr id="379" name="Speech Bubble: Rectangle 378">
+          <p:cNvPr id="379" name="Callout: Line 378">
             <a:extLst>
               <a:ext uri="{FF2B5EF4-FFF2-40B4-BE49-F238E27FC236}">
                 <a16:creationId xmlns:a16="http://schemas.microsoft.com/office/drawing/2014/main" id="{CD2A43FD-059A-11EA-BD34-2699D4CFF55A}"/>
@@ -29869,17 +35131,23 @@
             <a:off x="1948737" y="4848018"/>
             <a:ext cx="1895946" cy="252000"/>
           </a:xfrm>
-          <a:prstGeom prst="wedgeRectCallout">
+          <a:prstGeom prst="borderCallout1">
             <a:avLst>
-              <a:gd name="adj1" fmla="val 38364"/>
-              <a:gd name="adj2" fmla="val 79140"/>
+              <a:gd name="adj1" fmla="val 87647"/>
+              <a:gd name="adj2" fmla="val 69505"/>
+              <a:gd name="adj3" fmla="val 208956"/>
+              <a:gd name="adj4" fmla="val 83766"/>
             </a:avLst>
           </a:prstGeom>
           <a:solidFill>
             <a:srgbClr val="C00000"/>
           </a:solidFill>
           <a:ln>
-            <a:noFill/>
+            <a:solidFill>
+              <a:srgbClr val="C00000"/>
+            </a:solidFill>
+            <a:headEnd type="oval" w="med" len="med"/>
+            <a:tailEnd type="oval" w="med" len="med"/>
           </a:ln>
         </p:spPr>
         <p:style>
@@ -29913,10 +35181,10 @@
                 <a:latin typeface="游ゴシック Medium" panose="020B0500000000000000" pitchFamily="50" charset="-128"/>
                 <a:ea typeface="游ゴシック Medium" panose="020B0500000000000000" pitchFamily="50" charset="-128"/>
               </a:rPr>
-              <a:t>(x</a:t>
+              <a:t>(</a:t>
             </a:r>
             <a:r>
-              <a:rPr lang="en-US" altLang="ja-JP" sz="1200" b="1" baseline="-25000" dirty="0">
+              <a:rPr lang="en-US" altLang="ja-JP" sz="1200" b="1" dirty="0" err="1">
                 <a:solidFill>
                   <a:schemeClr val="bg1">
                     <a:lumMod val="95000"/>
@@ -29925,7 +35193,19 @@
                 <a:latin typeface="游ゴシック Medium" panose="020B0500000000000000" pitchFamily="50" charset="-128"/>
                 <a:ea typeface="游ゴシック Medium" panose="020B0500000000000000" pitchFamily="50" charset="-128"/>
               </a:rPr>
-              <a:t>10</a:t>
+              <a:t>x</a:t>
+            </a:r>
+            <a:r>
+              <a:rPr lang="en-US" altLang="ja-JP" sz="1200" b="1" baseline="-25000" dirty="0" err="1">
+                <a:solidFill>
+                  <a:schemeClr val="bg1">
+                    <a:lumMod val="95000"/>
+                  </a:schemeClr>
+                </a:solidFill>
+                <a:latin typeface="游ゴシック Medium" panose="020B0500000000000000" pitchFamily="50" charset="-128"/>
+                <a:ea typeface="游ゴシック Medium" panose="020B0500000000000000" pitchFamily="50" charset="-128"/>
+              </a:rPr>
+              <a:t>P</a:t>
             </a:r>
             <a:r>
               <a:rPr lang="en-US" altLang="ja-JP" sz="1200" b="1" dirty="0">
@@ -29937,10 +35217,10 @@
                 <a:latin typeface="游ゴシック Medium" panose="020B0500000000000000" pitchFamily="50" charset="-128"/>
                 <a:ea typeface="游ゴシック Medium" panose="020B0500000000000000" pitchFamily="50" charset="-128"/>
               </a:rPr>
-              <a:t>, y</a:t>
+              <a:t>, </a:t>
             </a:r>
             <a:r>
-              <a:rPr lang="en-US" altLang="ja-JP" sz="1200" b="1" baseline="-25000" dirty="0">
+              <a:rPr lang="en-US" altLang="ja-JP" sz="1200" b="1" dirty="0" err="1">
                 <a:solidFill>
                   <a:schemeClr val="bg1">
                     <a:lumMod val="95000"/>
@@ -29949,7 +35229,19 @@
                 <a:latin typeface="游ゴシック Medium" panose="020B0500000000000000" pitchFamily="50" charset="-128"/>
                 <a:ea typeface="游ゴシック Medium" panose="020B0500000000000000" pitchFamily="50" charset="-128"/>
               </a:rPr>
-              <a:t>10</a:t>
+              <a:t>y</a:t>
+            </a:r>
+            <a:r>
+              <a:rPr lang="en-US" altLang="ja-JP" sz="1200" b="1" baseline="-25000" dirty="0" err="1">
+                <a:solidFill>
+                  <a:schemeClr val="bg1">
+                    <a:lumMod val="95000"/>
+                  </a:schemeClr>
+                </a:solidFill>
+                <a:latin typeface="游ゴシック Medium" panose="020B0500000000000000" pitchFamily="50" charset="-128"/>
+                <a:ea typeface="游ゴシック Medium" panose="020B0500000000000000" pitchFamily="50" charset="-128"/>
+              </a:rPr>
+              <a:t>P</a:t>
             </a:r>
             <a:r>
               <a:rPr lang="en-US" altLang="ja-JP" sz="1200" b="1" dirty="0">
@@ -33122,56 +38414,115 @@
           </a:p>
         </p:txBody>
       </p:sp>
-      <p:sp>
-        <p:nvSpPr>
-          <p:cNvPr id="455" name="TextBox 454">
-            <a:extLst>
-              <a:ext uri="{FF2B5EF4-FFF2-40B4-BE49-F238E27FC236}">
-                <a16:creationId xmlns:a16="http://schemas.microsoft.com/office/drawing/2014/main" id="{5E747204-0EF0-AB79-11D3-531E3634983A}"/>
-              </a:ext>
-            </a:extLst>
-          </p:cNvPr>
-          <p:cNvSpPr txBox="1"/>
-          <p:nvPr/>
-        </p:nvSpPr>
-        <p:spPr>
-          <a:xfrm>
-            <a:off x="3843822" y="5155374"/>
-            <a:ext cx="777612" cy="307777"/>
-          </a:xfrm>
-          <a:prstGeom prst="rect">
-            <a:avLst/>
-          </a:prstGeom>
-          <a:noFill/>
-        </p:spPr>
-        <p:txBody>
-          <a:bodyPr wrap="square" rtlCol="0">
-            <a:spAutoFit/>
-          </a:bodyPr>
-          <a:lstStyle/>
-          <a:p>
-            <a:r>
-              <a:rPr kumimoji="1" lang="en-US" altLang="ja-JP" sz="1400" b="1" dirty="0">
-                <a:solidFill>
-                  <a:schemeClr val="accent2">
-                    <a:lumMod val="60000"/>
-                    <a:lumOff val="40000"/>
-                  </a:schemeClr>
-                </a:solidFill>
-              </a:rPr>
-              <a:t>10</a:t>
-            </a:r>
-            <a:endParaRPr kumimoji="1" lang="ja-JP" altLang="en-US" sz="1400" b="1" dirty="0">
-              <a:solidFill>
-                <a:schemeClr val="accent2">
-                  <a:lumMod val="60000"/>
-                  <a:lumOff val="40000"/>
-                </a:schemeClr>
-              </a:solidFill>
-            </a:endParaRPr>
-          </a:p>
-        </p:txBody>
-      </p:sp>
+      <mc:AlternateContent xmlns:mc="http://schemas.openxmlformats.org/markup-compatibility/2006">
+        <mc:Choice xmlns:a14="http://schemas.microsoft.com/office/drawing/2010/main" Requires="a14">
+          <p:sp>
+            <p:nvSpPr>
+              <p:cNvPr id="455" name="TextBox 454">
+                <a:extLst>
+                  <a:ext uri="{FF2B5EF4-FFF2-40B4-BE49-F238E27FC236}">
+                    <a16:creationId xmlns:a16="http://schemas.microsoft.com/office/drawing/2014/main" id="{5E747204-0EF0-AB79-11D3-531E3634983A}"/>
+                  </a:ext>
+                </a:extLst>
+              </p:cNvPr>
+              <p:cNvSpPr txBox="1"/>
+              <p:nvPr/>
+            </p:nvSpPr>
+            <p:spPr>
+              <a:xfrm>
+                <a:off x="3901900" y="5147459"/>
+                <a:ext cx="313904" cy="307777"/>
+              </a:xfrm>
+              <a:prstGeom prst="rect">
+                <a:avLst/>
+              </a:prstGeom>
+              <a:noFill/>
+            </p:spPr>
+            <p:txBody>
+              <a:bodyPr wrap="square" rtlCol="0">
+                <a:spAutoFit/>
+              </a:bodyPr>
+              <a:lstStyle/>
+              <a:p>
+                <a:pPr algn="ctr"/>
+                <a14:m>
+                  <m:oMathPara xmlns:m="http://schemas.openxmlformats.org/officeDocument/2006/math">
+                    <m:oMathParaPr>
+                      <m:jc m:val="centerGroup"/>
+                    </m:oMathParaPr>
+                    <m:oMath xmlns:m="http://schemas.openxmlformats.org/officeDocument/2006/math">
+                      <m:r>
+                        <a:rPr lang="en-US" altLang="ja-JP" sz="1400" b="1" i="0">
+                          <a:solidFill>
+                            <a:schemeClr val="accent2">
+                              <a:lumMod val="60000"/>
+                              <a:lumOff val="40000"/>
+                            </a:schemeClr>
+                          </a:solidFill>
+                          <a:latin typeface="Cambria Math" panose="02040503050406030204" pitchFamily="18" charset="0"/>
+                        </a:rPr>
+                        <m:t>𝐏</m:t>
+                      </m:r>
+                    </m:oMath>
+                  </m:oMathPara>
+                </a14:m>
+                <a:endParaRPr kumimoji="1" lang="ja-JP" altLang="en-US" sz="1400" b="1" dirty="0">
+                  <a:solidFill>
+                    <a:schemeClr val="accent2">
+                      <a:lumMod val="60000"/>
+                      <a:lumOff val="40000"/>
+                    </a:schemeClr>
+                  </a:solidFill>
+                </a:endParaRPr>
+              </a:p>
+            </p:txBody>
+          </p:sp>
+        </mc:Choice>
+        <mc:Fallback>
+          <p:sp>
+            <p:nvSpPr>
+              <p:cNvPr id="455" name="TextBox 454">
+                <a:extLst>
+                  <a:ext uri="{FF2B5EF4-FFF2-40B4-BE49-F238E27FC236}">
+                    <a16:creationId xmlns:a16="http://schemas.microsoft.com/office/drawing/2014/main" id="{5E747204-0EF0-AB79-11D3-531E3634983A}"/>
+                  </a:ext>
+                </a:extLst>
+              </p:cNvPr>
+              <p:cNvSpPr txBox="1">
+                <a:spLocks noRot="1" noChangeAspect="1" noMove="1" noResize="1" noEditPoints="1" noAdjustHandles="1" noChangeArrowheads="1" noChangeShapeType="1" noTextEdit="1"/>
+              </p:cNvSpPr>
+              <p:nvPr/>
+            </p:nvSpPr>
+            <p:spPr>
+              <a:xfrm>
+                <a:off x="3901900" y="5147459"/>
+                <a:ext cx="313904" cy="307777"/>
+              </a:xfrm>
+              <a:prstGeom prst="rect">
+                <a:avLst/>
+              </a:prstGeom>
+              <a:blipFill>
+                <a:blip r:embed="rId4"/>
+                <a:stretch>
+                  <a:fillRect/>
+                </a:stretch>
+              </a:blipFill>
+            </p:spPr>
+            <p:txBody>
+              <a:bodyPr/>
+              <a:lstStyle/>
+              <a:p>
+                <a:r>
+                  <a:rPr lang="ja-JP" altLang="en-US">
+                    <a:noFill/>
+                  </a:rPr>
+                  <a:t> </a:t>
+                </a:r>
+              </a:p>
+            </p:txBody>
+          </p:sp>
+        </mc:Fallback>
+      </mc:AlternateContent>
       <p:grpSp>
         <p:nvGrpSpPr>
           <p:cNvPr id="456" name="Group 455">
@@ -33491,8 +38842,8 @@
         </p:nvSpPr>
         <p:spPr>
           <a:xfrm>
-            <a:off x="8207042" y="3614692"/>
-            <a:ext cx="2585621" cy="252000"/>
+            <a:off x="8756442" y="3614690"/>
+            <a:ext cx="1486822" cy="396000"/>
           </a:xfrm>
           <a:prstGeom prst="roundRect">
             <a:avLst/>
@@ -33539,7 +38890,23 @@
                 <a:latin typeface="游ゴシック Medium" panose="020B0500000000000000" pitchFamily="50" charset="-128"/>
                 <a:ea typeface="游ゴシック Medium" panose="020B0500000000000000" pitchFamily="50" charset="-128"/>
               </a:rPr>
-              <a:t> CIE 1931 standard colorimetric observer</a:t>
+              <a:t> CIE 1931 standard</a:t>
+            </a:r>
+          </a:p>
+          <a:p>
+            <a:pPr algn="ctr"/>
+            <a:r>
+              <a:rPr lang="en-US" altLang="ja-JP" sz="1000" b="1" i="0" dirty="0">
+                <a:solidFill>
+                  <a:schemeClr val="bg1">
+                    <a:lumMod val="85000"/>
+                  </a:schemeClr>
+                </a:solidFill>
+                <a:effectLst/>
+                <a:latin typeface="游ゴシック Medium" panose="020B0500000000000000" pitchFamily="50" charset="-128"/>
+                <a:ea typeface="游ゴシック Medium" panose="020B0500000000000000" pitchFamily="50" charset="-128"/>
+              </a:rPr>
+              <a:t>colorimetric observer</a:t>
             </a:r>
             <a:endParaRPr kumimoji="1" lang="ja-JP" altLang="en-US" sz="1000" b="1" dirty="0">
               <a:solidFill>
@@ -33563,14 +38930,15 @@
             </a:extLst>
           </p:cNvPr>
           <p:cNvCxnSpPr>
+            <a:cxnSpLocks/>
             <a:stCxn id="457" idx="2"/>
           </p:cNvCxnSpPr>
           <p:nvPr/>
         </p:nvCxnSpPr>
         <p:spPr>
           <a:xfrm flipH="1" flipV="1">
-            <a:off x="5302519" y="996219"/>
-            <a:ext cx="4060875" cy="1833629"/>
+            <a:off x="5687474" y="996219"/>
+            <a:ext cx="3675920" cy="1833629"/>
           </a:xfrm>
           <a:prstGeom prst="straightConnector1">
             <a:avLst/>
@@ -33616,8 +38984,8 @@
         </p:nvCxnSpPr>
         <p:spPr>
           <a:xfrm flipH="1">
-            <a:off x="5333868" y="2829848"/>
-            <a:ext cx="4029526" cy="56047"/>
+            <a:off x="5687474" y="2829848"/>
+            <a:ext cx="3675920" cy="68361"/>
           </a:xfrm>
           <a:prstGeom prst="straightConnector1">
             <a:avLst/>
@@ -33663,8 +39031,8 @@
         </p:nvCxnSpPr>
         <p:spPr>
           <a:xfrm flipH="1">
-            <a:off x="5246010" y="2829848"/>
-            <a:ext cx="4117384" cy="2695837"/>
+            <a:off x="5692583" y="2829848"/>
+            <a:ext cx="3670811" cy="2713379"/>
           </a:xfrm>
           <a:prstGeom prst="straightConnector1">
             <a:avLst/>
@@ -33695,7 +39063,7 @@
       </p:cxnSp>
       <p:sp>
         <p:nvSpPr>
-          <p:cNvPr id="472" name="Speech Bubble: Rectangle 471">
+          <p:cNvPr id="472" name="Callout: Line 471">
             <a:extLst>
               <a:ext uri="{FF2B5EF4-FFF2-40B4-BE49-F238E27FC236}">
                 <a16:creationId xmlns:a16="http://schemas.microsoft.com/office/drawing/2014/main" id="{4FCC74E9-1991-BA46-712C-7DE33828E04D}"/>
@@ -33707,13 +39075,15 @@
         </p:nvSpPr>
         <p:spPr>
           <a:xfrm>
-            <a:off x="7199996" y="1484654"/>
+            <a:off x="7785573" y="758936"/>
             <a:ext cx="2426054" cy="288000"/>
           </a:xfrm>
-          <a:prstGeom prst="wedgeRectCallout">
+          <a:prstGeom prst="borderCallout1">
             <a:avLst>
-              <a:gd name="adj1" fmla="val -55370"/>
-              <a:gd name="adj2" fmla="val 54668"/>
+              <a:gd name="adj1" fmla="val 58940"/>
+              <a:gd name="adj2" fmla="val 1925"/>
+              <a:gd name="adj3" fmla="val 345601"/>
+              <a:gd name="adj4" fmla="val -22589"/>
             </a:avLst>
           </a:prstGeom>
           <a:solidFill>
@@ -33722,7 +39092,13 @@
             </a:schemeClr>
           </a:solidFill>
           <a:ln>
-            <a:noFill/>
+            <a:solidFill>
+              <a:schemeClr val="accent6">
+                <a:lumMod val="75000"/>
+              </a:schemeClr>
+            </a:solidFill>
+            <a:headEnd type="oval" w="med" len="med"/>
+            <a:tailEnd type="oval" w="med" len="med"/>
           </a:ln>
         </p:spPr>
         <p:style>
@@ -33820,7 +39196,7 @@
       </p:sp>
       <p:sp>
         <p:nvSpPr>
-          <p:cNvPr id="473" name="Speech Bubble: Rectangle 472">
+          <p:cNvPr id="473" name="Callout: Line 472">
             <a:extLst>
               <a:ext uri="{FF2B5EF4-FFF2-40B4-BE49-F238E27FC236}">
                 <a16:creationId xmlns:a16="http://schemas.microsoft.com/office/drawing/2014/main" id="{E0E1DCAF-2ADD-FC44-96B5-B762E7DE7386}"/>
@@ -33832,13 +39208,15 @@
         </p:nvSpPr>
         <p:spPr>
           <a:xfrm>
-            <a:off x="6370860" y="2456509"/>
-            <a:ext cx="2537281" cy="288000"/>
+            <a:off x="7785574" y="1545166"/>
+            <a:ext cx="2426054" cy="288000"/>
           </a:xfrm>
-          <a:prstGeom prst="wedgeRectCallout">
+          <a:prstGeom prst="borderCallout1">
             <a:avLst>
-              <a:gd name="adj1" fmla="val -42415"/>
-              <a:gd name="adj2" fmla="val 80305"/>
+              <a:gd name="adj1" fmla="val 50902"/>
+              <a:gd name="adj2" fmla="val 1686"/>
+              <a:gd name="adj3" fmla="val 458133"/>
+              <a:gd name="adj4" fmla="val -32608"/>
             </a:avLst>
           </a:prstGeom>
           <a:solidFill>
@@ -33847,7 +39225,13 @@
             </a:schemeClr>
           </a:solidFill>
           <a:ln>
-            <a:noFill/>
+            <a:solidFill>
+              <a:schemeClr val="accent6">
+                <a:lumMod val="75000"/>
+              </a:schemeClr>
+            </a:solidFill>
+            <a:headEnd type="oval" w="med" len="med"/>
+            <a:tailEnd type="oval" w="med" len="med"/>
           </a:ln>
         </p:spPr>
         <p:style>
@@ -33945,7 +39329,7 @@
       </p:sp>
       <p:sp>
         <p:nvSpPr>
-          <p:cNvPr id="474" name="Speech Bubble: Rectangle 473">
+          <p:cNvPr id="474" name="Callout: Line 473">
             <a:extLst>
               <a:ext uri="{FF2B5EF4-FFF2-40B4-BE49-F238E27FC236}">
                 <a16:creationId xmlns:a16="http://schemas.microsoft.com/office/drawing/2014/main" id="{555340F6-7CD5-B2D0-59BA-C7FD0ED88125}"/>
@@ -33957,13 +39341,15 @@
         </p:nvSpPr>
         <p:spPr>
           <a:xfrm>
-            <a:off x="7187274" y="4384751"/>
-            <a:ext cx="2521568" cy="288000"/>
+            <a:off x="7785573" y="4439175"/>
+            <a:ext cx="2426054" cy="288000"/>
           </a:xfrm>
-          <a:prstGeom prst="wedgeRectCallout">
+          <a:prstGeom prst="borderCallout1">
             <a:avLst>
-              <a:gd name="adj1" fmla="val -54908"/>
-              <a:gd name="adj2" fmla="val -51823"/>
+              <a:gd name="adj1" fmla="val 48893"/>
+              <a:gd name="adj2" fmla="val 1924"/>
+              <a:gd name="adj3" fmla="val -36203"/>
+              <a:gd name="adj4" fmla="val -18533"/>
             </a:avLst>
           </a:prstGeom>
           <a:solidFill>
@@ -33972,7 +39358,13 @@
             </a:schemeClr>
           </a:solidFill>
           <a:ln>
-            <a:noFill/>
+            <a:solidFill>
+              <a:schemeClr val="accent6">
+                <a:lumMod val="75000"/>
+              </a:schemeClr>
+            </a:solidFill>
+            <a:headEnd type="oval" w="med" len="med"/>
+            <a:tailEnd type="oval" w="med" len="med"/>
           </a:ln>
         </p:spPr>
         <p:style>
@@ -34144,6 +39536,246 @@
     <p:extLst>
       <p:ext uri="{BB962C8B-B14F-4D97-AF65-F5344CB8AC3E}">
         <p14:creationId xmlns:p14="http://schemas.microsoft.com/office/powerpoint/2010/main" val="852407075"/>
+      </p:ext>
+    </p:extLst>
+  </p:cSld>
+  <p:clrMapOvr>
+    <a:masterClrMapping/>
+  </p:clrMapOvr>
+</p:sld>
+</file>
+
+<file path=ppt/slides/slide7.xml><?xml version="1.0" encoding="utf-8"?>
+<p:sld xmlns:a="http://schemas.openxmlformats.org/drawingml/2006/main" xmlns:r="http://schemas.openxmlformats.org/officeDocument/2006/relationships" xmlns:p="http://schemas.openxmlformats.org/presentationml/2006/main">
+  <p:cSld>
+    <p:spTree>
+      <p:nvGrpSpPr>
+        <p:cNvPr id="1" name=""/>
+        <p:cNvGrpSpPr/>
+        <p:nvPr/>
+      </p:nvGrpSpPr>
+      <p:grpSpPr>
+        <a:xfrm>
+          <a:off x="0" y="0"/>
+          <a:ext cx="0" cy="0"/>
+          <a:chOff x="0" y="0"/>
+          <a:chExt cx="0" cy="0"/>
+        </a:xfrm>
+      </p:grpSpPr>
+      <p:sp>
+        <p:nvSpPr>
+          <p:cNvPr id="2" name="Title 1">
+            <a:extLst>
+              <a:ext uri="{FF2B5EF4-FFF2-40B4-BE49-F238E27FC236}">
+                <a16:creationId xmlns:a16="http://schemas.microsoft.com/office/drawing/2014/main" id="{F264FB4D-285B-C2D9-29AB-44D7E5A9F342}"/>
+              </a:ext>
+            </a:extLst>
+          </p:cNvPr>
+          <p:cNvSpPr>
+            <a:spLocks noGrp="1"/>
+          </p:cNvSpPr>
+          <p:nvPr>
+            <p:ph type="title"/>
+          </p:nvPr>
+        </p:nvSpPr>
+        <p:spPr/>
+        <p:txBody>
+          <a:bodyPr/>
+          <a:lstStyle/>
+          <a:p>
+            <a:endParaRPr kumimoji="1" lang="ja-JP" altLang="en-US"/>
+          </a:p>
+        </p:txBody>
+      </p:sp>
+      <p:sp>
+        <p:nvSpPr>
+          <p:cNvPr id="3" name="Content Placeholder 2">
+            <a:extLst>
+              <a:ext uri="{FF2B5EF4-FFF2-40B4-BE49-F238E27FC236}">
+                <a16:creationId xmlns:a16="http://schemas.microsoft.com/office/drawing/2014/main" id="{E512BCAD-87CF-D76B-347F-0F7597DDBE9D}"/>
+              </a:ext>
+            </a:extLst>
+          </p:cNvPr>
+          <p:cNvSpPr>
+            <a:spLocks noGrp="1"/>
+          </p:cNvSpPr>
+          <p:nvPr>
+            <p:ph idx="1"/>
+          </p:nvPr>
+        </p:nvSpPr>
+        <p:spPr/>
+        <p:txBody>
+          <a:bodyPr/>
+          <a:lstStyle/>
+          <a:p>
+            <a:endParaRPr kumimoji="1" lang="ja-JP" altLang="en-US"/>
+          </a:p>
+        </p:txBody>
+      </p:sp>
+    </p:spTree>
+    <p:extLst>
+      <p:ext uri="{BB962C8B-B14F-4D97-AF65-F5344CB8AC3E}">
+        <p14:creationId xmlns:p14="http://schemas.microsoft.com/office/powerpoint/2010/main" val="20095331"/>
+      </p:ext>
+    </p:extLst>
+  </p:cSld>
+  <p:clrMapOvr>
+    <a:masterClrMapping/>
+  </p:clrMapOvr>
+</p:sld>
+</file>
+
+<file path=ppt/slides/slide8.xml><?xml version="1.0" encoding="utf-8"?>
+<p:sld xmlns:a="http://schemas.openxmlformats.org/drawingml/2006/main" xmlns:r="http://schemas.openxmlformats.org/officeDocument/2006/relationships" xmlns:p="http://schemas.openxmlformats.org/presentationml/2006/main">
+  <p:cSld>
+    <p:spTree>
+      <p:nvGrpSpPr>
+        <p:cNvPr id="1" name=""/>
+        <p:cNvGrpSpPr/>
+        <p:nvPr/>
+      </p:nvGrpSpPr>
+      <p:grpSpPr>
+        <a:xfrm>
+          <a:off x="0" y="0"/>
+          <a:ext cx="0" cy="0"/>
+          <a:chOff x="0" y="0"/>
+          <a:chExt cx="0" cy="0"/>
+        </a:xfrm>
+      </p:grpSpPr>
+      <p:sp>
+        <p:nvSpPr>
+          <p:cNvPr id="2" name="Title 1">
+            <a:extLst>
+              <a:ext uri="{FF2B5EF4-FFF2-40B4-BE49-F238E27FC236}">
+                <a16:creationId xmlns:a16="http://schemas.microsoft.com/office/drawing/2014/main" id="{EB738B57-F974-954A-A378-1CC008197E5B}"/>
+              </a:ext>
+            </a:extLst>
+          </p:cNvPr>
+          <p:cNvSpPr>
+            <a:spLocks noGrp="1"/>
+          </p:cNvSpPr>
+          <p:nvPr>
+            <p:ph type="title"/>
+          </p:nvPr>
+        </p:nvSpPr>
+        <p:spPr/>
+        <p:txBody>
+          <a:bodyPr/>
+          <a:lstStyle/>
+          <a:p>
+            <a:endParaRPr kumimoji="1" lang="ja-JP" altLang="en-US"/>
+          </a:p>
+        </p:txBody>
+      </p:sp>
+      <p:sp>
+        <p:nvSpPr>
+          <p:cNvPr id="3" name="Content Placeholder 2">
+            <a:extLst>
+              <a:ext uri="{FF2B5EF4-FFF2-40B4-BE49-F238E27FC236}">
+                <a16:creationId xmlns:a16="http://schemas.microsoft.com/office/drawing/2014/main" id="{77B39464-093F-863B-C6C3-A7060135E9C2}"/>
+              </a:ext>
+            </a:extLst>
+          </p:cNvPr>
+          <p:cNvSpPr>
+            <a:spLocks noGrp="1"/>
+          </p:cNvSpPr>
+          <p:nvPr>
+            <p:ph idx="1"/>
+          </p:nvPr>
+        </p:nvSpPr>
+        <p:spPr/>
+        <p:txBody>
+          <a:bodyPr/>
+          <a:lstStyle/>
+          <a:p>
+            <a:endParaRPr kumimoji="1" lang="ja-JP" altLang="en-US"/>
+          </a:p>
+        </p:txBody>
+      </p:sp>
+    </p:spTree>
+    <p:extLst>
+      <p:ext uri="{BB962C8B-B14F-4D97-AF65-F5344CB8AC3E}">
+        <p14:creationId xmlns:p14="http://schemas.microsoft.com/office/powerpoint/2010/main" val="3256026104"/>
+      </p:ext>
+    </p:extLst>
+  </p:cSld>
+  <p:clrMapOvr>
+    <a:masterClrMapping/>
+  </p:clrMapOvr>
+</p:sld>
+</file>
+
+<file path=ppt/slides/slide9.xml><?xml version="1.0" encoding="utf-8"?>
+<p:sld xmlns:a="http://schemas.openxmlformats.org/drawingml/2006/main" xmlns:r="http://schemas.openxmlformats.org/officeDocument/2006/relationships" xmlns:p="http://schemas.openxmlformats.org/presentationml/2006/main">
+  <p:cSld>
+    <p:spTree>
+      <p:nvGrpSpPr>
+        <p:cNvPr id="1" name=""/>
+        <p:cNvGrpSpPr/>
+        <p:nvPr/>
+      </p:nvGrpSpPr>
+      <p:grpSpPr>
+        <a:xfrm>
+          <a:off x="0" y="0"/>
+          <a:ext cx="0" cy="0"/>
+          <a:chOff x="0" y="0"/>
+          <a:chExt cx="0" cy="0"/>
+        </a:xfrm>
+      </p:grpSpPr>
+      <p:sp>
+        <p:nvSpPr>
+          <p:cNvPr id="2" name="Title 1">
+            <a:extLst>
+              <a:ext uri="{FF2B5EF4-FFF2-40B4-BE49-F238E27FC236}">
+                <a16:creationId xmlns:a16="http://schemas.microsoft.com/office/drawing/2014/main" id="{F4357073-6AF1-6D8D-33C6-85373409F080}"/>
+              </a:ext>
+            </a:extLst>
+          </p:cNvPr>
+          <p:cNvSpPr>
+            <a:spLocks noGrp="1"/>
+          </p:cNvSpPr>
+          <p:nvPr>
+            <p:ph type="title"/>
+          </p:nvPr>
+        </p:nvSpPr>
+        <p:spPr/>
+        <p:txBody>
+          <a:bodyPr/>
+          <a:lstStyle/>
+          <a:p>
+            <a:endParaRPr kumimoji="1" lang="ja-JP" altLang="en-US"/>
+          </a:p>
+        </p:txBody>
+      </p:sp>
+      <p:sp>
+        <p:nvSpPr>
+          <p:cNvPr id="3" name="Content Placeholder 2">
+            <a:extLst>
+              <a:ext uri="{FF2B5EF4-FFF2-40B4-BE49-F238E27FC236}">
+                <a16:creationId xmlns:a16="http://schemas.microsoft.com/office/drawing/2014/main" id="{532A335E-6891-B32E-74B6-677CF389377E}"/>
+              </a:ext>
+            </a:extLst>
+          </p:cNvPr>
+          <p:cNvSpPr>
+            <a:spLocks noGrp="1"/>
+          </p:cNvSpPr>
+          <p:nvPr>
+            <p:ph idx="1"/>
+          </p:nvPr>
+        </p:nvSpPr>
+        <p:spPr/>
+        <p:txBody>
+          <a:bodyPr/>
+          <a:lstStyle/>
+          <a:p>
+            <a:endParaRPr kumimoji="1" lang="ja-JP" altLang="en-US"/>
+          </a:p>
+        </p:txBody>
+      </p:sp>
+    </p:spTree>
+    <p:extLst>
+      <p:ext uri="{BB962C8B-B14F-4D97-AF65-F5344CB8AC3E}">
+        <p14:creationId xmlns:p14="http://schemas.microsoft.com/office/powerpoint/2010/main" val="887501084"/>
       </p:ext>
     </p:extLst>
   </p:cSld>
